--- a/HVAC_Final_Presentation.pptx
+++ b/HVAC_Final_Presentation.pptx
@@ -113,6 +113,11 @@
       </a:defRPr>
     </a:lvl9pPr>
   </p:defaultTextStyle>
+  <p:extLst>
+    <p:ext uri="{EFAFB233-063F-42B5-8137-9DF3F51BA10A}">
+      <p15:sldGuideLst xmlns:p15="http://schemas.microsoft.com/office/powerpoint/2012/main"/>
+    </p:ext>
+  </p:extLst>
 </p:presentation>
 </file>
 
@@ -263,7 +268,7 @@
           <a:p>
             <a:fld id="{4D86248D-2A3D-944C-B434-7FED79A0C0DF}" type="datetimeFigureOut">
               <a:rPr lang="en-US" smtClean="0"/>
-              <a:t>4/15/25</a:t>
+              <a:t>4/16/2025</a:t>
             </a:fld>
             <a:endParaRPr lang="en-US"/>
           </a:p>
@@ -461,7 +466,7 @@
           <a:p>
             <a:fld id="{4D86248D-2A3D-944C-B434-7FED79A0C0DF}" type="datetimeFigureOut">
               <a:rPr lang="en-US" smtClean="0"/>
-              <a:t>4/15/25</a:t>
+              <a:t>4/16/2025</a:t>
             </a:fld>
             <a:endParaRPr lang="en-US"/>
           </a:p>
@@ -669,7 +674,7 @@
           <a:p>
             <a:fld id="{4D86248D-2A3D-944C-B434-7FED79A0C0DF}" type="datetimeFigureOut">
               <a:rPr lang="en-US" smtClean="0"/>
-              <a:t>4/15/25</a:t>
+              <a:t>4/16/2025</a:t>
             </a:fld>
             <a:endParaRPr lang="en-US"/>
           </a:p>
@@ -867,7 +872,7 @@
           <a:p>
             <a:fld id="{4D86248D-2A3D-944C-B434-7FED79A0C0DF}" type="datetimeFigureOut">
               <a:rPr lang="en-US" smtClean="0"/>
-              <a:t>4/15/25</a:t>
+              <a:t>4/16/2025</a:t>
             </a:fld>
             <a:endParaRPr lang="en-US"/>
           </a:p>
@@ -1142,7 +1147,7 @@
           <a:p>
             <a:fld id="{4D86248D-2A3D-944C-B434-7FED79A0C0DF}" type="datetimeFigureOut">
               <a:rPr lang="en-US" smtClean="0"/>
-              <a:t>4/15/25</a:t>
+              <a:t>4/16/2025</a:t>
             </a:fld>
             <a:endParaRPr lang="en-US"/>
           </a:p>
@@ -1407,7 +1412,7 @@
           <a:p>
             <a:fld id="{4D86248D-2A3D-944C-B434-7FED79A0C0DF}" type="datetimeFigureOut">
               <a:rPr lang="en-US" smtClean="0"/>
-              <a:t>4/15/25</a:t>
+              <a:t>4/16/2025</a:t>
             </a:fld>
             <a:endParaRPr lang="en-US"/>
           </a:p>
@@ -1819,7 +1824,7 @@
           <a:p>
             <a:fld id="{4D86248D-2A3D-944C-B434-7FED79A0C0DF}" type="datetimeFigureOut">
               <a:rPr lang="en-US" smtClean="0"/>
-              <a:t>4/15/25</a:t>
+              <a:t>4/16/2025</a:t>
             </a:fld>
             <a:endParaRPr lang="en-US"/>
           </a:p>
@@ -1960,7 +1965,7 @@
           <a:p>
             <a:fld id="{4D86248D-2A3D-944C-B434-7FED79A0C0DF}" type="datetimeFigureOut">
               <a:rPr lang="en-US" smtClean="0"/>
-              <a:t>4/15/25</a:t>
+              <a:t>4/16/2025</a:t>
             </a:fld>
             <a:endParaRPr lang="en-US"/>
           </a:p>
@@ -2073,7 +2078,7 @@
           <a:p>
             <a:fld id="{4D86248D-2A3D-944C-B434-7FED79A0C0DF}" type="datetimeFigureOut">
               <a:rPr lang="en-US" smtClean="0"/>
-              <a:t>4/15/25</a:t>
+              <a:t>4/16/2025</a:t>
             </a:fld>
             <a:endParaRPr lang="en-US"/>
           </a:p>
@@ -2384,7 +2389,7 @@
           <a:p>
             <a:fld id="{4D86248D-2A3D-944C-B434-7FED79A0C0DF}" type="datetimeFigureOut">
               <a:rPr lang="en-US" smtClean="0"/>
-              <a:t>4/15/25</a:t>
+              <a:t>4/16/2025</a:t>
             </a:fld>
             <a:endParaRPr lang="en-US"/>
           </a:p>
@@ -2672,7 +2677,7 @@
           <a:p>
             <a:fld id="{4D86248D-2A3D-944C-B434-7FED79A0C0DF}" type="datetimeFigureOut">
               <a:rPr lang="en-US" smtClean="0"/>
-              <a:t>4/15/25</a:t>
+              <a:t>4/16/2025</a:t>
             </a:fld>
             <a:endParaRPr lang="en-US"/>
           </a:p>
@@ -2913,7 +2918,7 @@
           <a:p>
             <a:fld id="{4D86248D-2A3D-944C-B434-7FED79A0C0DF}" type="datetimeFigureOut">
               <a:rPr lang="en-US" smtClean="0"/>
-              <a:t>4/15/25</a:t>
+              <a:t>4/16/2025</a:t>
             </a:fld>
             <a:endParaRPr lang="en-US"/>
           </a:p>
@@ -4401,6 +4406,28 @@
               </a:rPr>
               <a:t>Brief team introduction with expertise highlights</a:t>
             </a:r>
+          </a:p>
+          <a:p>
+            <a:pPr>
+              <a:lnSpc>
+                <a:spcPct val="115000"/>
+              </a:lnSpc>
+              <a:spcAft>
+                <a:spcPts val="800"/>
+              </a:spcAft>
+              <a:buSzPts val="1000"/>
+              <a:tabLst>
+                <a:tab pos="457200" algn="l"/>
+              </a:tabLst>
+            </a:pPr>
+            <a:r>
+              <a:rPr lang="en-US" sz="1800" kern="0" dirty="0">
+                <a:latin typeface="Times New Roman" panose="02020603050405020304" pitchFamily="18" charset="0"/>
+                <a:ea typeface="Aptos" panose="020B0004020202020204" pitchFamily="34" charset="0"/>
+                <a:cs typeface="Times New Roman" panose="02020603050405020304" pitchFamily="18" charset="0"/>
+              </a:rPr>
+              <a:t>Brian West – BSE Computer Engineering, GDBIW Electrical Engineer</a:t>
+            </a:r>
             <a:endParaRPr lang="en-US" sz="1800" kern="100" dirty="0">
               <a:effectLst/>
               <a:latin typeface="Aptos" panose="020B0004020202020204" pitchFamily="34" charset="0"/>
@@ -4823,7 +4850,111 @@
               </a:rPr>
               <a:t>Volume: Total count of data points (X records over Y time period)</a:t>
             </a:r>
-            <a:endParaRPr lang="en-US" sz="1800" kern="100" dirty="0">
+            <a:endParaRPr lang="en-US" sz="1800" kern="0" dirty="0">
+              <a:latin typeface="Times New Roman" panose="02020603050405020304" pitchFamily="18" charset="0"/>
+              <a:ea typeface="Times New Roman" panose="02020603050405020304" pitchFamily="18" charset="0"/>
+              <a:cs typeface="Times New Roman" panose="02020603050405020304" pitchFamily="18" charset="0"/>
+            </a:endParaRPr>
+          </a:p>
+          <a:p>
+            <a:pPr>
+              <a:lnSpc>
+                <a:spcPct val="115000"/>
+              </a:lnSpc>
+              <a:spcAft>
+                <a:spcPts val="800"/>
+              </a:spcAft>
+              <a:buSzPts val="1000"/>
+              <a:tabLst>
+                <a:tab pos="457200" algn="l"/>
+              </a:tabLst>
+            </a:pPr>
+            <a:r>
+              <a:rPr lang="en-US" sz="1800" kern="0" dirty="0">
+                <a:effectLst/>
+                <a:latin typeface="Times New Roman" panose="02020603050405020304" pitchFamily="18" charset="0"/>
+                <a:ea typeface="Aptos" panose="020B0004020202020204" pitchFamily="34" charset="0"/>
+                <a:cs typeface="Times New Roman" panose="02020603050405020304" pitchFamily="18" charset="0"/>
+              </a:rPr>
+              <a:t>47 Terminal Units</a:t>
+            </a:r>
+          </a:p>
+          <a:p>
+            <a:pPr lvl="1">
+              <a:lnSpc>
+                <a:spcPct val="115000"/>
+              </a:lnSpc>
+              <a:spcAft>
+                <a:spcPts val="800"/>
+              </a:spcAft>
+              <a:buSzPts val="1000"/>
+              <a:tabLst>
+                <a:tab pos="457200" algn="l"/>
+              </a:tabLst>
+            </a:pPr>
+            <a:r>
+              <a:rPr lang="en-US" sz="1400" kern="100" dirty="0">
+                <a:effectLst/>
+                <a:latin typeface="Aptos" panose="020B0004020202020204" pitchFamily="34" charset="0"/>
+                <a:ea typeface="Aptos" panose="020B0004020202020204" pitchFamily="34" charset="0"/>
+                <a:cs typeface="Times New Roman" panose="02020603050405020304" pitchFamily="18" charset="0"/>
+              </a:rPr>
+              <a:t>206277</a:t>
+            </a:r>
+            <a:r>
+              <a:rPr lang="en-US" sz="1400" kern="0" dirty="0">
+                <a:latin typeface="Times New Roman" panose="02020603050405020304" pitchFamily="18" charset="0"/>
+                <a:ea typeface="Aptos" panose="020B0004020202020204" pitchFamily="34" charset="0"/>
+                <a:cs typeface="Times New Roman" panose="02020603050405020304" pitchFamily="18" charset="0"/>
+              </a:rPr>
+              <a:t> Data points collected over 51 Days</a:t>
+            </a:r>
+          </a:p>
+          <a:p>
+            <a:pPr>
+              <a:lnSpc>
+                <a:spcPct val="115000"/>
+              </a:lnSpc>
+              <a:spcAft>
+                <a:spcPts val="800"/>
+              </a:spcAft>
+              <a:buSzPts val="1000"/>
+              <a:tabLst>
+                <a:tab pos="457200" algn="l"/>
+              </a:tabLst>
+            </a:pPr>
+            <a:r>
+              <a:rPr lang="en-US" sz="1800" kern="0" dirty="0">
+                <a:effectLst/>
+                <a:latin typeface="Times New Roman" panose="02020603050405020304" pitchFamily="18" charset="0"/>
+                <a:ea typeface="Aptos" panose="020B0004020202020204" pitchFamily="34" charset="0"/>
+                <a:cs typeface="Times New Roman" panose="02020603050405020304" pitchFamily="18" charset="0"/>
+              </a:rPr>
+              <a:t>3 Terminal Units</a:t>
+            </a:r>
+          </a:p>
+          <a:p>
+            <a:pPr lvl="1">
+              <a:lnSpc>
+                <a:spcPct val="115000"/>
+              </a:lnSpc>
+              <a:spcAft>
+                <a:spcPts val="800"/>
+              </a:spcAft>
+              <a:buSzPts val="1000"/>
+              <a:tabLst>
+                <a:tab pos="457200" algn="l"/>
+              </a:tabLst>
+            </a:pPr>
+            <a:r>
+              <a:rPr lang="en-US" sz="1400" kern="0" dirty="0">
+                <a:latin typeface="Times New Roman" panose="02020603050405020304" pitchFamily="18" charset="0"/>
+                <a:ea typeface="Aptos" panose="020B0004020202020204" pitchFamily="34" charset="0"/>
+                <a:cs typeface="Times New Roman" panose="02020603050405020304" pitchFamily="18" charset="0"/>
+              </a:rPr>
+              <a:t>4781 Data points collected over 51 Days for each unit</a:t>
+            </a:r>
+            <a:endParaRPr lang="en-US" sz="1400" kern="100" dirty="0">
               <a:effectLst/>
               <a:latin typeface="Aptos" panose="020B0004020202020204" pitchFamily="34" charset="0"/>
               <a:ea typeface="Aptos" panose="020B0004020202020204" pitchFamily="34" charset="0"/>
@@ -4980,7 +5111,9 @@
         </p:nvSpPr>
         <p:spPr/>
         <p:txBody>
-          <a:bodyPr/>
+          <a:bodyPr>
+            <a:normAutofit fontScale="40000" lnSpcReduction="20000"/>
+          </a:bodyPr>
           <a:lstStyle/>
           <a:p>
             <a:pPr marL="0" marR="0" lvl="0" indent="0">
@@ -5005,12 +5138,29 @@
               </a:rPr>
               <a:t>Variables we kept and why they matter</a:t>
             </a:r>
-            <a:endParaRPr lang="en-US" sz="1800" kern="100" dirty="0">
-              <a:effectLst/>
-              <a:latin typeface="Aptos" panose="020B0004020202020204" pitchFamily="34" charset="0"/>
-              <a:ea typeface="Aptos" panose="020B0004020202020204" pitchFamily="34" charset="0"/>
-              <a:cs typeface="Times New Roman" panose="02020603050405020304" pitchFamily="18" charset="0"/>
-            </a:endParaRPr>
+          </a:p>
+          <a:p>
+            <a:pPr>
+              <a:lnSpc>
+                <a:spcPct val="115000"/>
+              </a:lnSpc>
+              <a:spcAft>
+                <a:spcPts val="800"/>
+              </a:spcAft>
+              <a:buSzPts val="1000"/>
+              <a:tabLst>
+                <a:tab pos="457200" algn="l"/>
+              </a:tabLst>
+            </a:pPr>
+            <a:r>
+              <a:rPr lang="en-US" sz="1800" kern="100" dirty="0">
+                <a:effectLst/>
+                <a:latin typeface="Aptos" panose="020B0004020202020204" pitchFamily="34" charset="0"/>
+                <a:ea typeface="Aptos" panose="020B0004020202020204" pitchFamily="34" charset="0"/>
+                <a:cs typeface="Times New Roman" panose="02020603050405020304" pitchFamily="18" charset="0"/>
+              </a:rPr>
+              <a:t>Everything else was kept because it described the system in some capacity that could be used to associate TUs with RTUs.</a:t>
+            </a:r>
           </a:p>
           <a:p>
             <a:pPr marL="0" marR="0" lvl="0" indent="0">
@@ -5035,7 +5185,594 @@
               </a:rPr>
               <a:t>Variables we dropped and rationale</a:t>
             </a:r>
-            <a:endParaRPr lang="en-US" sz="1800" kern="100" dirty="0">
+          </a:p>
+          <a:p>
+            <a:pPr>
+              <a:lnSpc>
+                <a:spcPct val="115000"/>
+              </a:lnSpc>
+              <a:spcAft>
+                <a:spcPts val="800"/>
+              </a:spcAft>
+              <a:buSzPts val="1000"/>
+              <a:tabLst>
+                <a:tab pos="457200" algn="l"/>
+              </a:tabLst>
+            </a:pPr>
+            <a:r>
+              <a:rPr lang="en-US" sz="1800" kern="100" dirty="0">
+                <a:effectLst/>
+                <a:latin typeface="Aptos" panose="020B0004020202020204" pitchFamily="34" charset="0"/>
+                <a:ea typeface="Aptos" panose="020B0004020202020204" pitchFamily="34" charset="0"/>
+                <a:cs typeface="Times New Roman" panose="02020603050405020304" pitchFamily="18" charset="0"/>
+              </a:rPr>
+              <a:t>Terminal Units:</a:t>
+            </a:r>
+          </a:p>
+          <a:p>
+            <a:pPr lvl="1">
+              <a:lnSpc>
+                <a:spcPct val="115000"/>
+              </a:lnSpc>
+              <a:spcAft>
+                <a:spcPts val="800"/>
+              </a:spcAft>
+              <a:buSzPts val="1000"/>
+              <a:tabLst>
+                <a:tab pos="457200" algn="l"/>
+              </a:tabLst>
+            </a:pPr>
+            <a:r>
+              <a:rPr lang="en-US" sz="1400" kern="100" dirty="0">
+                <a:latin typeface="Aptos" panose="020B0004020202020204" pitchFamily="34" charset="0"/>
+                <a:ea typeface="Aptos" panose="020B0004020202020204" pitchFamily="34" charset="0"/>
+                <a:cs typeface="Times New Roman" panose="02020603050405020304" pitchFamily="18" charset="0"/>
+              </a:rPr>
+              <a:t>Jeff’s Email: </a:t>
+            </a:r>
+            <a:r>
+              <a:rPr lang="en-US" sz="1400" kern="100" dirty="0" err="1">
+                <a:effectLst/>
+                <a:latin typeface="Aptos" panose="020B0004020202020204" pitchFamily="34" charset="0"/>
+                <a:ea typeface="Aptos" panose="020B0004020202020204" pitchFamily="34" charset="0"/>
+                <a:cs typeface="Times New Roman" panose="02020603050405020304" pitchFamily="18" charset="0"/>
+              </a:rPr>
+              <a:t>Air_Flow</a:t>
+            </a:r>
+            <a:r>
+              <a:rPr lang="en-US" sz="1400" kern="100" dirty="0" err="1">
+                <a:latin typeface="Aptos" panose="020B0004020202020204" pitchFamily="34" charset="0"/>
+                <a:ea typeface="Aptos" panose="020B0004020202020204" pitchFamily="34" charset="0"/>
+                <a:cs typeface="Times New Roman" panose="02020603050405020304" pitchFamily="18" charset="0"/>
+              </a:rPr>
+              <a:t>_Diff</a:t>
+            </a:r>
+            <a:r>
+              <a:rPr lang="en-US" sz="1400" kern="100" dirty="0">
+                <a:latin typeface="Aptos" panose="020B0004020202020204" pitchFamily="34" charset="0"/>
+                <a:ea typeface="Aptos" panose="020B0004020202020204" pitchFamily="34" charset="0"/>
+                <a:cs typeface="Times New Roman" panose="02020603050405020304" pitchFamily="18" charset="0"/>
+              </a:rPr>
+              <a:t>, </a:t>
+            </a:r>
+            <a:r>
+              <a:rPr lang="en-US" sz="1400" kern="100" dirty="0" err="1">
+                <a:latin typeface="Aptos" panose="020B0004020202020204" pitchFamily="34" charset="0"/>
+                <a:ea typeface="Aptos" panose="020B0004020202020204" pitchFamily="34" charset="0"/>
+                <a:cs typeface="Times New Roman" panose="02020603050405020304" pitchFamily="18" charset="0"/>
+              </a:rPr>
+              <a:t>Room_Temperature_Diff</a:t>
+            </a:r>
+            <a:r>
+              <a:rPr lang="en-US" sz="1400" kern="100" dirty="0">
+                <a:latin typeface="Aptos" panose="020B0004020202020204" pitchFamily="34" charset="0"/>
+                <a:ea typeface="Aptos" panose="020B0004020202020204" pitchFamily="34" charset="0"/>
+                <a:cs typeface="Times New Roman" panose="02020603050405020304" pitchFamily="18" charset="0"/>
+              </a:rPr>
+              <a:t>, </a:t>
+            </a:r>
+            <a:r>
+              <a:rPr lang="en-US" sz="1400" kern="100" dirty="0" err="1">
+                <a:latin typeface="Aptos" panose="020B0004020202020204" pitchFamily="34" charset="0"/>
+                <a:ea typeface="Aptos" panose="020B0004020202020204" pitchFamily="34" charset="0"/>
+                <a:cs typeface="Times New Roman" panose="02020603050405020304" pitchFamily="18" charset="0"/>
+              </a:rPr>
+              <a:t>VAV_Temperature_Diff</a:t>
+            </a:r>
+            <a:r>
+              <a:rPr lang="en-US" sz="1400" kern="100" dirty="0">
+                <a:latin typeface="Aptos" panose="020B0004020202020204" pitchFamily="34" charset="0"/>
+                <a:ea typeface="Aptos" panose="020B0004020202020204" pitchFamily="34" charset="0"/>
+                <a:cs typeface="Times New Roman" panose="02020603050405020304" pitchFamily="18" charset="0"/>
+              </a:rPr>
+              <a:t>, </a:t>
+            </a:r>
+            <a:r>
+              <a:rPr lang="en-US" sz="1400" kern="100" dirty="0" err="1">
+                <a:latin typeface="Aptos" panose="020B0004020202020204" pitchFamily="34" charset="0"/>
+                <a:ea typeface="Aptos" panose="020B0004020202020204" pitchFamily="34" charset="0"/>
+                <a:cs typeface="Times New Roman" panose="02020603050405020304" pitchFamily="18" charset="0"/>
+              </a:rPr>
+              <a:t>SaTemp</a:t>
+            </a:r>
+            <a:r>
+              <a:rPr lang="en-US" sz="1400" kern="100" dirty="0">
+                <a:latin typeface="Aptos" panose="020B0004020202020204" pitchFamily="34" charset="0"/>
+                <a:ea typeface="Aptos" panose="020B0004020202020204" pitchFamily="34" charset="0"/>
+                <a:cs typeface="Times New Roman" panose="02020603050405020304" pitchFamily="18" charset="0"/>
+              </a:rPr>
+              <a:t>, </a:t>
+            </a:r>
+            <a:r>
+              <a:rPr lang="en-US" sz="1400" kern="100" dirty="0" err="1">
+                <a:latin typeface="Aptos" panose="020B0004020202020204" pitchFamily="34" charset="0"/>
+                <a:ea typeface="Aptos" panose="020B0004020202020204" pitchFamily="34" charset="0"/>
+                <a:cs typeface="Times New Roman" panose="02020603050405020304" pitchFamily="18" charset="0"/>
+              </a:rPr>
+              <a:t>oppMode</a:t>
+            </a:r>
+            <a:endParaRPr lang="en-US" sz="1400" kern="100" dirty="0">
+              <a:latin typeface="Aptos" panose="020B0004020202020204" pitchFamily="34" charset="0"/>
+              <a:ea typeface="Aptos" panose="020B0004020202020204" pitchFamily="34" charset="0"/>
+              <a:cs typeface="Times New Roman" panose="02020603050405020304" pitchFamily="18" charset="0"/>
+            </a:endParaRPr>
+          </a:p>
+          <a:p>
+            <a:pPr lvl="1">
+              <a:lnSpc>
+                <a:spcPct val="115000"/>
+              </a:lnSpc>
+              <a:spcAft>
+                <a:spcPts val="800"/>
+              </a:spcAft>
+              <a:buSzPts val="1000"/>
+              <a:tabLst>
+                <a:tab pos="457200" algn="l"/>
+              </a:tabLst>
+            </a:pPr>
+            <a:r>
+              <a:rPr lang="en-US" sz="1400" kern="100" dirty="0">
+                <a:effectLst/>
+                <a:latin typeface="Aptos" panose="020B0004020202020204" pitchFamily="34" charset="0"/>
+                <a:ea typeface="Aptos" panose="020B0004020202020204" pitchFamily="34" charset="0"/>
+                <a:cs typeface="Times New Roman" panose="02020603050405020304" pitchFamily="18" charset="0"/>
+              </a:rPr>
+              <a:t>0 Sta</a:t>
+            </a:r>
+            <a:r>
+              <a:rPr lang="en-US" sz="1400" kern="100" dirty="0">
+                <a:latin typeface="Aptos" panose="020B0004020202020204" pitchFamily="34" charset="0"/>
+                <a:ea typeface="Aptos" panose="020B0004020202020204" pitchFamily="34" charset="0"/>
+                <a:cs typeface="Times New Roman" panose="02020603050405020304" pitchFamily="18" charset="0"/>
+              </a:rPr>
+              <a:t>ndard Deviation: </a:t>
+            </a:r>
+            <a:r>
+              <a:rPr lang="en-US" sz="1400" kern="100" dirty="0" err="1">
+                <a:latin typeface="Aptos" panose="020B0004020202020204" pitchFamily="34" charset="0"/>
+                <a:ea typeface="Aptos" panose="020B0004020202020204" pitchFamily="34" charset="0"/>
+                <a:cs typeface="Times New Roman" panose="02020603050405020304" pitchFamily="18" charset="0"/>
+              </a:rPr>
+              <a:t>EffOcc</a:t>
+            </a:r>
+            <a:r>
+              <a:rPr lang="en-US" sz="1400" kern="100" dirty="0">
+                <a:latin typeface="Aptos" panose="020B0004020202020204" pitchFamily="34" charset="0"/>
+                <a:ea typeface="Aptos" panose="020B0004020202020204" pitchFamily="34" charset="0"/>
+                <a:cs typeface="Times New Roman" panose="02020603050405020304" pitchFamily="18" charset="0"/>
+              </a:rPr>
+              <a:t>, </a:t>
+            </a:r>
+            <a:r>
+              <a:rPr lang="en-US" sz="1400" kern="100" dirty="0" err="1">
+                <a:latin typeface="Aptos" panose="020B0004020202020204" pitchFamily="34" charset="0"/>
+                <a:ea typeface="Aptos" panose="020B0004020202020204" pitchFamily="34" charset="0"/>
+                <a:cs typeface="Times New Roman" panose="02020603050405020304" pitchFamily="18" charset="0"/>
+              </a:rPr>
+              <a:t>Heating_Stg_Cmd</a:t>
+            </a:r>
+            <a:r>
+              <a:rPr lang="en-US" sz="1400" kern="100" dirty="0">
+                <a:latin typeface="Aptos" panose="020B0004020202020204" pitchFamily="34" charset="0"/>
+                <a:ea typeface="Aptos" panose="020B0004020202020204" pitchFamily="34" charset="0"/>
+                <a:cs typeface="Times New Roman" panose="02020603050405020304" pitchFamily="18" charset="0"/>
+              </a:rPr>
+              <a:t>, </a:t>
+            </a:r>
+            <a:r>
+              <a:rPr lang="en-US" sz="1400" kern="100" dirty="0" err="1">
+                <a:latin typeface="Aptos" panose="020B0004020202020204" pitchFamily="34" charset="0"/>
+                <a:ea typeface="Aptos" panose="020B0004020202020204" pitchFamily="34" charset="0"/>
+                <a:cs typeface="Times New Roman" panose="02020603050405020304" pitchFamily="18" charset="0"/>
+              </a:rPr>
+              <a:t>OccCmd</a:t>
+            </a:r>
+            <a:r>
+              <a:rPr lang="en-US" sz="1400" kern="100" dirty="0">
+                <a:latin typeface="Aptos" panose="020B0004020202020204" pitchFamily="34" charset="0"/>
+                <a:ea typeface="Aptos" panose="020B0004020202020204" pitchFamily="34" charset="0"/>
+                <a:cs typeface="Times New Roman" panose="02020603050405020304" pitchFamily="18" charset="0"/>
+              </a:rPr>
+              <a:t>, </a:t>
+            </a:r>
+            <a:r>
+              <a:rPr lang="en-US" sz="1400" kern="100" dirty="0" err="1">
+                <a:latin typeface="Aptos" panose="020B0004020202020204" pitchFamily="34" charset="0"/>
+                <a:ea typeface="Aptos" panose="020B0004020202020204" pitchFamily="34" charset="0"/>
+                <a:cs typeface="Times New Roman" panose="02020603050405020304" pitchFamily="18" charset="0"/>
+              </a:rPr>
+              <a:t>SuplFanCmd</a:t>
+            </a:r>
+            <a:r>
+              <a:rPr lang="en-US" sz="1400" kern="100" dirty="0">
+                <a:latin typeface="Aptos" panose="020B0004020202020204" pitchFamily="34" charset="0"/>
+                <a:ea typeface="Aptos" panose="020B0004020202020204" pitchFamily="34" charset="0"/>
+                <a:cs typeface="Times New Roman" panose="02020603050405020304" pitchFamily="18" charset="0"/>
+              </a:rPr>
+              <a:t>, </a:t>
+            </a:r>
+            <a:r>
+              <a:rPr lang="en-US" sz="1400" kern="100" dirty="0" err="1">
+                <a:latin typeface="Aptos" panose="020B0004020202020204" pitchFamily="34" charset="0"/>
+                <a:ea typeface="Aptos" panose="020B0004020202020204" pitchFamily="34" charset="0"/>
+                <a:cs typeface="Times New Roman" panose="02020603050405020304" pitchFamily="18" charset="0"/>
+              </a:rPr>
+              <a:t>SuplFanState</a:t>
+            </a:r>
+            <a:r>
+              <a:rPr lang="en-US" sz="1400" kern="100" dirty="0">
+                <a:latin typeface="Aptos" panose="020B0004020202020204" pitchFamily="34" charset="0"/>
+                <a:ea typeface="Aptos" panose="020B0004020202020204" pitchFamily="34" charset="0"/>
+                <a:cs typeface="Times New Roman" panose="02020603050405020304" pitchFamily="18" charset="0"/>
+              </a:rPr>
+              <a:t>, </a:t>
+            </a:r>
+            <a:r>
+              <a:rPr lang="en-US" sz="1400" kern="100" dirty="0" err="1">
+                <a:latin typeface="Aptos" panose="020B0004020202020204" pitchFamily="34" charset="0"/>
+                <a:ea typeface="Aptos" panose="020B0004020202020204" pitchFamily="34" charset="0"/>
+                <a:cs typeface="Times New Roman" panose="02020603050405020304" pitchFamily="18" charset="0"/>
+              </a:rPr>
+              <a:t>Cooling_Stg_Cmd</a:t>
+            </a:r>
+            <a:r>
+              <a:rPr lang="en-US" sz="1400" kern="100" dirty="0">
+                <a:latin typeface="Aptos" panose="020B0004020202020204" pitchFamily="34" charset="0"/>
+                <a:ea typeface="Aptos" panose="020B0004020202020204" pitchFamily="34" charset="0"/>
+                <a:cs typeface="Times New Roman" panose="02020603050405020304" pitchFamily="18" charset="0"/>
+              </a:rPr>
+              <a:t>, </a:t>
+            </a:r>
+            <a:r>
+              <a:rPr lang="en-US" sz="1400" kern="100" dirty="0" err="1">
+                <a:latin typeface="Aptos" panose="020B0004020202020204" pitchFamily="34" charset="0"/>
+                <a:ea typeface="Aptos" panose="020B0004020202020204" pitchFamily="34" charset="0"/>
+                <a:cs typeface="Times New Roman" panose="02020603050405020304" pitchFamily="18" charset="0"/>
+              </a:rPr>
+              <a:t>AirflowSpRht</a:t>
+            </a:r>
+            <a:r>
+              <a:rPr lang="en-US" sz="1400" kern="100" dirty="0">
+                <a:latin typeface="Aptos" panose="020B0004020202020204" pitchFamily="34" charset="0"/>
+                <a:ea typeface="Aptos" panose="020B0004020202020204" pitchFamily="34" charset="0"/>
+                <a:cs typeface="Times New Roman" panose="02020603050405020304" pitchFamily="18" charset="0"/>
+              </a:rPr>
+              <a:t>, RmCo2</a:t>
+            </a:r>
+            <a:endParaRPr lang="en-US" sz="1400" kern="100" dirty="0">
+              <a:effectLst/>
+              <a:latin typeface="Aptos" panose="020B0004020202020204" pitchFamily="34" charset="0"/>
+              <a:ea typeface="Aptos" panose="020B0004020202020204" pitchFamily="34" charset="0"/>
+              <a:cs typeface="Times New Roman" panose="02020603050405020304" pitchFamily="18" charset="0"/>
+            </a:endParaRPr>
+          </a:p>
+          <a:p>
+            <a:pPr>
+              <a:lnSpc>
+                <a:spcPct val="115000"/>
+              </a:lnSpc>
+              <a:spcAft>
+                <a:spcPts val="800"/>
+              </a:spcAft>
+              <a:buSzPts val="1000"/>
+              <a:tabLst>
+                <a:tab pos="457200" algn="l"/>
+              </a:tabLst>
+            </a:pPr>
+            <a:r>
+              <a:rPr lang="en-US" sz="1800" kern="100" dirty="0">
+                <a:effectLst/>
+                <a:latin typeface="Aptos" panose="020B0004020202020204" pitchFamily="34" charset="0"/>
+                <a:ea typeface="Aptos" panose="020B0004020202020204" pitchFamily="34" charset="0"/>
+                <a:cs typeface="Times New Roman" panose="02020603050405020304" pitchFamily="18" charset="0"/>
+              </a:rPr>
+              <a:t>Roof Top Units:</a:t>
+            </a:r>
+          </a:p>
+          <a:p>
+            <a:pPr lvl="1">
+              <a:lnSpc>
+                <a:spcPct val="115000"/>
+              </a:lnSpc>
+              <a:spcAft>
+                <a:spcPts val="800"/>
+              </a:spcAft>
+              <a:buSzPts val="1000"/>
+              <a:tabLst>
+                <a:tab pos="457200" algn="l"/>
+              </a:tabLst>
+            </a:pPr>
+            <a:r>
+              <a:rPr lang="en-US" sz="1400" kern="100" dirty="0">
+                <a:effectLst/>
+                <a:latin typeface="Aptos" panose="020B0004020202020204" pitchFamily="34" charset="0"/>
+                <a:ea typeface="Aptos" panose="020B0004020202020204" pitchFamily="34" charset="0"/>
+                <a:cs typeface="Times New Roman" panose="02020603050405020304" pitchFamily="18" charset="0"/>
+              </a:rPr>
+              <a:t>0 Standard  Deviation: ClgStgCmd02, </a:t>
+            </a:r>
+            <a:r>
+              <a:rPr lang="en-US" sz="1400" kern="100" dirty="0" err="1">
+                <a:effectLst/>
+                <a:latin typeface="Aptos" panose="020B0004020202020204" pitchFamily="34" charset="0"/>
+                <a:ea typeface="Aptos" panose="020B0004020202020204" pitchFamily="34" charset="0"/>
+                <a:cs typeface="Times New Roman" panose="02020603050405020304" pitchFamily="18" charset="0"/>
+              </a:rPr>
+              <a:t>EconEna</a:t>
+            </a:r>
+            <a:r>
+              <a:rPr lang="en-US" sz="1400" kern="100" dirty="0">
+                <a:effectLst/>
+                <a:latin typeface="Aptos" panose="020B0004020202020204" pitchFamily="34" charset="0"/>
+                <a:ea typeface="Aptos" panose="020B0004020202020204" pitchFamily="34" charset="0"/>
+                <a:cs typeface="Times New Roman" panose="02020603050405020304" pitchFamily="18" charset="0"/>
+              </a:rPr>
+              <a:t>, </a:t>
+            </a:r>
+            <a:r>
+              <a:rPr lang="en-US" sz="1400" kern="100" dirty="0" err="1">
+                <a:effectLst/>
+                <a:latin typeface="Aptos" panose="020B0004020202020204" pitchFamily="34" charset="0"/>
+                <a:ea typeface="Aptos" panose="020B0004020202020204" pitchFamily="34" charset="0"/>
+                <a:cs typeface="Times New Roman" panose="02020603050405020304" pitchFamily="18" charset="0"/>
+              </a:rPr>
+              <a:t>EconEnaSp</a:t>
+            </a:r>
+            <a:r>
+              <a:rPr lang="en-US" sz="1400" kern="100" dirty="0">
+                <a:effectLst/>
+                <a:latin typeface="Aptos" panose="020B0004020202020204" pitchFamily="34" charset="0"/>
+                <a:ea typeface="Aptos" panose="020B0004020202020204" pitchFamily="34" charset="0"/>
+                <a:cs typeface="Times New Roman" panose="02020603050405020304" pitchFamily="18" charset="0"/>
+              </a:rPr>
+              <a:t>, </a:t>
+            </a:r>
+            <a:r>
+              <a:rPr lang="en-US" sz="1400" kern="100" dirty="0" err="1">
+                <a:effectLst/>
+                <a:latin typeface="Aptos" panose="020B0004020202020204" pitchFamily="34" charset="0"/>
+                <a:ea typeface="Aptos" panose="020B0004020202020204" pitchFamily="34" charset="0"/>
+                <a:cs typeface="Times New Roman" panose="02020603050405020304" pitchFamily="18" charset="0"/>
+              </a:rPr>
+              <a:t>EffRmSp</a:t>
+            </a:r>
+            <a:r>
+              <a:rPr lang="en-US" sz="1400" kern="100" dirty="0">
+                <a:effectLst/>
+                <a:latin typeface="Aptos" panose="020B0004020202020204" pitchFamily="34" charset="0"/>
+                <a:ea typeface="Aptos" panose="020B0004020202020204" pitchFamily="34" charset="0"/>
+                <a:cs typeface="Times New Roman" panose="02020603050405020304" pitchFamily="18" charset="0"/>
+              </a:rPr>
+              <a:t>, </a:t>
+            </a:r>
+            <a:r>
+              <a:rPr lang="en-US" sz="1400" kern="100" dirty="0" err="1">
+                <a:effectLst/>
+                <a:latin typeface="Aptos" panose="020B0004020202020204" pitchFamily="34" charset="0"/>
+                <a:ea typeface="Aptos" panose="020B0004020202020204" pitchFamily="34" charset="0"/>
+                <a:cs typeface="Times New Roman" panose="02020603050405020304" pitchFamily="18" charset="0"/>
+              </a:rPr>
+              <a:t>ExhAirDmprFbk</a:t>
+            </a:r>
+            <a:r>
+              <a:rPr lang="en-US" sz="1400" kern="100" dirty="0">
+                <a:effectLst/>
+                <a:latin typeface="Aptos" panose="020B0004020202020204" pitchFamily="34" charset="0"/>
+                <a:ea typeface="Aptos" panose="020B0004020202020204" pitchFamily="34" charset="0"/>
+                <a:cs typeface="Times New Roman" panose="02020603050405020304" pitchFamily="18" charset="0"/>
+              </a:rPr>
+              <a:t>, </a:t>
+            </a:r>
+            <a:r>
+              <a:rPr lang="en-US" sz="1400" kern="100" dirty="0" err="1">
+                <a:effectLst/>
+                <a:latin typeface="Aptos" panose="020B0004020202020204" pitchFamily="34" charset="0"/>
+                <a:ea typeface="Aptos" panose="020B0004020202020204" pitchFamily="34" charset="0"/>
+                <a:cs typeface="Times New Roman" panose="02020603050405020304" pitchFamily="18" charset="0"/>
+              </a:rPr>
+              <a:t>FltAlm</a:t>
+            </a:r>
+            <a:r>
+              <a:rPr lang="en-US" sz="1400" kern="100" dirty="0">
+                <a:effectLst/>
+                <a:latin typeface="Aptos" panose="020B0004020202020204" pitchFamily="34" charset="0"/>
+                <a:ea typeface="Aptos" panose="020B0004020202020204" pitchFamily="34" charset="0"/>
+                <a:cs typeface="Times New Roman" panose="02020603050405020304" pitchFamily="18" charset="0"/>
+              </a:rPr>
+              <a:t>, </a:t>
+            </a:r>
+            <a:r>
+              <a:rPr lang="en-US" sz="1400" kern="100" dirty="0" err="1">
+                <a:effectLst/>
+                <a:latin typeface="Aptos" panose="020B0004020202020204" pitchFamily="34" charset="0"/>
+                <a:ea typeface="Aptos" panose="020B0004020202020204" pitchFamily="34" charset="0"/>
+                <a:cs typeface="Times New Roman" panose="02020603050405020304" pitchFamily="18" charset="0"/>
+              </a:rPr>
+              <a:t>HtgAlm</a:t>
+            </a:r>
+            <a:r>
+              <a:rPr lang="en-US" sz="1400" kern="100" dirty="0">
+                <a:effectLst/>
+                <a:latin typeface="Aptos" panose="020B0004020202020204" pitchFamily="34" charset="0"/>
+                <a:ea typeface="Aptos" panose="020B0004020202020204" pitchFamily="34" charset="0"/>
+                <a:cs typeface="Times New Roman" panose="02020603050405020304" pitchFamily="18" charset="0"/>
+              </a:rPr>
+              <a:t>, </a:t>
+            </a:r>
+            <a:r>
+              <a:rPr lang="en-US" sz="1400" kern="100" dirty="0" err="1">
+                <a:effectLst/>
+                <a:latin typeface="Aptos" panose="020B0004020202020204" pitchFamily="34" charset="0"/>
+                <a:ea typeface="Aptos" panose="020B0004020202020204" pitchFamily="34" charset="0"/>
+                <a:cs typeface="Times New Roman" panose="02020603050405020304" pitchFamily="18" charset="0"/>
+              </a:rPr>
+              <a:t>HtgPct</a:t>
+            </a:r>
+            <a:r>
+              <a:rPr lang="en-US" sz="1400" kern="100" dirty="0">
+                <a:effectLst/>
+                <a:latin typeface="Aptos" panose="020B0004020202020204" pitchFamily="34" charset="0"/>
+                <a:ea typeface="Aptos" panose="020B0004020202020204" pitchFamily="34" charset="0"/>
+                <a:cs typeface="Times New Roman" panose="02020603050405020304" pitchFamily="18" charset="0"/>
+              </a:rPr>
+              <a:t>, HtgStgCmd01, HtgStgCmd02, </a:t>
+            </a:r>
+            <a:r>
+              <a:rPr lang="en-US" sz="1400" kern="100" dirty="0" err="1">
+                <a:effectLst/>
+                <a:latin typeface="Aptos" panose="020B0004020202020204" pitchFamily="34" charset="0"/>
+                <a:ea typeface="Aptos" panose="020B0004020202020204" pitchFamily="34" charset="0"/>
+                <a:cs typeface="Times New Roman" panose="02020603050405020304" pitchFamily="18" charset="0"/>
+              </a:rPr>
+              <a:t>OccCmd</a:t>
+            </a:r>
+            <a:r>
+              <a:rPr lang="en-US" sz="1400" kern="100" dirty="0">
+                <a:effectLst/>
+                <a:latin typeface="Aptos" panose="020B0004020202020204" pitchFamily="34" charset="0"/>
+                <a:ea typeface="Aptos" panose="020B0004020202020204" pitchFamily="34" charset="0"/>
+                <a:cs typeface="Times New Roman" panose="02020603050405020304" pitchFamily="18" charset="0"/>
+              </a:rPr>
+              <a:t>, </a:t>
+            </a:r>
+            <a:r>
+              <a:rPr lang="en-US" sz="1400" kern="100" dirty="0" err="1">
+                <a:effectLst/>
+                <a:latin typeface="Aptos" panose="020B0004020202020204" pitchFamily="34" charset="0"/>
+                <a:ea typeface="Aptos" panose="020B0004020202020204" pitchFamily="34" charset="0"/>
+                <a:cs typeface="Times New Roman" panose="02020603050405020304" pitchFamily="18" charset="0"/>
+              </a:rPr>
+              <a:t>OccStatus</a:t>
+            </a:r>
+            <a:r>
+              <a:rPr lang="en-US" sz="1400" kern="100" dirty="0">
+                <a:effectLst/>
+                <a:latin typeface="Aptos" panose="020B0004020202020204" pitchFamily="34" charset="0"/>
+                <a:ea typeface="Aptos" panose="020B0004020202020204" pitchFamily="34" charset="0"/>
+                <a:cs typeface="Times New Roman" panose="02020603050405020304" pitchFamily="18" charset="0"/>
+              </a:rPr>
+              <a:t>, </a:t>
+            </a:r>
+            <a:r>
+              <a:rPr lang="en-US" sz="1400" kern="100" dirty="0" err="1">
+                <a:effectLst/>
+                <a:latin typeface="Aptos" panose="020B0004020202020204" pitchFamily="34" charset="0"/>
+                <a:ea typeface="Aptos" panose="020B0004020202020204" pitchFamily="34" charset="0"/>
+                <a:cs typeface="Times New Roman" panose="02020603050405020304" pitchFamily="18" charset="0"/>
+              </a:rPr>
+              <a:t>SuplAirHtgSp</a:t>
+            </a:r>
+            <a:r>
+              <a:rPr lang="en-US" sz="1400" kern="100" dirty="0">
+                <a:effectLst/>
+                <a:latin typeface="Aptos" panose="020B0004020202020204" pitchFamily="34" charset="0"/>
+                <a:ea typeface="Aptos" panose="020B0004020202020204" pitchFamily="34" charset="0"/>
+                <a:cs typeface="Times New Roman" panose="02020603050405020304" pitchFamily="18" charset="0"/>
+              </a:rPr>
+              <a:t>,, </a:t>
+            </a:r>
+            <a:r>
+              <a:rPr lang="en-US" sz="1400" kern="100" dirty="0" err="1">
+                <a:effectLst/>
+                <a:latin typeface="Aptos" panose="020B0004020202020204" pitchFamily="34" charset="0"/>
+                <a:ea typeface="Aptos" panose="020B0004020202020204" pitchFamily="34" charset="0"/>
+                <a:cs typeface="Times New Roman" panose="02020603050405020304" pitchFamily="18" charset="0"/>
+              </a:rPr>
+              <a:t>SuplAirTempAlm</a:t>
+            </a:r>
+            <a:r>
+              <a:rPr lang="en-US" sz="1400" kern="100" dirty="0">
+                <a:effectLst/>
+                <a:latin typeface="Aptos" panose="020B0004020202020204" pitchFamily="34" charset="0"/>
+                <a:ea typeface="Aptos" panose="020B0004020202020204" pitchFamily="34" charset="0"/>
+                <a:cs typeface="Times New Roman" panose="02020603050405020304" pitchFamily="18" charset="0"/>
+              </a:rPr>
+              <a:t>, </a:t>
+            </a:r>
+            <a:r>
+              <a:rPr lang="en-US" sz="1400" kern="100" dirty="0" err="1">
+                <a:effectLst/>
+                <a:latin typeface="Aptos" panose="020B0004020202020204" pitchFamily="34" charset="0"/>
+                <a:ea typeface="Aptos" panose="020B0004020202020204" pitchFamily="34" charset="0"/>
+                <a:cs typeface="Times New Roman" panose="02020603050405020304" pitchFamily="18" charset="0"/>
+              </a:rPr>
+              <a:t>SuplAirTempSp</a:t>
+            </a:r>
+            <a:r>
+              <a:rPr lang="en-US" sz="1400" kern="100" dirty="0">
+                <a:effectLst/>
+                <a:latin typeface="Aptos" panose="020B0004020202020204" pitchFamily="34" charset="0"/>
+                <a:ea typeface="Aptos" panose="020B0004020202020204" pitchFamily="34" charset="0"/>
+                <a:cs typeface="Times New Roman" panose="02020603050405020304" pitchFamily="18" charset="0"/>
+              </a:rPr>
+              <a:t>, </a:t>
+            </a:r>
+            <a:r>
+              <a:rPr lang="en-US" sz="1400" kern="100" dirty="0" err="1">
+                <a:effectLst/>
+                <a:latin typeface="Aptos" panose="020B0004020202020204" pitchFamily="34" charset="0"/>
+                <a:ea typeface="Aptos" panose="020B0004020202020204" pitchFamily="34" charset="0"/>
+                <a:cs typeface="Times New Roman" panose="02020603050405020304" pitchFamily="18" charset="0"/>
+              </a:rPr>
+              <a:t>SuplFanAlm</a:t>
+            </a:r>
+            <a:r>
+              <a:rPr lang="en-US" sz="1400" kern="100" dirty="0">
+                <a:effectLst/>
+                <a:latin typeface="Aptos" panose="020B0004020202020204" pitchFamily="34" charset="0"/>
+                <a:ea typeface="Aptos" panose="020B0004020202020204" pitchFamily="34" charset="0"/>
+                <a:cs typeface="Times New Roman" panose="02020603050405020304" pitchFamily="18" charset="0"/>
+              </a:rPr>
+              <a:t>, </a:t>
+            </a:r>
+            <a:r>
+              <a:rPr lang="en-US" sz="1400" kern="100" dirty="0" err="1">
+                <a:effectLst/>
+                <a:latin typeface="Aptos" panose="020B0004020202020204" pitchFamily="34" charset="0"/>
+                <a:ea typeface="Aptos" panose="020B0004020202020204" pitchFamily="34" charset="0"/>
+                <a:cs typeface="Times New Roman" panose="02020603050405020304" pitchFamily="18" charset="0"/>
+              </a:rPr>
+              <a:t>UnoccHtgSp</a:t>
+            </a:r>
+            <a:r>
+              <a:rPr lang="en-US" sz="1400" kern="100" dirty="0">
+                <a:effectLst/>
+                <a:latin typeface="Aptos" panose="020B0004020202020204" pitchFamily="34" charset="0"/>
+                <a:ea typeface="Aptos" panose="020B0004020202020204" pitchFamily="34" charset="0"/>
+                <a:cs typeface="Times New Roman" panose="02020603050405020304" pitchFamily="18" charset="0"/>
+              </a:rPr>
+              <a:t>, </a:t>
+            </a:r>
+            <a:r>
+              <a:rPr lang="en-US" sz="1400" kern="100" dirty="0" err="1">
+                <a:effectLst/>
+                <a:latin typeface="Aptos" panose="020B0004020202020204" pitchFamily="34" charset="0"/>
+                <a:ea typeface="Aptos" panose="020B0004020202020204" pitchFamily="34" charset="0"/>
+                <a:cs typeface="Times New Roman" panose="02020603050405020304" pitchFamily="18" charset="0"/>
+              </a:rPr>
+              <a:t>oppMode</a:t>
+            </a:r>
+            <a:endParaRPr lang="en-US" sz="1400" kern="100" dirty="0">
               <a:effectLst/>
               <a:latin typeface="Aptos" panose="020B0004020202020204" pitchFamily="34" charset="0"/>
               <a:ea typeface="Aptos" panose="020B0004020202020204" pitchFamily="34" charset="0"/>
@@ -5064,6 +5801,74 @@
                 <a:cs typeface="Times New Roman" panose="02020603050405020304" pitchFamily="18" charset="0"/>
               </a:rPr>
               <a:t>Data cleaning steps performed</a:t>
+            </a:r>
+          </a:p>
+          <a:p>
+            <a:pPr>
+              <a:lnSpc>
+                <a:spcPct val="115000"/>
+              </a:lnSpc>
+              <a:spcAft>
+                <a:spcPts val="800"/>
+              </a:spcAft>
+              <a:buSzPts val="1000"/>
+              <a:tabLst>
+                <a:tab pos="457200" algn="l"/>
+              </a:tabLst>
+            </a:pPr>
+            <a:r>
+              <a:rPr lang="en-US" sz="1800" kern="100" dirty="0">
+                <a:effectLst/>
+                <a:latin typeface="Aptos" panose="020B0004020202020204" pitchFamily="34" charset="0"/>
+                <a:ea typeface="Aptos" panose="020B0004020202020204" pitchFamily="34" charset="0"/>
+                <a:cs typeface="Times New Roman" panose="02020603050405020304" pitchFamily="18" charset="0"/>
+              </a:rPr>
+              <a:t>Forward Filled “Set Point” Variables</a:t>
+            </a:r>
+          </a:p>
+          <a:p>
+            <a:pPr>
+              <a:lnSpc>
+                <a:spcPct val="115000"/>
+              </a:lnSpc>
+              <a:spcAft>
+                <a:spcPts val="800"/>
+              </a:spcAft>
+              <a:buSzPts val="1000"/>
+              <a:tabLst>
+                <a:tab pos="457200" algn="l"/>
+              </a:tabLst>
+            </a:pPr>
+            <a:r>
+              <a:rPr lang="en-US" sz="1800" kern="100" dirty="0">
+                <a:effectLst/>
+                <a:latin typeface="Aptos" panose="020B0004020202020204" pitchFamily="34" charset="0"/>
+                <a:ea typeface="Aptos" panose="020B0004020202020204" pitchFamily="34" charset="0"/>
+                <a:cs typeface="Times New Roman" panose="02020603050405020304" pitchFamily="18" charset="0"/>
+              </a:rPr>
+              <a:t>Remove variables</a:t>
+            </a:r>
+          </a:p>
+          <a:p>
+            <a:pPr>
+              <a:lnSpc>
+                <a:spcPct val="115000"/>
+              </a:lnSpc>
+              <a:spcAft>
+                <a:spcPts val="800"/>
+              </a:spcAft>
+              <a:buSzPts val="1000"/>
+              <a:tabLst>
+                <a:tab pos="457200" algn="l"/>
+              </a:tabLst>
+            </a:pPr>
+            <a:r>
+              <a:rPr lang="en-US" sz="1800" kern="100" dirty="0">
+                <a:latin typeface="Aptos" panose="020B0004020202020204" pitchFamily="34" charset="0"/>
+                <a:ea typeface="Aptos" panose="020B0004020202020204" pitchFamily="34" charset="0"/>
+                <a:cs typeface="Times New Roman" panose="02020603050405020304" pitchFamily="18" charset="0"/>
+              </a:rPr>
+              <a:t>Drop rows with missing values</a:t>
             </a:r>
             <a:endParaRPr lang="en-US" sz="1800" kern="100" dirty="0">
               <a:effectLst/>
@@ -5247,7 +6052,83 @@
               </a:rPr>
               <a:t>How clustering works in non-technical terms</a:t>
             </a:r>
-            <a:endParaRPr lang="en-US" sz="1800" kern="100" dirty="0">
+          </a:p>
+          <a:p>
+            <a:pPr marL="0" marR="0" lvl="0" indent="0">
+              <a:lnSpc>
+                <a:spcPct val="115000"/>
+              </a:lnSpc>
+              <a:spcAft>
+                <a:spcPts val="800"/>
+              </a:spcAft>
+              <a:buSzPts val="1000"/>
+              <a:buNone/>
+              <a:tabLst>
+                <a:tab pos="457200" algn="l"/>
+              </a:tabLst>
+            </a:pPr>
+            <a:r>
+              <a:rPr lang="en-US" sz="1800" kern="0" dirty="0">
+                <a:latin typeface="Times New Roman" panose="02020603050405020304" pitchFamily="18" charset="0"/>
+                <a:ea typeface="Aptos" panose="020B0004020202020204" pitchFamily="34" charset="0"/>
+                <a:cs typeface="Times New Roman" panose="02020603050405020304" pitchFamily="18" charset="0"/>
+              </a:rPr>
+              <a:t>Correlation Between TU/RTU</a:t>
+            </a:r>
+          </a:p>
+          <a:p>
+            <a:pPr>
+              <a:lnSpc>
+                <a:spcPct val="115000"/>
+              </a:lnSpc>
+              <a:spcAft>
+                <a:spcPts val="800"/>
+              </a:spcAft>
+              <a:buSzPts val="1000"/>
+              <a:tabLst>
+                <a:tab pos="457200" algn="l"/>
+              </a:tabLst>
+            </a:pPr>
+            <a:r>
+              <a:rPr lang="en-US" sz="1800" kern="0" dirty="0">
+                <a:effectLst/>
+                <a:latin typeface="Times New Roman" panose="02020603050405020304" pitchFamily="18" charset="0"/>
+                <a:ea typeface="Aptos" panose="020B0004020202020204" pitchFamily="34" charset="0"/>
+                <a:cs typeface="Times New Roman" panose="02020603050405020304" pitchFamily="18" charset="0"/>
+              </a:rPr>
+              <a:t>Inner Join each TU </a:t>
+            </a:r>
+            <a:r>
+              <a:rPr lang="en-US" sz="1800" kern="0" dirty="0">
+                <a:latin typeface="Times New Roman" panose="02020603050405020304" pitchFamily="18" charset="0"/>
+                <a:ea typeface="Aptos" panose="020B0004020202020204" pitchFamily="34" charset="0"/>
+                <a:cs typeface="Times New Roman" panose="02020603050405020304" pitchFamily="18" charset="0"/>
+              </a:rPr>
+              <a:t>to each RTU on timestamps</a:t>
+            </a:r>
+          </a:p>
+          <a:p>
+            <a:pPr lvl="1">
+              <a:lnSpc>
+                <a:spcPct val="115000"/>
+              </a:lnSpc>
+              <a:spcAft>
+                <a:spcPts val="800"/>
+              </a:spcAft>
+              <a:buSzPts val="1000"/>
+              <a:tabLst>
+                <a:tab pos="457200" algn="l"/>
+              </a:tabLst>
+            </a:pPr>
+            <a:r>
+              <a:rPr lang="en-US" sz="1400" kern="0" dirty="0">
+                <a:latin typeface="Times New Roman" panose="02020603050405020304" pitchFamily="18" charset="0"/>
+                <a:ea typeface="Aptos" panose="020B0004020202020204" pitchFamily="34" charset="0"/>
+                <a:cs typeface="Times New Roman" panose="02020603050405020304" pitchFamily="18" charset="0"/>
+              </a:rPr>
+              <a:t>Perform Correlation between each variable of TUs with all variables of RTU</a:t>
+            </a:r>
+            <a:endParaRPr lang="en-US" sz="1400" kern="100" dirty="0">
               <a:effectLst/>
               <a:latin typeface="Aptos" panose="020B0004020202020204" pitchFamily="34" charset="0"/>
               <a:ea typeface="Aptos" panose="020B0004020202020204" pitchFamily="34" charset="0"/>
@@ -5854,7 +6735,31 @@
               </a:rPr>
               <a:t>Obstacles encountered during analysis</a:t>
             </a:r>
-            <a:endParaRPr lang="en-US" sz="1800" kern="100" dirty="0">
+          </a:p>
+          <a:p>
+            <a:pPr marL="800100" lvl="1" indent="-342900">
+              <a:lnSpc>
+                <a:spcPct val="115000"/>
+              </a:lnSpc>
+              <a:spcAft>
+                <a:spcPts val="800"/>
+              </a:spcAft>
+              <a:buSzPts val="1000"/>
+              <a:buFont typeface="Symbol" pitchFamily="2" charset="2"/>
+              <a:buChar char=""/>
+              <a:tabLst>
+                <a:tab pos="457200" algn="l"/>
+              </a:tabLst>
+            </a:pPr>
+            <a:r>
+              <a:rPr lang="en-US" sz="1400" kern="0" dirty="0">
+                <a:latin typeface="Times New Roman" panose="02020603050405020304" pitchFamily="18" charset="0"/>
+                <a:ea typeface="Aptos" panose="020B0004020202020204" pitchFamily="34" charset="0"/>
+                <a:cs typeface="Times New Roman" panose="02020603050405020304" pitchFamily="18" charset="0"/>
+              </a:rPr>
+              <a:t>Large portion of data was missing values</a:t>
+            </a:r>
+            <a:endParaRPr lang="en-US" sz="1400" kern="100" dirty="0">
               <a:effectLst/>
               <a:latin typeface="Aptos" panose="020B0004020202020204" pitchFamily="34" charset="0"/>
               <a:ea typeface="Aptos" panose="020B0004020202020204" pitchFamily="34" charset="0"/>
@@ -5885,7 +6790,31 @@
               </a:rPr>
               <a:t>What we would do with more time</a:t>
             </a:r>
-            <a:endParaRPr lang="en-US" sz="1800" kern="100" dirty="0">
+          </a:p>
+          <a:p>
+            <a:pPr marL="800100" lvl="1" indent="-342900">
+              <a:lnSpc>
+                <a:spcPct val="115000"/>
+              </a:lnSpc>
+              <a:spcAft>
+                <a:spcPts val="800"/>
+              </a:spcAft>
+              <a:buSzPts val="1000"/>
+              <a:buFont typeface="Symbol" pitchFamily="2" charset="2"/>
+              <a:buChar char=""/>
+              <a:tabLst>
+                <a:tab pos="457200" algn="l"/>
+              </a:tabLst>
+            </a:pPr>
+            <a:r>
+              <a:rPr lang="en-US" sz="1400" kern="0" dirty="0">
+                <a:latin typeface="Times New Roman" panose="02020603050405020304" pitchFamily="18" charset="0"/>
+                <a:ea typeface="Aptos" panose="020B0004020202020204" pitchFamily="34" charset="0"/>
+                <a:cs typeface="Times New Roman" panose="02020603050405020304" pitchFamily="18" charset="0"/>
+              </a:rPr>
+              <a:t>Attempt supervised analysis methods</a:t>
+            </a:r>
+            <a:endParaRPr lang="en-US" sz="1400" kern="100" dirty="0">
               <a:effectLst/>
               <a:latin typeface="Aptos" panose="020B0004020202020204" pitchFamily="34" charset="0"/>
               <a:ea typeface="Aptos" panose="020B0004020202020204" pitchFamily="34" charset="0"/>

--- a/HVAC_Final_Presentation.pptx
+++ b/HVAC_Final_Presentation.pptx
@@ -1,20 +1,20 @@
 
 <file path=ppt/presentation.xml><?xml version="1.0" encoding="utf-8"?>
-<p:presentation xmlns:a="http://schemas.openxmlformats.org/drawingml/2006/main" xmlns:r="http://schemas.openxmlformats.org/officeDocument/2006/relationships" xmlns:p="http://schemas.openxmlformats.org/presentationml/2006/main" saveSubsetFonts="1" autoCompressPictures="0">
+<p:presentation xmlns:a="http://schemas.openxmlformats.org/drawingml/2006/main" xmlns:r="http://schemas.openxmlformats.org/officeDocument/2006/relationships" xmlns:p="http://schemas.openxmlformats.org/presentationml/2006/main" autoCompressPictures="0">
   <p:sldMasterIdLst>
     <p:sldMasterId id="2147483648" r:id="rId1"/>
   </p:sldMasterIdLst>
   <p:sldIdLst>
-    <p:sldId id="256" r:id="rId2"/>
-    <p:sldId id="257" r:id="rId3"/>
-    <p:sldId id="258" r:id="rId4"/>
-    <p:sldId id="259" r:id="rId5"/>
-    <p:sldId id="260" r:id="rId6"/>
-    <p:sldId id="261" r:id="rId7"/>
-    <p:sldId id="263" r:id="rId8"/>
-    <p:sldId id="262" r:id="rId9"/>
-    <p:sldId id="264" r:id="rId10"/>
-    <p:sldId id="265" r:id="rId11"/>
+    <p:sldId id="256" r:id="rId3"/>
+    <p:sldId id="257" r:id="rId4"/>
+    <p:sldId id="258" r:id="rId5"/>
+    <p:sldId id="259" r:id="rId6"/>
+    <p:sldId id="260" r:id="rId7"/>
+    <p:sldId id="261" r:id="rId8"/>
+    <p:sldId id="263" r:id="rId9"/>
+    <p:sldId id="262" r:id="rId10"/>
+    <p:sldId id="264" r:id="rId11"/>
+    <p:sldId id="265" r:id="rId12"/>
   </p:sldIdLst>
   <p:sldSz cx="12192000" cy="6858000"/>
   <p:notesSz cx="6858000" cy="9144000"/>
@@ -113,11 +113,6 @@
       </a:defRPr>
     </a:lvl9pPr>
   </p:defaultTextStyle>
-  <p:extLst>
-    <p:ext uri="{EFAFB233-063F-42B5-8137-9DF3F51BA10A}">
-      <p15:sldGuideLst xmlns:p15="http://schemas.microsoft.com/office/powerpoint/2012/main"/>
-    </p:ext>
-  </p:extLst>
 </p:presentation>
 </file>
 
@@ -140,13 +135,7 @@
       </p:grpSpPr>
       <p:sp>
         <p:nvSpPr>
-          <p:cNvPr id="2" name="Title 1">
-            <a:extLst>
-              <a:ext uri="{FF2B5EF4-FFF2-40B4-BE49-F238E27FC236}">
-                <a16:creationId xmlns:a16="http://schemas.microsoft.com/office/drawing/2014/main" id="{AE34B95B-6EE5-6864-CED2-13D8972F7E34}"/>
-              </a:ext>
-            </a:extLst>
-          </p:cNvPr>
+          <p:cNvPr id="2" name="Title 1"/>
           <p:cNvSpPr>
             <a:spLocks noGrp="1"/>
           </p:cNvSpPr>
@@ -172,18 +161,13 @@
               <a:rPr lang="en-US"/>
               <a:t>Click to edit Master title style</a:t>
             </a:r>
-          </a:p>
-        </p:txBody>
-      </p:sp>
-      <p:sp>
-        <p:nvSpPr>
-          <p:cNvPr id="3" name="Subtitle 2">
-            <a:extLst>
-              <a:ext uri="{FF2B5EF4-FFF2-40B4-BE49-F238E27FC236}">
-                <a16:creationId xmlns:a16="http://schemas.microsoft.com/office/drawing/2014/main" id="{84E68EF0-1A0F-768F-03E9-9915DA2AE7FF}"/>
-              </a:ext>
-            </a:extLst>
-          </p:cNvPr>
+            <a:endParaRPr lang="en-US"/>
+          </a:p>
+        </p:txBody>
+      </p:sp>
+      <p:sp>
+        <p:nvSpPr>
+          <p:cNvPr id="3" name="Subtitle 2"/>
           <p:cNvSpPr>
             <a:spLocks noGrp="1"/>
           </p:cNvSpPr>
@@ -242,18 +226,13 @@
               <a:rPr lang="en-US"/>
               <a:t>Click to edit Master subtitle style</a:t>
             </a:r>
-          </a:p>
-        </p:txBody>
-      </p:sp>
-      <p:sp>
-        <p:nvSpPr>
-          <p:cNvPr id="4" name="Date Placeholder 3">
-            <a:extLst>
-              <a:ext uri="{FF2B5EF4-FFF2-40B4-BE49-F238E27FC236}">
-                <a16:creationId xmlns:a16="http://schemas.microsoft.com/office/drawing/2014/main" id="{41DE6AB6-4416-E196-D944-E006C0D1665A}"/>
-              </a:ext>
-            </a:extLst>
-          </p:cNvPr>
+            <a:endParaRPr lang="en-US"/>
+          </a:p>
+        </p:txBody>
+      </p:sp>
+      <p:sp>
+        <p:nvSpPr>
+          <p:cNvPr id="4" name="Date Placeholder 3"/>
           <p:cNvSpPr>
             <a:spLocks noGrp="1"/>
           </p:cNvSpPr>
@@ -268,7 +247,6 @@
           <a:p>
             <a:fld id="{4D86248D-2A3D-944C-B434-7FED79A0C0DF}" type="datetimeFigureOut">
               <a:rPr lang="en-US" smtClean="0"/>
-              <a:t>4/16/2025</a:t>
             </a:fld>
             <a:endParaRPr lang="en-US"/>
           </a:p>
@@ -276,13 +254,7 @@
       </p:sp>
       <p:sp>
         <p:nvSpPr>
-          <p:cNvPr id="5" name="Footer Placeholder 4">
-            <a:extLst>
-              <a:ext uri="{FF2B5EF4-FFF2-40B4-BE49-F238E27FC236}">
-                <a16:creationId xmlns:a16="http://schemas.microsoft.com/office/drawing/2014/main" id="{4A2C0EE0-5E86-B12E-C9AD-A31CAE1A5B9E}"/>
-              </a:ext>
-            </a:extLst>
-          </p:cNvPr>
+          <p:cNvPr id="5" name="Footer Placeholder 4"/>
           <p:cNvSpPr>
             <a:spLocks noGrp="1"/>
           </p:cNvSpPr>
@@ -301,13 +273,7 @@
       </p:sp>
       <p:sp>
         <p:nvSpPr>
-          <p:cNvPr id="6" name="Slide Number Placeholder 5">
-            <a:extLst>
-              <a:ext uri="{FF2B5EF4-FFF2-40B4-BE49-F238E27FC236}">
-                <a16:creationId xmlns:a16="http://schemas.microsoft.com/office/drawing/2014/main" id="{ADC858C4-4D2E-D71E-62D8-DB1E5308D349}"/>
-              </a:ext>
-            </a:extLst>
-          </p:cNvPr>
+          <p:cNvPr id="6" name="Slide Number Placeholder 5"/>
           <p:cNvSpPr>
             <a:spLocks noGrp="1"/>
           </p:cNvSpPr>
@@ -322,18 +288,12 @@
           <a:p>
             <a:fld id="{901D9548-4F5F-7B4B-B6B8-60570EAB56E2}" type="slidenum">
               <a:rPr lang="en-US" smtClean="0"/>
-              <a:t>‹#›</a:t>
             </a:fld>
             <a:endParaRPr lang="en-US"/>
           </a:p>
         </p:txBody>
       </p:sp>
     </p:spTree>
-    <p:extLst>
-      <p:ext uri="{BB962C8B-B14F-4D97-AF65-F5344CB8AC3E}">
-        <p14:creationId xmlns:p14="http://schemas.microsoft.com/office/powerpoint/2010/main" val="1458057783"/>
-      </p:ext>
-    </p:extLst>
   </p:cSld>
   <p:clrMapOvr>
     <a:masterClrMapping/>
@@ -360,13 +320,7 @@
       </p:grpSpPr>
       <p:sp>
         <p:nvSpPr>
-          <p:cNvPr id="2" name="Title 1">
-            <a:extLst>
-              <a:ext uri="{FF2B5EF4-FFF2-40B4-BE49-F238E27FC236}">
-                <a16:creationId xmlns:a16="http://schemas.microsoft.com/office/drawing/2014/main" id="{941DF937-C6D3-9EBA-682D-ECED6887096D}"/>
-              </a:ext>
-            </a:extLst>
-          </p:cNvPr>
+          <p:cNvPr id="2" name="Title 1"/>
           <p:cNvSpPr>
             <a:spLocks noGrp="1"/>
           </p:cNvSpPr>
@@ -383,18 +337,13 @@
               <a:rPr lang="en-US"/>
               <a:t>Click to edit Master title style</a:t>
             </a:r>
-          </a:p>
-        </p:txBody>
-      </p:sp>
-      <p:sp>
-        <p:nvSpPr>
-          <p:cNvPr id="3" name="Vertical Text Placeholder 2">
-            <a:extLst>
-              <a:ext uri="{FF2B5EF4-FFF2-40B4-BE49-F238E27FC236}">
-                <a16:creationId xmlns:a16="http://schemas.microsoft.com/office/drawing/2014/main" id="{627BD8FD-4F82-9304-9618-B2FDE14E0B7E}"/>
-              </a:ext>
-            </a:extLst>
-          </p:cNvPr>
+            <a:endParaRPr lang="en-US"/>
+          </a:p>
+        </p:txBody>
+      </p:sp>
+      <p:sp>
+        <p:nvSpPr>
+          <p:cNvPr id="3" name="Vertical Text Placeholder 2"/>
           <p:cNvSpPr>
             <a:spLocks noGrp="1"/>
           </p:cNvSpPr>
@@ -412,6 +361,7 @@
               <a:rPr lang="en-US"/>
               <a:t>Click to edit Master text styles</a:t>
             </a:r>
+            <a:endParaRPr lang="en-US"/>
           </a:p>
           <a:p>
             <a:pPr lvl="1"/>
@@ -419,6 +369,7 @@
               <a:rPr lang="en-US"/>
               <a:t>Second level</a:t>
             </a:r>
+            <a:endParaRPr lang="en-US"/>
           </a:p>
           <a:p>
             <a:pPr lvl="2"/>
@@ -426,6 +377,7 @@
               <a:rPr lang="en-US"/>
               <a:t>Third level</a:t>
             </a:r>
+            <a:endParaRPr lang="en-US"/>
           </a:p>
           <a:p>
             <a:pPr lvl="3"/>
@@ -433,6 +385,7 @@
               <a:rPr lang="en-US"/>
               <a:t>Fourth level</a:t>
             </a:r>
+            <a:endParaRPr lang="en-US"/>
           </a:p>
           <a:p>
             <a:pPr lvl="4"/>
@@ -440,18 +393,13 @@
               <a:rPr lang="en-US"/>
               <a:t>Fifth level</a:t>
             </a:r>
-          </a:p>
-        </p:txBody>
-      </p:sp>
-      <p:sp>
-        <p:nvSpPr>
-          <p:cNvPr id="4" name="Date Placeholder 3">
-            <a:extLst>
-              <a:ext uri="{FF2B5EF4-FFF2-40B4-BE49-F238E27FC236}">
-                <a16:creationId xmlns:a16="http://schemas.microsoft.com/office/drawing/2014/main" id="{8527526C-DF19-7539-6FEE-1525843CD1EC}"/>
-              </a:ext>
-            </a:extLst>
-          </p:cNvPr>
+            <a:endParaRPr lang="en-US"/>
+          </a:p>
+        </p:txBody>
+      </p:sp>
+      <p:sp>
+        <p:nvSpPr>
+          <p:cNvPr id="4" name="Date Placeholder 3"/>
           <p:cNvSpPr>
             <a:spLocks noGrp="1"/>
           </p:cNvSpPr>
@@ -466,7 +414,6 @@
           <a:p>
             <a:fld id="{4D86248D-2A3D-944C-B434-7FED79A0C0DF}" type="datetimeFigureOut">
               <a:rPr lang="en-US" smtClean="0"/>
-              <a:t>4/16/2025</a:t>
             </a:fld>
             <a:endParaRPr lang="en-US"/>
           </a:p>
@@ -474,13 +421,7 @@
       </p:sp>
       <p:sp>
         <p:nvSpPr>
-          <p:cNvPr id="5" name="Footer Placeholder 4">
-            <a:extLst>
-              <a:ext uri="{FF2B5EF4-FFF2-40B4-BE49-F238E27FC236}">
-                <a16:creationId xmlns:a16="http://schemas.microsoft.com/office/drawing/2014/main" id="{95ED8D12-745A-F5A9-7EC0-339E0ED46EC4}"/>
-              </a:ext>
-            </a:extLst>
-          </p:cNvPr>
+          <p:cNvPr id="5" name="Footer Placeholder 4"/>
           <p:cNvSpPr>
             <a:spLocks noGrp="1"/>
           </p:cNvSpPr>
@@ -499,13 +440,7 @@
       </p:sp>
       <p:sp>
         <p:nvSpPr>
-          <p:cNvPr id="6" name="Slide Number Placeholder 5">
-            <a:extLst>
-              <a:ext uri="{FF2B5EF4-FFF2-40B4-BE49-F238E27FC236}">
-                <a16:creationId xmlns:a16="http://schemas.microsoft.com/office/drawing/2014/main" id="{8217165B-59C9-6989-9D09-482459A69FC0}"/>
-              </a:ext>
-            </a:extLst>
-          </p:cNvPr>
+          <p:cNvPr id="6" name="Slide Number Placeholder 5"/>
           <p:cNvSpPr>
             <a:spLocks noGrp="1"/>
           </p:cNvSpPr>
@@ -520,18 +455,12 @@
           <a:p>
             <a:fld id="{901D9548-4F5F-7B4B-B6B8-60570EAB56E2}" type="slidenum">
               <a:rPr lang="en-US" smtClean="0"/>
-              <a:t>‹#›</a:t>
             </a:fld>
             <a:endParaRPr lang="en-US"/>
           </a:p>
         </p:txBody>
       </p:sp>
     </p:spTree>
-    <p:extLst>
-      <p:ext uri="{BB962C8B-B14F-4D97-AF65-F5344CB8AC3E}">
-        <p14:creationId xmlns:p14="http://schemas.microsoft.com/office/powerpoint/2010/main" val="2239741747"/>
-      </p:ext>
-    </p:extLst>
   </p:cSld>
   <p:clrMapOvr>
     <a:masterClrMapping/>
@@ -558,13 +487,7 @@
       </p:grpSpPr>
       <p:sp>
         <p:nvSpPr>
-          <p:cNvPr id="2" name="Vertical Title 1">
-            <a:extLst>
-              <a:ext uri="{FF2B5EF4-FFF2-40B4-BE49-F238E27FC236}">
-                <a16:creationId xmlns:a16="http://schemas.microsoft.com/office/drawing/2014/main" id="{9DA7471C-81ED-0AE7-A394-921EAE1D35EC}"/>
-              </a:ext>
-            </a:extLst>
-          </p:cNvPr>
+          <p:cNvPr id="2" name="Vertical Title 1"/>
           <p:cNvSpPr>
             <a:spLocks noGrp="1"/>
           </p:cNvSpPr>
@@ -586,18 +509,13 @@
               <a:rPr lang="en-US"/>
               <a:t>Click to edit Master title style</a:t>
             </a:r>
-          </a:p>
-        </p:txBody>
-      </p:sp>
-      <p:sp>
-        <p:nvSpPr>
-          <p:cNvPr id="3" name="Vertical Text Placeholder 2">
-            <a:extLst>
-              <a:ext uri="{FF2B5EF4-FFF2-40B4-BE49-F238E27FC236}">
-                <a16:creationId xmlns:a16="http://schemas.microsoft.com/office/drawing/2014/main" id="{54539118-13B2-D682-863F-6C2A885AC42A}"/>
-              </a:ext>
-            </a:extLst>
-          </p:cNvPr>
+            <a:endParaRPr lang="en-US"/>
+          </a:p>
+        </p:txBody>
+      </p:sp>
+      <p:sp>
+        <p:nvSpPr>
+          <p:cNvPr id="3" name="Vertical Text Placeholder 2"/>
           <p:cNvSpPr>
             <a:spLocks noGrp="1"/>
           </p:cNvSpPr>
@@ -620,6 +538,7 @@
               <a:rPr lang="en-US"/>
               <a:t>Click to edit Master text styles</a:t>
             </a:r>
+            <a:endParaRPr lang="en-US"/>
           </a:p>
           <a:p>
             <a:pPr lvl="1"/>
@@ -627,6 +546,7 @@
               <a:rPr lang="en-US"/>
               <a:t>Second level</a:t>
             </a:r>
+            <a:endParaRPr lang="en-US"/>
           </a:p>
           <a:p>
             <a:pPr lvl="2"/>
@@ -634,6 +554,7 @@
               <a:rPr lang="en-US"/>
               <a:t>Third level</a:t>
             </a:r>
+            <a:endParaRPr lang="en-US"/>
           </a:p>
           <a:p>
             <a:pPr lvl="3"/>
@@ -641,6 +562,7 @@
               <a:rPr lang="en-US"/>
               <a:t>Fourth level</a:t>
             </a:r>
+            <a:endParaRPr lang="en-US"/>
           </a:p>
           <a:p>
             <a:pPr lvl="4"/>
@@ -648,18 +570,13 @@
               <a:rPr lang="en-US"/>
               <a:t>Fifth level</a:t>
             </a:r>
-          </a:p>
-        </p:txBody>
-      </p:sp>
-      <p:sp>
-        <p:nvSpPr>
-          <p:cNvPr id="4" name="Date Placeholder 3">
-            <a:extLst>
-              <a:ext uri="{FF2B5EF4-FFF2-40B4-BE49-F238E27FC236}">
-                <a16:creationId xmlns:a16="http://schemas.microsoft.com/office/drawing/2014/main" id="{1AAE03EA-811E-4F7D-D6AA-3BAC3B226448}"/>
-              </a:ext>
-            </a:extLst>
-          </p:cNvPr>
+            <a:endParaRPr lang="en-US"/>
+          </a:p>
+        </p:txBody>
+      </p:sp>
+      <p:sp>
+        <p:nvSpPr>
+          <p:cNvPr id="4" name="Date Placeholder 3"/>
           <p:cNvSpPr>
             <a:spLocks noGrp="1"/>
           </p:cNvSpPr>
@@ -674,7 +591,6 @@
           <a:p>
             <a:fld id="{4D86248D-2A3D-944C-B434-7FED79A0C0DF}" type="datetimeFigureOut">
               <a:rPr lang="en-US" smtClean="0"/>
-              <a:t>4/16/2025</a:t>
             </a:fld>
             <a:endParaRPr lang="en-US"/>
           </a:p>
@@ -682,13 +598,7 @@
       </p:sp>
       <p:sp>
         <p:nvSpPr>
-          <p:cNvPr id="5" name="Footer Placeholder 4">
-            <a:extLst>
-              <a:ext uri="{FF2B5EF4-FFF2-40B4-BE49-F238E27FC236}">
-                <a16:creationId xmlns:a16="http://schemas.microsoft.com/office/drawing/2014/main" id="{90AD6854-8195-70AD-7AB9-50245450907B}"/>
-              </a:ext>
-            </a:extLst>
-          </p:cNvPr>
+          <p:cNvPr id="5" name="Footer Placeholder 4"/>
           <p:cNvSpPr>
             <a:spLocks noGrp="1"/>
           </p:cNvSpPr>
@@ -707,13 +617,7 @@
       </p:sp>
       <p:sp>
         <p:nvSpPr>
-          <p:cNvPr id="6" name="Slide Number Placeholder 5">
-            <a:extLst>
-              <a:ext uri="{FF2B5EF4-FFF2-40B4-BE49-F238E27FC236}">
-                <a16:creationId xmlns:a16="http://schemas.microsoft.com/office/drawing/2014/main" id="{9390C028-CE7E-5D10-8792-76F955E91C18}"/>
-              </a:ext>
-            </a:extLst>
-          </p:cNvPr>
+          <p:cNvPr id="6" name="Slide Number Placeholder 5"/>
           <p:cNvSpPr>
             <a:spLocks noGrp="1"/>
           </p:cNvSpPr>
@@ -728,18 +632,12 @@
           <a:p>
             <a:fld id="{901D9548-4F5F-7B4B-B6B8-60570EAB56E2}" type="slidenum">
               <a:rPr lang="en-US" smtClean="0"/>
-              <a:t>‹#›</a:t>
             </a:fld>
             <a:endParaRPr lang="en-US"/>
           </a:p>
         </p:txBody>
       </p:sp>
     </p:spTree>
-    <p:extLst>
-      <p:ext uri="{BB962C8B-B14F-4D97-AF65-F5344CB8AC3E}">
-        <p14:creationId xmlns:p14="http://schemas.microsoft.com/office/powerpoint/2010/main" val="2391211909"/>
-      </p:ext>
-    </p:extLst>
   </p:cSld>
   <p:clrMapOvr>
     <a:masterClrMapping/>
@@ -766,13 +664,7 @@
       </p:grpSpPr>
       <p:sp>
         <p:nvSpPr>
-          <p:cNvPr id="2" name="Title 1">
-            <a:extLst>
-              <a:ext uri="{FF2B5EF4-FFF2-40B4-BE49-F238E27FC236}">
-                <a16:creationId xmlns:a16="http://schemas.microsoft.com/office/drawing/2014/main" id="{7747C05A-B023-6127-0A4D-EEC18CF0DE75}"/>
-              </a:ext>
-            </a:extLst>
-          </p:cNvPr>
+          <p:cNvPr id="2" name="Title 1"/>
           <p:cNvSpPr>
             <a:spLocks noGrp="1"/>
           </p:cNvSpPr>
@@ -789,18 +681,13 @@
               <a:rPr lang="en-US"/>
               <a:t>Click to edit Master title style</a:t>
             </a:r>
-          </a:p>
-        </p:txBody>
-      </p:sp>
-      <p:sp>
-        <p:nvSpPr>
-          <p:cNvPr id="3" name="Content Placeholder 2">
-            <a:extLst>
-              <a:ext uri="{FF2B5EF4-FFF2-40B4-BE49-F238E27FC236}">
-                <a16:creationId xmlns:a16="http://schemas.microsoft.com/office/drawing/2014/main" id="{EB8E702C-6C0B-3516-A204-F11AB4334524}"/>
-              </a:ext>
-            </a:extLst>
-          </p:cNvPr>
+            <a:endParaRPr lang="en-US"/>
+          </a:p>
+        </p:txBody>
+      </p:sp>
+      <p:sp>
+        <p:nvSpPr>
+          <p:cNvPr id="3" name="Content Placeholder 2"/>
           <p:cNvSpPr>
             <a:spLocks noGrp="1"/>
           </p:cNvSpPr>
@@ -818,6 +705,7 @@
               <a:rPr lang="en-US"/>
               <a:t>Click to edit Master text styles</a:t>
             </a:r>
+            <a:endParaRPr lang="en-US"/>
           </a:p>
           <a:p>
             <a:pPr lvl="1"/>
@@ -825,6 +713,7 @@
               <a:rPr lang="en-US"/>
               <a:t>Second level</a:t>
             </a:r>
+            <a:endParaRPr lang="en-US"/>
           </a:p>
           <a:p>
             <a:pPr lvl="2"/>
@@ -832,6 +721,7 @@
               <a:rPr lang="en-US"/>
               <a:t>Third level</a:t>
             </a:r>
+            <a:endParaRPr lang="en-US"/>
           </a:p>
           <a:p>
             <a:pPr lvl="3"/>
@@ -839,6 +729,7 @@
               <a:rPr lang="en-US"/>
               <a:t>Fourth level</a:t>
             </a:r>
+            <a:endParaRPr lang="en-US"/>
           </a:p>
           <a:p>
             <a:pPr lvl="4"/>
@@ -846,18 +737,13 @@
               <a:rPr lang="en-US"/>
               <a:t>Fifth level</a:t>
             </a:r>
-          </a:p>
-        </p:txBody>
-      </p:sp>
-      <p:sp>
-        <p:nvSpPr>
-          <p:cNvPr id="4" name="Date Placeholder 3">
-            <a:extLst>
-              <a:ext uri="{FF2B5EF4-FFF2-40B4-BE49-F238E27FC236}">
-                <a16:creationId xmlns:a16="http://schemas.microsoft.com/office/drawing/2014/main" id="{08D597B0-3804-7B25-B0F9-56EF9ADEAEAD}"/>
-              </a:ext>
-            </a:extLst>
-          </p:cNvPr>
+            <a:endParaRPr lang="en-US"/>
+          </a:p>
+        </p:txBody>
+      </p:sp>
+      <p:sp>
+        <p:nvSpPr>
+          <p:cNvPr id="4" name="Date Placeholder 3"/>
           <p:cNvSpPr>
             <a:spLocks noGrp="1"/>
           </p:cNvSpPr>
@@ -872,7 +758,6 @@
           <a:p>
             <a:fld id="{4D86248D-2A3D-944C-B434-7FED79A0C0DF}" type="datetimeFigureOut">
               <a:rPr lang="en-US" smtClean="0"/>
-              <a:t>4/16/2025</a:t>
             </a:fld>
             <a:endParaRPr lang="en-US"/>
           </a:p>
@@ -880,13 +765,7 @@
       </p:sp>
       <p:sp>
         <p:nvSpPr>
-          <p:cNvPr id="5" name="Footer Placeholder 4">
-            <a:extLst>
-              <a:ext uri="{FF2B5EF4-FFF2-40B4-BE49-F238E27FC236}">
-                <a16:creationId xmlns:a16="http://schemas.microsoft.com/office/drawing/2014/main" id="{4F43AA67-F0AA-7D73-13BB-2104418C1B18}"/>
-              </a:ext>
-            </a:extLst>
-          </p:cNvPr>
+          <p:cNvPr id="5" name="Footer Placeholder 4"/>
           <p:cNvSpPr>
             <a:spLocks noGrp="1"/>
           </p:cNvSpPr>
@@ -905,13 +784,7 @@
       </p:sp>
       <p:sp>
         <p:nvSpPr>
-          <p:cNvPr id="6" name="Slide Number Placeholder 5">
-            <a:extLst>
-              <a:ext uri="{FF2B5EF4-FFF2-40B4-BE49-F238E27FC236}">
-                <a16:creationId xmlns:a16="http://schemas.microsoft.com/office/drawing/2014/main" id="{979D9F02-B968-B4AF-6041-12844C6B3834}"/>
-              </a:ext>
-            </a:extLst>
-          </p:cNvPr>
+          <p:cNvPr id="6" name="Slide Number Placeholder 5"/>
           <p:cNvSpPr>
             <a:spLocks noGrp="1"/>
           </p:cNvSpPr>
@@ -926,18 +799,12 @@
           <a:p>
             <a:fld id="{901D9548-4F5F-7B4B-B6B8-60570EAB56E2}" type="slidenum">
               <a:rPr lang="en-US" smtClean="0"/>
-              <a:t>‹#›</a:t>
             </a:fld>
             <a:endParaRPr lang="en-US"/>
           </a:p>
         </p:txBody>
       </p:sp>
     </p:spTree>
-    <p:extLst>
-      <p:ext uri="{BB962C8B-B14F-4D97-AF65-F5344CB8AC3E}">
-        <p14:creationId xmlns:p14="http://schemas.microsoft.com/office/powerpoint/2010/main" val="1214525104"/>
-      </p:ext>
-    </p:extLst>
   </p:cSld>
   <p:clrMapOvr>
     <a:masterClrMapping/>
@@ -964,13 +831,7 @@
       </p:grpSpPr>
       <p:sp>
         <p:nvSpPr>
-          <p:cNvPr id="2" name="Title 1">
-            <a:extLst>
-              <a:ext uri="{FF2B5EF4-FFF2-40B4-BE49-F238E27FC236}">
-                <a16:creationId xmlns:a16="http://schemas.microsoft.com/office/drawing/2014/main" id="{8335E15C-4778-A393-F021-C79491D1A002}"/>
-              </a:ext>
-            </a:extLst>
-          </p:cNvPr>
+          <p:cNvPr id="2" name="Title 1"/>
           <p:cNvSpPr>
             <a:spLocks noGrp="1"/>
           </p:cNvSpPr>
@@ -996,18 +857,13 @@
               <a:rPr lang="en-US"/>
               <a:t>Click to edit Master title style</a:t>
             </a:r>
-          </a:p>
-        </p:txBody>
-      </p:sp>
-      <p:sp>
-        <p:nvSpPr>
-          <p:cNvPr id="3" name="Text Placeholder 2">
-            <a:extLst>
-              <a:ext uri="{FF2B5EF4-FFF2-40B4-BE49-F238E27FC236}">
-                <a16:creationId xmlns:a16="http://schemas.microsoft.com/office/drawing/2014/main" id="{19C44C90-E6FB-266E-446A-8951F03E69C0}"/>
-              </a:ext>
-            </a:extLst>
-          </p:cNvPr>
+            <a:endParaRPr lang="en-US"/>
+          </a:p>
+        </p:txBody>
+      </p:sp>
+      <p:sp>
+        <p:nvSpPr>
+          <p:cNvPr id="3" name="Text Placeholder 2"/>
           <p:cNvSpPr>
             <a:spLocks noGrp="1"/>
           </p:cNvSpPr>
@@ -1121,18 +977,13 @@
               <a:rPr lang="en-US"/>
               <a:t>Click to edit Master text styles</a:t>
             </a:r>
-          </a:p>
-        </p:txBody>
-      </p:sp>
-      <p:sp>
-        <p:nvSpPr>
-          <p:cNvPr id="4" name="Date Placeholder 3">
-            <a:extLst>
-              <a:ext uri="{FF2B5EF4-FFF2-40B4-BE49-F238E27FC236}">
-                <a16:creationId xmlns:a16="http://schemas.microsoft.com/office/drawing/2014/main" id="{4F42316C-B42A-DA23-7180-0F64F5E36AE8}"/>
-              </a:ext>
-            </a:extLst>
-          </p:cNvPr>
+            <a:endParaRPr lang="en-US"/>
+          </a:p>
+        </p:txBody>
+      </p:sp>
+      <p:sp>
+        <p:nvSpPr>
+          <p:cNvPr id="4" name="Date Placeholder 3"/>
           <p:cNvSpPr>
             <a:spLocks noGrp="1"/>
           </p:cNvSpPr>
@@ -1147,7 +998,6 @@
           <a:p>
             <a:fld id="{4D86248D-2A3D-944C-B434-7FED79A0C0DF}" type="datetimeFigureOut">
               <a:rPr lang="en-US" smtClean="0"/>
-              <a:t>4/16/2025</a:t>
             </a:fld>
             <a:endParaRPr lang="en-US"/>
           </a:p>
@@ -1155,13 +1005,7 @@
       </p:sp>
       <p:sp>
         <p:nvSpPr>
-          <p:cNvPr id="5" name="Footer Placeholder 4">
-            <a:extLst>
-              <a:ext uri="{FF2B5EF4-FFF2-40B4-BE49-F238E27FC236}">
-                <a16:creationId xmlns:a16="http://schemas.microsoft.com/office/drawing/2014/main" id="{7B6566FA-87D5-A180-8B27-89E32203BECF}"/>
-              </a:ext>
-            </a:extLst>
-          </p:cNvPr>
+          <p:cNvPr id="5" name="Footer Placeholder 4"/>
           <p:cNvSpPr>
             <a:spLocks noGrp="1"/>
           </p:cNvSpPr>
@@ -1180,13 +1024,7 @@
       </p:sp>
       <p:sp>
         <p:nvSpPr>
-          <p:cNvPr id="6" name="Slide Number Placeholder 5">
-            <a:extLst>
-              <a:ext uri="{FF2B5EF4-FFF2-40B4-BE49-F238E27FC236}">
-                <a16:creationId xmlns:a16="http://schemas.microsoft.com/office/drawing/2014/main" id="{BAA2C75D-8A2B-2EF4-924D-E271F8970452}"/>
-              </a:ext>
-            </a:extLst>
-          </p:cNvPr>
+          <p:cNvPr id="6" name="Slide Number Placeholder 5"/>
           <p:cNvSpPr>
             <a:spLocks noGrp="1"/>
           </p:cNvSpPr>
@@ -1201,18 +1039,12 @@
           <a:p>
             <a:fld id="{901D9548-4F5F-7B4B-B6B8-60570EAB56E2}" type="slidenum">
               <a:rPr lang="en-US" smtClean="0"/>
-              <a:t>‹#›</a:t>
             </a:fld>
             <a:endParaRPr lang="en-US"/>
           </a:p>
         </p:txBody>
       </p:sp>
     </p:spTree>
-    <p:extLst>
-      <p:ext uri="{BB962C8B-B14F-4D97-AF65-F5344CB8AC3E}">
-        <p14:creationId xmlns:p14="http://schemas.microsoft.com/office/powerpoint/2010/main" val="968971787"/>
-      </p:ext>
-    </p:extLst>
   </p:cSld>
   <p:clrMapOvr>
     <a:masterClrMapping/>
@@ -1239,13 +1071,7 @@
       </p:grpSpPr>
       <p:sp>
         <p:nvSpPr>
-          <p:cNvPr id="2" name="Title 1">
-            <a:extLst>
-              <a:ext uri="{FF2B5EF4-FFF2-40B4-BE49-F238E27FC236}">
-                <a16:creationId xmlns:a16="http://schemas.microsoft.com/office/drawing/2014/main" id="{13A7575C-EFD9-EFEE-C715-A14EF6DCF204}"/>
-              </a:ext>
-            </a:extLst>
-          </p:cNvPr>
+          <p:cNvPr id="2" name="Title 1"/>
           <p:cNvSpPr>
             <a:spLocks noGrp="1"/>
           </p:cNvSpPr>
@@ -1262,18 +1088,13 @@
               <a:rPr lang="en-US"/>
               <a:t>Click to edit Master title style</a:t>
             </a:r>
-          </a:p>
-        </p:txBody>
-      </p:sp>
-      <p:sp>
-        <p:nvSpPr>
-          <p:cNvPr id="3" name="Content Placeholder 2">
-            <a:extLst>
-              <a:ext uri="{FF2B5EF4-FFF2-40B4-BE49-F238E27FC236}">
-                <a16:creationId xmlns:a16="http://schemas.microsoft.com/office/drawing/2014/main" id="{13ED6C46-F9C4-417D-4D23-1C5B4D1AF3C4}"/>
-              </a:ext>
-            </a:extLst>
-          </p:cNvPr>
+            <a:endParaRPr lang="en-US"/>
+          </a:p>
+        </p:txBody>
+      </p:sp>
+      <p:sp>
+        <p:nvSpPr>
+          <p:cNvPr id="3" name="Content Placeholder 2"/>
           <p:cNvSpPr>
             <a:spLocks noGrp="1"/>
           </p:cNvSpPr>
@@ -1296,6 +1117,7 @@
               <a:rPr lang="en-US"/>
               <a:t>Click to edit Master text styles</a:t>
             </a:r>
+            <a:endParaRPr lang="en-US"/>
           </a:p>
           <a:p>
             <a:pPr lvl="1"/>
@@ -1303,6 +1125,7 @@
               <a:rPr lang="en-US"/>
               <a:t>Second level</a:t>
             </a:r>
+            <a:endParaRPr lang="en-US"/>
           </a:p>
           <a:p>
             <a:pPr lvl="2"/>
@@ -1310,6 +1133,7 @@
               <a:rPr lang="en-US"/>
               <a:t>Third level</a:t>
             </a:r>
+            <a:endParaRPr lang="en-US"/>
           </a:p>
           <a:p>
             <a:pPr lvl="3"/>
@@ -1317,6 +1141,7 @@
               <a:rPr lang="en-US"/>
               <a:t>Fourth level</a:t>
             </a:r>
+            <a:endParaRPr lang="en-US"/>
           </a:p>
           <a:p>
             <a:pPr lvl="4"/>
@@ -1324,18 +1149,13 @@
               <a:rPr lang="en-US"/>
               <a:t>Fifth level</a:t>
             </a:r>
-          </a:p>
-        </p:txBody>
-      </p:sp>
-      <p:sp>
-        <p:nvSpPr>
-          <p:cNvPr id="4" name="Content Placeholder 3">
-            <a:extLst>
-              <a:ext uri="{FF2B5EF4-FFF2-40B4-BE49-F238E27FC236}">
-                <a16:creationId xmlns:a16="http://schemas.microsoft.com/office/drawing/2014/main" id="{A6007113-A063-C8FD-CB4C-DBB15EE13B39}"/>
-              </a:ext>
-            </a:extLst>
-          </p:cNvPr>
+            <a:endParaRPr lang="en-US"/>
+          </a:p>
+        </p:txBody>
+      </p:sp>
+      <p:sp>
+        <p:nvSpPr>
+          <p:cNvPr id="4" name="Content Placeholder 3"/>
           <p:cNvSpPr>
             <a:spLocks noGrp="1"/>
           </p:cNvSpPr>
@@ -1358,6 +1178,7 @@
               <a:rPr lang="en-US"/>
               <a:t>Click to edit Master text styles</a:t>
             </a:r>
+            <a:endParaRPr lang="en-US"/>
           </a:p>
           <a:p>
             <a:pPr lvl="1"/>
@@ -1365,6 +1186,7 @@
               <a:rPr lang="en-US"/>
               <a:t>Second level</a:t>
             </a:r>
+            <a:endParaRPr lang="en-US"/>
           </a:p>
           <a:p>
             <a:pPr lvl="2"/>
@@ -1372,6 +1194,7 @@
               <a:rPr lang="en-US"/>
               <a:t>Third level</a:t>
             </a:r>
+            <a:endParaRPr lang="en-US"/>
           </a:p>
           <a:p>
             <a:pPr lvl="3"/>
@@ -1379,6 +1202,7 @@
               <a:rPr lang="en-US"/>
               <a:t>Fourth level</a:t>
             </a:r>
+            <a:endParaRPr lang="en-US"/>
           </a:p>
           <a:p>
             <a:pPr lvl="4"/>
@@ -1386,18 +1210,13 @@
               <a:rPr lang="en-US"/>
               <a:t>Fifth level</a:t>
             </a:r>
-          </a:p>
-        </p:txBody>
-      </p:sp>
-      <p:sp>
-        <p:nvSpPr>
-          <p:cNvPr id="5" name="Date Placeholder 4">
-            <a:extLst>
-              <a:ext uri="{FF2B5EF4-FFF2-40B4-BE49-F238E27FC236}">
-                <a16:creationId xmlns:a16="http://schemas.microsoft.com/office/drawing/2014/main" id="{D78E5604-EC3B-0001-7722-F73CEC1848B1}"/>
-              </a:ext>
-            </a:extLst>
-          </p:cNvPr>
+            <a:endParaRPr lang="en-US"/>
+          </a:p>
+        </p:txBody>
+      </p:sp>
+      <p:sp>
+        <p:nvSpPr>
+          <p:cNvPr id="5" name="Date Placeholder 4"/>
           <p:cNvSpPr>
             <a:spLocks noGrp="1"/>
           </p:cNvSpPr>
@@ -1412,7 +1231,6 @@
           <a:p>
             <a:fld id="{4D86248D-2A3D-944C-B434-7FED79A0C0DF}" type="datetimeFigureOut">
               <a:rPr lang="en-US" smtClean="0"/>
-              <a:t>4/16/2025</a:t>
             </a:fld>
             <a:endParaRPr lang="en-US"/>
           </a:p>
@@ -1420,13 +1238,7 @@
       </p:sp>
       <p:sp>
         <p:nvSpPr>
-          <p:cNvPr id="6" name="Footer Placeholder 5">
-            <a:extLst>
-              <a:ext uri="{FF2B5EF4-FFF2-40B4-BE49-F238E27FC236}">
-                <a16:creationId xmlns:a16="http://schemas.microsoft.com/office/drawing/2014/main" id="{F2970AC8-F679-DE8C-BE2F-412E9721CD23}"/>
-              </a:ext>
-            </a:extLst>
-          </p:cNvPr>
+          <p:cNvPr id="6" name="Footer Placeholder 5"/>
           <p:cNvSpPr>
             <a:spLocks noGrp="1"/>
           </p:cNvSpPr>
@@ -1445,13 +1257,7 @@
       </p:sp>
       <p:sp>
         <p:nvSpPr>
-          <p:cNvPr id="7" name="Slide Number Placeholder 6">
-            <a:extLst>
-              <a:ext uri="{FF2B5EF4-FFF2-40B4-BE49-F238E27FC236}">
-                <a16:creationId xmlns:a16="http://schemas.microsoft.com/office/drawing/2014/main" id="{2CAD0007-10C0-751E-1092-886C0AC25CDE}"/>
-              </a:ext>
-            </a:extLst>
-          </p:cNvPr>
+          <p:cNvPr id="7" name="Slide Number Placeholder 6"/>
           <p:cNvSpPr>
             <a:spLocks noGrp="1"/>
           </p:cNvSpPr>
@@ -1466,18 +1272,12 @@
           <a:p>
             <a:fld id="{901D9548-4F5F-7B4B-B6B8-60570EAB56E2}" type="slidenum">
               <a:rPr lang="en-US" smtClean="0"/>
-              <a:t>‹#›</a:t>
             </a:fld>
             <a:endParaRPr lang="en-US"/>
           </a:p>
         </p:txBody>
       </p:sp>
     </p:spTree>
-    <p:extLst>
-      <p:ext uri="{BB962C8B-B14F-4D97-AF65-F5344CB8AC3E}">
-        <p14:creationId xmlns:p14="http://schemas.microsoft.com/office/powerpoint/2010/main" val="1520976283"/>
-      </p:ext>
-    </p:extLst>
   </p:cSld>
   <p:clrMapOvr>
     <a:masterClrMapping/>
@@ -1504,13 +1304,7 @@
       </p:grpSpPr>
       <p:sp>
         <p:nvSpPr>
-          <p:cNvPr id="2" name="Title 1">
-            <a:extLst>
-              <a:ext uri="{FF2B5EF4-FFF2-40B4-BE49-F238E27FC236}">
-                <a16:creationId xmlns:a16="http://schemas.microsoft.com/office/drawing/2014/main" id="{7F6FDB81-236B-1D80-9BE4-1648A036C7A3}"/>
-              </a:ext>
-            </a:extLst>
-          </p:cNvPr>
+          <p:cNvPr id="2" name="Title 1"/>
           <p:cNvSpPr>
             <a:spLocks noGrp="1"/>
           </p:cNvSpPr>
@@ -1532,18 +1326,13 @@
               <a:rPr lang="en-US"/>
               <a:t>Click to edit Master title style</a:t>
             </a:r>
-          </a:p>
-        </p:txBody>
-      </p:sp>
-      <p:sp>
-        <p:nvSpPr>
-          <p:cNvPr id="3" name="Text Placeholder 2">
-            <a:extLst>
-              <a:ext uri="{FF2B5EF4-FFF2-40B4-BE49-F238E27FC236}">
-                <a16:creationId xmlns:a16="http://schemas.microsoft.com/office/drawing/2014/main" id="{33DD9D09-DB69-2B47-B65C-EA4651716B9D}"/>
-              </a:ext>
-            </a:extLst>
-          </p:cNvPr>
+            <a:endParaRPr lang="en-US"/>
+          </a:p>
+        </p:txBody>
+      </p:sp>
+      <p:sp>
+        <p:nvSpPr>
+          <p:cNvPr id="3" name="Text Placeholder 2"/>
           <p:cNvSpPr>
             <a:spLocks noGrp="1"/>
           </p:cNvSpPr>
@@ -1603,18 +1392,13 @@
               <a:rPr lang="en-US"/>
               <a:t>Click to edit Master text styles</a:t>
             </a:r>
-          </a:p>
-        </p:txBody>
-      </p:sp>
-      <p:sp>
-        <p:nvSpPr>
-          <p:cNvPr id="4" name="Content Placeholder 3">
-            <a:extLst>
-              <a:ext uri="{FF2B5EF4-FFF2-40B4-BE49-F238E27FC236}">
-                <a16:creationId xmlns:a16="http://schemas.microsoft.com/office/drawing/2014/main" id="{CCB06789-B88A-A232-7E99-E59B68E920BC}"/>
-              </a:ext>
-            </a:extLst>
-          </p:cNvPr>
+            <a:endParaRPr lang="en-US"/>
+          </a:p>
+        </p:txBody>
+      </p:sp>
+      <p:sp>
+        <p:nvSpPr>
+          <p:cNvPr id="4" name="Content Placeholder 3"/>
           <p:cNvSpPr>
             <a:spLocks noGrp="1"/>
           </p:cNvSpPr>
@@ -1637,6 +1421,7 @@
               <a:rPr lang="en-US"/>
               <a:t>Click to edit Master text styles</a:t>
             </a:r>
+            <a:endParaRPr lang="en-US"/>
           </a:p>
           <a:p>
             <a:pPr lvl="1"/>
@@ -1644,6 +1429,7 @@
               <a:rPr lang="en-US"/>
               <a:t>Second level</a:t>
             </a:r>
+            <a:endParaRPr lang="en-US"/>
           </a:p>
           <a:p>
             <a:pPr lvl="2"/>
@@ -1651,6 +1437,7 @@
               <a:rPr lang="en-US"/>
               <a:t>Third level</a:t>
             </a:r>
+            <a:endParaRPr lang="en-US"/>
           </a:p>
           <a:p>
             <a:pPr lvl="3"/>
@@ -1658,6 +1445,7 @@
               <a:rPr lang="en-US"/>
               <a:t>Fourth level</a:t>
             </a:r>
+            <a:endParaRPr lang="en-US"/>
           </a:p>
           <a:p>
             <a:pPr lvl="4"/>
@@ -1665,18 +1453,13 @@
               <a:rPr lang="en-US"/>
               <a:t>Fifth level</a:t>
             </a:r>
-          </a:p>
-        </p:txBody>
-      </p:sp>
-      <p:sp>
-        <p:nvSpPr>
-          <p:cNvPr id="5" name="Text Placeholder 4">
-            <a:extLst>
-              <a:ext uri="{FF2B5EF4-FFF2-40B4-BE49-F238E27FC236}">
-                <a16:creationId xmlns:a16="http://schemas.microsoft.com/office/drawing/2014/main" id="{076465E2-BB3D-78A3-2CCD-9D82CC4518FC}"/>
-              </a:ext>
-            </a:extLst>
-          </p:cNvPr>
+            <a:endParaRPr lang="en-US"/>
+          </a:p>
+        </p:txBody>
+      </p:sp>
+      <p:sp>
+        <p:nvSpPr>
+          <p:cNvPr id="5" name="Text Placeholder 4"/>
           <p:cNvSpPr>
             <a:spLocks noGrp="1"/>
           </p:cNvSpPr>
@@ -1736,18 +1519,13 @@
               <a:rPr lang="en-US"/>
               <a:t>Click to edit Master text styles</a:t>
             </a:r>
-          </a:p>
-        </p:txBody>
-      </p:sp>
-      <p:sp>
-        <p:nvSpPr>
-          <p:cNvPr id="6" name="Content Placeholder 5">
-            <a:extLst>
-              <a:ext uri="{FF2B5EF4-FFF2-40B4-BE49-F238E27FC236}">
-                <a16:creationId xmlns:a16="http://schemas.microsoft.com/office/drawing/2014/main" id="{D8FBC2CA-B16B-A552-51A5-B5BF7FE73D90}"/>
-              </a:ext>
-            </a:extLst>
-          </p:cNvPr>
+            <a:endParaRPr lang="en-US"/>
+          </a:p>
+        </p:txBody>
+      </p:sp>
+      <p:sp>
+        <p:nvSpPr>
+          <p:cNvPr id="6" name="Content Placeholder 5"/>
           <p:cNvSpPr>
             <a:spLocks noGrp="1"/>
           </p:cNvSpPr>
@@ -1770,6 +1548,7 @@
               <a:rPr lang="en-US"/>
               <a:t>Click to edit Master text styles</a:t>
             </a:r>
+            <a:endParaRPr lang="en-US"/>
           </a:p>
           <a:p>
             <a:pPr lvl="1"/>
@@ -1777,6 +1556,7 @@
               <a:rPr lang="en-US"/>
               <a:t>Second level</a:t>
             </a:r>
+            <a:endParaRPr lang="en-US"/>
           </a:p>
           <a:p>
             <a:pPr lvl="2"/>
@@ -1784,6 +1564,7 @@
               <a:rPr lang="en-US"/>
               <a:t>Third level</a:t>
             </a:r>
+            <a:endParaRPr lang="en-US"/>
           </a:p>
           <a:p>
             <a:pPr lvl="3"/>
@@ -1791,6 +1572,7 @@
               <a:rPr lang="en-US"/>
               <a:t>Fourth level</a:t>
             </a:r>
+            <a:endParaRPr lang="en-US"/>
           </a:p>
           <a:p>
             <a:pPr lvl="4"/>
@@ -1798,18 +1580,13 @@
               <a:rPr lang="en-US"/>
               <a:t>Fifth level</a:t>
             </a:r>
-          </a:p>
-        </p:txBody>
-      </p:sp>
-      <p:sp>
-        <p:nvSpPr>
-          <p:cNvPr id="7" name="Date Placeholder 6">
-            <a:extLst>
-              <a:ext uri="{FF2B5EF4-FFF2-40B4-BE49-F238E27FC236}">
-                <a16:creationId xmlns:a16="http://schemas.microsoft.com/office/drawing/2014/main" id="{AD0D6416-FDD5-1B9F-A6C1-190343AF1729}"/>
-              </a:ext>
-            </a:extLst>
-          </p:cNvPr>
+            <a:endParaRPr lang="en-US"/>
+          </a:p>
+        </p:txBody>
+      </p:sp>
+      <p:sp>
+        <p:nvSpPr>
+          <p:cNvPr id="7" name="Date Placeholder 6"/>
           <p:cNvSpPr>
             <a:spLocks noGrp="1"/>
           </p:cNvSpPr>
@@ -1824,7 +1601,6 @@
           <a:p>
             <a:fld id="{4D86248D-2A3D-944C-B434-7FED79A0C0DF}" type="datetimeFigureOut">
               <a:rPr lang="en-US" smtClean="0"/>
-              <a:t>4/16/2025</a:t>
             </a:fld>
             <a:endParaRPr lang="en-US"/>
           </a:p>
@@ -1832,13 +1608,7 @@
       </p:sp>
       <p:sp>
         <p:nvSpPr>
-          <p:cNvPr id="8" name="Footer Placeholder 7">
-            <a:extLst>
-              <a:ext uri="{FF2B5EF4-FFF2-40B4-BE49-F238E27FC236}">
-                <a16:creationId xmlns:a16="http://schemas.microsoft.com/office/drawing/2014/main" id="{2EF6FA7B-812C-AB65-6AB4-73EC490767F1}"/>
-              </a:ext>
-            </a:extLst>
-          </p:cNvPr>
+          <p:cNvPr id="8" name="Footer Placeholder 7"/>
           <p:cNvSpPr>
             <a:spLocks noGrp="1"/>
           </p:cNvSpPr>
@@ -1857,13 +1627,7 @@
       </p:sp>
       <p:sp>
         <p:nvSpPr>
-          <p:cNvPr id="9" name="Slide Number Placeholder 8">
-            <a:extLst>
-              <a:ext uri="{FF2B5EF4-FFF2-40B4-BE49-F238E27FC236}">
-                <a16:creationId xmlns:a16="http://schemas.microsoft.com/office/drawing/2014/main" id="{A1CFCBEC-5ABB-37FA-8DD3-08CEC6135258}"/>
-              </a:ext>
-            </a:extLst>
-          </p:cNvPr>
+          <p:cNvPr id="9" name="Slide Number Placeholder 8"/>
           <p:cNvSpPr>
             <a:spLocks noGrp="1"/>
           </p:cNvSpPr>
@@ -1878,18 +1642,12 @@
           <a:p>
             <a:fld id="{901D9548-4F5F-7B4B-B6B8-60570EAB56E2}" type="slidenum">
               <a:rPr lang="en-US" smtClean="0"/>
-              <a:t>‹#›</a:t>
             </a:fld>
             <a:endParaRPr lang="en-US"/>
           </a:p>
         </p:txBody>
       </p:sp>
     </p:spTree>
-    <p:extLst>
-      <p:ext uri="{BB962C8B-B14F-4D97-AF65-F5344CB8AC3E}">
-        <p14:creationId xmlns:p14="http://schemas.microsoft.com/office/powerpoint/2010/main" val="2896896490"/>
-      </p:ext>
-    </p:extLst>
   </p:cSld>
   <p:clrMapOvr>
     <a:masterClrMapping/>
@@ -1916,13 +1674,7 @@
       </p:grpSpPr>
       <p:sp>
         <p:nvSpPr>
-          <p:cNvPr id="2" name="Title 1">
-            <a:extLst>
-              <a:ext uri="{FF2B5EF4-FFF2-40B4-BE49-F238E27FC236}">
-                <a16:creationId xmlns:a16="http://schemas.microsoft.com/office/drawing/2014/main" id="{8B8B3B33-BC1E-5F0B-A281-3651E7385876}"/>
-              </a:ext>
-            </a:extLst>
-          </p:cNvPr>
+          <p:cNvPr id="2" name="Title 1"/>
           <p:cNvSpPr>
             <a:spLocks noGrp="1"/>
           </p:cNvSpPr>
@@ -1939,18 +1691,13 @@
               <a:rPr lang="en-US"/>
               <a:t>Click to edit Master title style</a:t>
             </a:r>
-          </a:p>
-        </p:txBody>
-      </p:sp>
-      <p:sp>
-        <p:nvSpPr>
-          <p:cNvPr id="3" name="Date Placeholder 2">
-            <a:extLst>
-              <a:ext uri="{FF2B5EF4-FFF2-40B4-BE49-F238E27FC236}">
-                <a16:creationId xmlns:a16="http://schemas.microsoft.com/office/drawing/2014/main" id="{8F68D5DE-3A63-33E8-D9C0-3FB9B36F8B5E}"/>
-              </a:ext>
-            </a:extLst>
-          </p:cNvPr>
+            <a:endParaRPr lang="en-US"/>
+          </a:p>
+        </p:txBody>
+      </p:sp>
+      <p:sp>
+        <p:nvSpPr>
+          <p:cNvPr id="3" name="Date Placeholder 2"/>
           <p:cNvSpPr>
             <a:spLocks noGrp="1"/>
           </p:cNvSpPr>
@@ -1965,7 +1712,6 @@
           <a:p>
             <a:fld id="{4D86248D-2A3D-944C-B434-7FED79A0C0DF}" type="datetimeFigureOut">
               <a:rPr lang="en-US" smtClean="0"/>
-              <a:t>4/16/2025</a:t>
             </a:fld>
             <a:endParaRPr lang="en-US"/>
           </a:p>
@@ -1973,13 +1719,7 @@
       </p:sp>
       <p:sp>
         <p:nvSpPr>
-          <p:cNvPr id="4" name="Footer Placeholder 3">
-            <a:extLst>
-              <a:ext uri="{FF2B5EF4-FFF2-40B4-BE49-F238E27FC236}">
-                <a16:creationId xmlns:a16="http://schemas.microsoft.com/office/drawing/2014/main" id="{63045E6E-2290-2A3D-9928-E359CBEBC819}"/>
-              </a:ext>
-            </a:extLst>
-          </p:cNvPr>
+          <p:cNvPr id="4" name="Footer Placeholder 3"/>
           <p:cNvSpPr>
             <a:spLocks noGrp="1"/>
           </p:cNvSpPr>
@@ -1998,13 +1738,7 @@
       </p:sp>
       <p:sp>
         <p:nvSpPr>
-          <p:cNvPr id="5" name="Slide Number Placeholder 4">
-            <a:extLst>
-              <a:ext uri="{FF2B5EF4-FFF2-40B4-BE49-F238E27FC236}">
-                <a16:creationId xmlns:a16="http://schemas.microsoft.com/office/drawing/2014/main" id="{3A8C056D-57FB-8141-EE25-FD3E57070F12}"/>
-              </a:ext>
-            </a:extLst>
-          </p:cNvPr>
+          <p:cNvPr id="5" name="Slide Number Placeholder 4"/>
           <p:cNvSpPr>
             <a:spLocks noGrp="1"/>
           </p:cNvSpPr>
@@ -2019,18 +1753,12 @@
           <a:p>
             <a:fld id="{901D9548-4F5F-7B4B-B6B8-60570EAB56E2}" type="slidenum">
               <a:rPr lang="en-US" smtClean="0"/>
-              <a:t>‹#›</a:t>
             </a:fld>
             <a:endParaRPr lang="en-US"/>
           </a:p>
         </p:txBody>
       </p:sp>
     </p:spTree>
-    <p:extLst>
-      <p:ext uri="{BB962C8B-B14F-4D97-AF65-F5344CB8AC3E}">
-        <p14:creationId xmlns:p14="http://schemas.microsoft.com/office/powerpoint/2010/main" val="757326981"/>
-      </p:ext>
-    </p:extLst>
   </p:cSld>
   <p:clrMapOvr>
     <a:masterClrMapping/>
@@ -2057,13 +1785,7 @@
       </p:grpSpPr>
       <p:sp>
         <p:nvSpPr>
-          <p:cNvPr id="2" name="Date Placeholder 1">
-            <a:extLst>
-              <a:ext uri="{FF2B5EF4-FFF2-40B4-BE49-F238E27FC236}">
-                <a16:creationId xmlns:a16="http://schemas.microsoft.com/office/drawing/2014/main" id="{3EB78E69-ED19-9367-05AF-5D31EDB8DEC8}"/>
-              </a:ext>
-            </a:extLst>
-          </p:cNvPr>
+          <p:cNvPr id="2" name="Date Placeholder 1"/>
           <p:cNvSpPr>
             <a:spLocks noGrp="1"/>
           </p:cNvSpPr>
@@ -2078,7 +1800,6 @@
           <a:p>
             <a:fld id="{4D86248D-2A3D-944C-B434-7FED79A0C0DF}" type="datetimeFigureOut">
               <a:rPr lang="en-US" smtClean="0"/>
-              <a:t>4/16/2025</a:t>
             </a:fld>
             <a:endParaRPr lang="en-US"/>
           </a:p>
@@ -2086,13 +1807,7 @@
       </p:sp>
       <p:sp>
         <p:nvSpPr>
-          <p:cNvPr id="3" name="Footer Placeholder 2">
-            <a:extLst>
-              <a:ext uri="{FF2B5EF4-FFF2-40B4-BE49-F238E27FC236}">
-                <a16:creationId xmlns:a16="http://schemas.microsoft.com/office/drawing/2014/main" id="{251B8EBE-0C89-38D7-9A9C-C562ABB7B893}"/>
-              </a:ext>
-            </a:extLst>
-          </p:cNvPr>
+          <p:cNvPr id="3" name="Footer Placeholder 2"/>
           <p:cNvSpPr>
             <a:spLocks noGrp="1"/>
           </p:cNvSpPr>
@@ -2111,13 +1826,7 @@
       </p:sp>
       <p:sp>
         <p:nvSpPr>
-          <p:cNvPr id="4" name="Slide Number Placeholder 3">
-            <a:extLst>
-              <a:ext uri="{FF2B5EF4-FFF2-40B4-BE49-F238E27FC236}">
-                <a16:creationId xmlns:a16="http://schemas.microsoft.com/office/drawing/2014/main" id="{A22C98AD-1483-207D-8CB2-4F792B308C35}"/>
-              </a:ext>
-            </a:extLst>
-          </p:cNvPr>
+          <p:cNvPr id="4" name="Slide Number Placeholder 3"/>
           <p:cNvSpPr>
             <a:spLocks noGrp="1"/>
           </p:cNvSpPr>
@@ -2132,18 +1841,12 @@
           <a:p>
             <a:fld id="{901D9548-4F5F-7B4B-B6B8-60570EAB56E2}" type="slidenum">
               <a:rPr lang="en-US" smtClean="0"/>
-              <a:t>‹#›</a:t>
             </a:fld>
             <a:endParaRPr lang="en-US"/>
           </a:p>
         </p:txBody>
       </p:sp>
     </p:spTree>
-    <p:extLst>
-      <p:ext uri="{BB962C8B-B14F-4D97-AF65-F5344CB8AC3E}">
-        <p14:creationId xmlns:p14="http://schemas.microsoft.com/office/powerpoint/2010/main" val="110104213"/>
-      </p:ext>
-    </p:extLst>
   </p:cSld>
   <p:clrMapOvr>
     <a:masterClrMapping/>
@@ -2170,13 +1873,7 @@
       </p:grpSpPr>
       <p:sp>
         <p:nvSpPr>
-          <p:cNvPr id="2" name="Title 1">
-            <a:extLst>
-              <a:ext uri="{FF2B5EF4-FFF2-40B4-BE49-F238E27FC236}">
-                <a16:creationId xmlns:a16="http://schemas.microsoft.com/office/drawing/2014/main" id="{25056B12-6821-A002-4D90-825F15C26082}"/>
-              </a:ext>
-            </a:extLst>
-          </p:cNvPr>
+          <p:cNvPr id="2" name="Title 1"/>
           <p:cNvSpPr>
             <a:spLocks noGrp="1"/>
           </p:cNvSpPr>
@@ -2202,18 +1899,13 @@
               <a:rPr lang="en-US"/>
               <a:t>Click to edit Master title style</a:t>
             </a:r>
-          </a:p>
-        </p:txBody>
-      </p:sp>
-      <p:sp>
-        <p:nvSpPr>
-          <p:cNvPr id="3" name="Content Placeholder 2">
-            <a:extLst>
-              <a:ext uri="{FF2B5EF4-FFF2-40B4-BE49-F238E27FC236}">
-                <a16:creationId xmlns:a16="http://schemas.microsoft.com/office/drawing/2014/main" id="{E5CBA9EA-97CB-D677-1031-334CBEE55E0D}"/>
-              </a:ext>
-            </a:extLst>
-          </p:cNvPr>
+            <a:endParaRPr lang="en-US"/>
+          </a:p>
+        </p:txBody>
+      </p:sp>
+      <p:sp>
+        <p:nvSpPr>
+          <p:cNvPr id="3" name="Content Placeholder 2"/>
           <p:cNvSpPr>
             <a:spLocks noGrp="1"/>
           </p:cNvSpPr>
@@ -2264,6 +1956,7 @@
               <a:rPr lang="en-US"/>
               <a:t>Click to edit Master text styles</a:t>
             </a:r>
+            <a:endParaRPr lang="en-US"/>
           </a:p>
           <a:p>
             <a:pPr lvl="1"/>
@@ -2271,6 +1964,7 @@
               <a:rPr lang="en-US"/>
               <a:t>Second level</a:t>
             </a:r>
+            <a:endParaRPr lang="en-US"/>
           </a:p>
           <a:p>
             <a:pPr lvl="2"/>
@@ -2278,6 +1972,7 @@
               <a:rPr lang="en-US"/>
               <a:t>Third level</a:t>
             </a:r>
+            <a:endParaRPr lang="en-US"/>
           </a:p>
           <a:p>
             <a:pPr lvl="3"/>
@@ -2285,6 +1980,7 @@
               <a:rPr lang="en-US"/>
               <a:t>Fourth level</a:t>
             </a:r>
+            <a:endParaRPr lang="en-US"/>
           </a:p>
           <a:p>
             <a:pPr lvl="4"/>
@@ -2292,18 +1988,13 @@
               <a:rPr lang="en-US"/>
               <a:t>Fifth level</a:t>
             </a:r>
-          </a:p>
-        </p:txBody>
-      </p:sp>
-      <p:sp>
-        <p:nvSpPr>
-          <p:cNvPr id="4" name="Text Placeholder 3">
-            <a:extLst>
-              <a:ext uri="{FF2B5EF4-FFF2-40B4-BE49-F238E27FC236}">
-                <a16:creationId xmlns:a16="http://schemas.microsoft.com/office/drawing/2014/main" id="{C75C4A50-7D9C-2901-9491-7DD11DA58F04}"/>
-              </a:ext>
-            </a:extLst>
-          </p:cNvPr>
+            <a:endParaRPr lang="en-US"/>
+          </a:p>
+        </p:txBody>
+      </p:sp>
+      <p:sp>
+        <p:nvSpPr>
+          <p:cNvPr id="4" name="Text Placeholder 3"/>
           <p:cNvSpPr>
             <a:spLocks noGrp="1"/>
           </p:cNvSpPr>
@@ -2363,18 +2054,13 @@
               <a:rPr lang="en-US"/>
               <a:t>Click to edit Master text styles</a:t>
             </a:r>
-          </a:p>
-        </p:txBody>
-      </p:sp>
-      <p:sp>
-        <p:nvSpPr>
-          <p:cNvPr id="5" name="Date Placeholder 4">
-            <a:extLst>
-              <a:ext uri="{FF2B5EF4-FFF2-40B4-BE49-F238E27FC236}">
-                <a16:creationId xmlns:a16="http://schemas.microsoft.com/office/drawing/2014/main" id="{904D22B1-F969-FB7B-F990-CBDBD412804F}"/>
-              </a:ext>
-            </a:extLst>
-          </p:cNvPr>
+            <a:endParaRPr lang="en-US"/>
+          </a:p>
+        </p:txBody>
+      </p:sp>
+      <p:sp>
+        <p:nvSpPr>
+          <p:cNvPr id="5" name="Date Placeholder 4"/>
           <p:cNvSpPr>
             <a:spLocks noGrp="1"/>
           </p:cNvSpPr>
@@ -2389,7 +2075,6 @@
           <a:p>
             <a:fld id="{4D86248D-2A3D-944C-B434-7FED79A0C0DF}" type="datetimeFigureOut">
               <a:rPr lang="en-US" smtClean="0"/>
-              <a:t>4/16/2025</a:t>
             </a:fld>
             <a:endParaRPr lang="en-US"/>
           </a:p>
@@ -2397,13 +2082,7 @@
       </p:sp>
       <p:sp>
         <p:nvSpPr>
-          <p:cNvPr id="6" name="Footer Placeholder 5">
-            <a:extLst>
-              <a:ext uri="{FF2B5EF4-FFF2-40B4-BE49-F238E27FC236}">
-                <a16:creationId xmlns:a16="http://schemas.microsoft.com/office/drawing/2014/main" id="{3DA296BD-2D94-1B63-8F9F-CB512B5F4E88}"/>
-              </a:ext>
-            </a:extLst>
-          </p:cNvPr>
+          <p:cNvPr id="6" name="Footer Placeholder 5"/>
           <p:cNvSpPr>
             <a:spLocks noGrp="1"/>
           </p:cNvSpPr>
@@ -2422,13 +2101,7 @@
       </p:sp>
       <p:sp>
         <p:nvSpPr>
-          <p:cNvPr id="7" name="Slide Number Placeholder 6">
-            <a:extLst>
-              <a:ext uri="{FF2B5EF4-FFF2-40B4-BE49-F238E27FC236}">
-                <a16:creationId xmlns:a16="http://schemas.microsoft.com/office/drawing/2014/main" id="{DC846148-7FA8-C934-F638-0F3CF6FB57FD}"/>
-              </a:ext>
-            </a:extLst>
-          </p:cNvPr>
+          <p:cNvPr id="7" name="Slide Number Placeholder 6"/>
           <p:cNvSpPr>
             <a:spLocks noGrp="1"/>
           </p:cNvSpPr>
@@ -2443,18 +2116,12 @@
           <a:p>
             <a:fld id="{901D9548-4F5F-7B4B-B6B8-60570EAB56E2}" type="slidenum">
               <a:rPr lang="en-US" smtClean="0"/>
-              <a:t>‹#›</a:t>
             </a:fld>
             <a:endParaRPr lang="en-US"/>
           </a:p>
         </p:txBody>
       </p:sp>
     </p:spTree>
-    <p:extLst>
-      <p:ext uri="{BB962C8B-B14F-4D97-AF65-F5344CB8AC3E}">
-        <p14:creationId xmlns:p14="http://schemas.microsoft.com/office/powerpoint/2010/main" val="793671818"/>
-      </p:ext>
-    </p:extLst>
   </p:cSld>
   <p:clrMapOvr>
     <a:masterClrMapping/>
@@ -2481,13 +2148,7 @@
       </p:grpSpPr>
       <p:sp>
         <p:nvSpPr>
-          <p:cNvPr id="2" name="Title 1">
-            <a:extLst>
-              <a:ext uri="{FF2B5EF4-FFF2-40B4-BE49-F238E27FC236}">
-                <a16:creationId xmlns:a16="http://schemas.microsoft.com/office/drawing/2014/main" id="{61F58549-79BE-B260-5D1C-7457DB27A229}"/>
-              </a:ext>
-            </a:extLst>
-          </p:cNvPr>
+          <p:cNvPr id="2" name="Title 1"/>
           <p:cNvSpPr>
             <a:spLocks noGrp="1"/>
           </p:cNvSpPr>
@@ -2513,18 +2174,13 @@
               <a:rPr lang="en-US"/>
               <a:t>Click to edit Master title style</a:t>
             </a:r>
-          </a:p>
-        </p:txBody>
-      </p:sp>
-      <p:sp>
-        <p:nvSpPr>
-          <p:cNvPr id="3" name="Picture Placeholder 2">
-            <a:extLst>
-              <a:ext uri="{FF2B5EF4-FFF2-40B4-BE49-F238E27FC236}">
-                <a16:creationId xmlns:a16="http://schemas.microsoft.com/office/drawing/2014/main" id="{51A3BEF1-F448-ABA6-61CE-740FE81E80BA}"/>
-              </a:ext>
-            </a:extLst>
-          </p:cNvPr>
+            <a:endParaRPr lang="en-US"/>
+          </a:p>
+        </p:txBody>
+      </p:sp>
+      <p:sp>
+        <p:nvSpPr>
+          <p:cNvPr id="3" name="Picture Placeholder 2"/>
           <p:cNvSpPr>
             <a:spLocks noGrp="1"/>
           </p:cNvSpPr>
@@ -2585,13 +2241,7 @@
       </p:sp>
       <p:sp>
         <p:nvSpPr>
-          <p:cNvPr id="4" name="Text Placeholder 3">
-            <a:extLst>
-              <a:ext uri="{FF2B5EF4-FFF2-40B4-BE49-F238E27FC236}">
-                <a16:creationId xmlns:a16="http://schemas.microsoft.com/office/drawing/2014/main" id="{3DC37176-5A9B-6B1C-9A9B-820C86E4976A}"/>
-              </a:ext>
-            </a:extLst>
-          </p:cNvPr>
+          <p:cNvPr id="4" name="Text Placeholder 3"/>
           <p:cNvSpPr>
             <a:spLocks noGrp="1"/>
           </p:cNvSpPr>
@@ -2651,18 +2301,13 @@
               <a:rPr lang="en-US"/>
               <a:t>Click to edit Master text styles</a:t>
             </a:r>
-          </a:p>
-        </p:txBody>
-      </p:sp>
-      <p:sp>
-        <p:nvSpPr>
-          <p:cNvPr id="5" name="Date Placeholder 4">
-            <a:extLst>
-              <a:ext uri="{FF2B5EF4-FFF2-40B4-BE49-F238E27FC236}">
-                <a16:creationId xmlns:a16="http://schemas.microsoft.com/office/drawing/2014/main" id="{04568CE0-E0C1-DC40-A3D6-5E2DF169A6C3}"/>
-              </a:ext>
-            </a:extLst>
-          </p:cNvPr>
+            <a:endParaRPr lang="en-US"/>
+          </a:p>
+        </p:txBody>
+      </p:sp>
+      <p:sp>
+        <p:nvSpPr>
+          <p:cNvPr id="5" name="Date Placeholder 4"/>
           <p:cNvSpPr>
             <a:spLocks noGrp="1"/>
           </p:cNvSpPr>
@@ -2677,7 +2322,6 @@
           <a:p>
             <a:fld id="{4D86248D-2A3D-944C-B434-7FED79A0C0DF}" type="datetimeFigureOut">
               <a:rPr lang="en-US" smtClean="0"/>
-              <a:t>4/16/2025</a:t>
             </a:fld>
             <a:endParaRPr lang="en-US"/>
           </a:p>
@@ -2685,13 +2329,7 @@
       </p:sp>
       <p:sp>
         <p:nvSpPr>
-          <p:cNvPr id="6" name="Footer Placeholder 5">
-            <a:extLst>
-              <a:ext uri="{FF2B5EF4-FFF2-40B4-BE49-F238E27FC236}">
-                <a16:creationId xmlns:a16="http://schemas.microsoft.com/office/drawing/2014/main" id="{20B79AEE-794D-444E-F428-6B25A1C293FE}"/>
-              </a:ext>
-            </a:extLst>
-          </p:cNvPr>
+          <p:cNvPr id="6" name="Footer Placeholder 5"/>
           <p:cNvSpPr>
             <a:spLocks noGrp="1"/>
           </p:cNvSpPr>
@@ -2710,13 +2348,7 @@
       </p:sp>
       <p:sp>
         <p:nvSpPr>
-          <p:cNvPr id="7" name="Slide Number Placeholder 6">
-            <a:extLst>
-              <a:ext uri="{FF2B5EF4-FFF2-40B4-BE49-F238E27FC236}">
-                <a16:creationId xmlns:a16="http://schemas.microsoft.com/office/drawing/2014/main" id="{F0D69863-A90D-5B9A-BDBB-4D9778B85E9C}"/>
-              </a:ext>
-            </a:extLst>
-          </p:cNvPr>
+          <p:cNvPr id="7" name="Slide Number Placeholder 6"/>
           <p:cNvSpPr>
             <a:spLocks noGrp="1"/>
           </p:cNvSpPr>
@@ -2731,18 +2363,12 @@
           <a:p>
             <a:fld id="{901D9548-4F5F-7B4B-B6B8-60570EAB56E2}" type="slidenum">
               <a:rPr lang="en-US" smtClean="0"/>
-              <a:t>‹#›</a:t>
             </a:fld>
             <a:endParaRPr lang="en-US"/>
           </a:p>
         </p:txBody>
       </p:sp>
     </p:spTree>
-    <p:extLst>
-      <p:ext uri="{BB962C8B-B14F-4D97-AF65-F5344CB8AC3E}">
-        <p14:creationId xmlns:p14="http://schemas.microsoft.com/office/powerpoint/2010/main" val="2673590517"/>
-      </p:ext>
-    </p:extLst>
   </p:cSld>
   <p:clrMapOvr>
     <a:masterClrMapping/>
@@ -2774,13 +2400,7 @@
       </p:grpSpPr>
       <p:sp>
         <p:nvSpPr>
-          <p:cNvPr id="2" name="Title Placeholder 1">
-            <a:extLst>
-              <a:ext uri="{FF2B5EF4-FFF2-40B4-BE49-F238E27FC236}">
-                <a16:creationId xmlns:a16="http://schemas.microsoft.com/office/drawing/2014/main" id="{21A22173-F26B-F021-591E-C4230B244299}"/>
-              </a:ext>
-            </a:extLst>
-          </p:cNvPr>
+          <p:cNvPr id="2" name="Title Placeholder 1"/>
           <p:cNvSpPr>
             <a:spLocks noGrp="1"/>
           </p:cNvSpPr>
@@ -2807,18 +2427,13 @@
               <a:rPr lang="en-US"/>
               <a:t>Click to edit Master title style</a:t>
             </a:r>
-          </a:p>
-        </p:txBody>
-      </p:sp>
-      <p:sp>
-        <p:nvSpPr>
-          <p:cNvPr id="3" name="Text Placeholder 2">
-            <a:extLst>
-              <a:ext uri="{FF2B5EF4-FFF2-40B4-BE49-F238E27FC236}">
-                <a16:creationId xmlns:a16="http://schemas.microsoft.com/office/drawing/2014/main" id="{D0A1E566-6427-D56D-7202-3110F106B013}"/>
-              </a:ext>
-            </a:extLst>
-          </p:cNvPr>
+            <a:endParaRPr lang="en-US"/>
+          </a:p>
+        </p:txBody>
+      </p:sp>
+      <p:sp>
+        <p:nvSpPr>
+          <p:cNvPr id="3" name="Text Placeholder 2"/>
           <p:cNvSpPr>
             <a:spLocks noGrp="1"/>
           </p:cNvSpPr>
@@ -2846,6 +2461,7 @@
               <a:rPr lang="en-US"/>
               <a:t>Click to edit Master text styles</a:t>
             </a:r>
+            <a:endParaRPr lang="en-US"/>
           </a:p>
           <a:p>
             <a:pPr lvl="1"/>
@@ -2853,6 +2469,7 @@
               <a:rPr lang="en-US"/>
               <a:t>Second level</a:t>
             </a:r>
+            <a:endParaRPr lang="en-US"/>
           </a:p>
           <a:p>
             <a:pPr lvl="2"/>
@@ -2860,6 +2477,7 @@
               <a:rPr lang="en-US"/>
               <a:t>Third level</a:t>
             </a:r>
+            <a:endParaRPr lang="en-US"/>
           </a:p>
           <a:p>
             <a:pPr lvl="3"/>
@@ -2867,6 +2485,7 @@
               <a:rPr lang="en-US"/>
               <a:t>Fourth level</a:t>
             </a:r>
+            <a:endParaRPr lang="en-US"/>
           </a:p>
           <a:p>
             <a:pPr lvl="4"/>
@@ -2874,18 +2493,13 @@
               <a:rPr lang="en-US"/>
               <a:t>Fifth level</a:t>
             </a:r>
-          </a:p>
-        </p:txBody>
-      </p:sp>
-      <p:sp>
-        <p:nvSpPr>
-          <p:cNvPr id="4" name="Date Placeholder 3">
-            <a:extLst>
-              <a:ext uri="{FF2B5EF4-FFF2-40B4-BE49-F238E27FC236}">
-                <a16:creationId xmlns:a16="http://schemas.microsoft.com/office/drawing/2014/main" id="{0A9BC13C-A69B-F6CE-E5CC-60648AE2A31A}"/>
-              </a:ext>
-            </a:extLst>
-          </p:cNvPr>
+            <a:endParaRPr lang="en-US"/>
+          </a:p>
+        </p:txBody>
+      </p:sp>
+      <p:sp>
+        <p:nvSpPr>
+          <p:cNvPr id="4" name="Date Placeholder 3"/>
           <p:cNvSpPr>
             <a:spLocks noGrp="1"/>
           </p:cNvSpPr>
@@ -2918,7 +2532,6 @@
           <a:p>
             <a:fld id="{4D86248D-2A3D-944C-B434-7FED79A0C0DF}" type="datetimeFigureOut">
               <a:rPr lang="en-US" smtClean="0"/>
-              <a:t>4/16/2025</a:t>
             </a:fld>
             <a:endParaRPr lang="en-US"/>
           </a:p>
@@ -2926,13 +2539,7 @@
       </p:sp>
       <p:sp>
         <p:nvSpPr>
-          <p:cNvPr id="5" name="Footer Placeholder 4">
-            <a:extLst>
-              <a:ext uri="{FF2B5EF4-FFF2-40B4-BE49-F238E27FC236}">
-                <a16:creationId xmlns:a16="http://schemas.microsoft.com/office/drawing/2014/main" id="{BF40BBE4-E28A-5C0E-DC33-2CA5A616EE9D}"/>
-              </a:ext>
-            </a:extLst>
-          </p:cNvPr>
+          <p:cNvPr id="5" name="Footer Placeholder 4"/>
           <p:cNvSpPr>
             <a:spLocks noGrp="1"/>
           </p:cNvSpPr>
@@ -2969,13 +2576,7 @@
       </p:sp>
       <p:sp>
         <p:nvSpPr>
-          <p:cNvPr id="6" name="Slide Number Placeholder 5">
-            <a:extLst>
-              <a:ext uri="{FF2B5EF4-FFF2-40B4-BE49-F238E27FC236}">
-                <a16:creationId xmlns:a16="http://schemas.microsoft.com/office/drawing/2014/main" id="{7E91207B-6362-B849-F9B0-0A35D4E2D94D}"/>
-              </a:ext>
-            </a:extLst>
-          </p:cNvPr>
+          <p:cNvPr id="6" name="Slide Number Placeholder 5"/>
           <p:cNvSpPr>
             <a:spLocks noGrp="1"/>
           </p:cNvSpPr>
@@ -3008,18 +2609,12 @@
           <a:p>
             <a:fld id="{901D9548-4F5F-7B4B-B6B8-60570EAB56E2}" type="slidenum">
               <a:rPr lang="en-US" smtClean="0"/>
-              <a:t>‹#›</a:t>
             </a:fld>
             <a:endParaRPr lang="en-US"/>
           </a:p>
         </p:txBody>
       </p:sp>
     </p:spTree>
-    <p:extLst>
-      <p:ext uri="{BB962C8B-B14F-4D97-AF65-F5344CB8AC3E}">
-        <p14:creationId xmlns:p14="http://schemas.microsoft.com/office/powerpoint/2010/main" val="2882617379"/>
-      </p:ext>
-    </p:extLst>
   </p:cSld>
   <p:clrMap bg1="lt1" tx1="dk1" bg2="lt2" tx2="dk2" accent1="accent1" accent2="accent2" accent3="accent3" accent4="accent4" accent5="accent5" accent6="accent6" hlink="hlink" folHlink="folHlink"/>
   <p:sldLayoutIdLst>
@@ -3345,26 +2940,11 @@
       </p:grpSpPr>
       <p:sp useBgFill="1">
         <p:nvSpPr>
-          <p:cNvPr id="1035" name="Rectangle 1034">
-            <a:extLst>
-              <a:ext uri="{FF2B5EF4-FFF2-40B4-BE49-F238E27FC236}">
-                <a16:creationId xmlns:a16="http://schemas.microsoft.com/office/drawing/2014/main" id="{51E97C3D-86C0-41DC-9F8A-476CC05E5D78}"/>
-              </a:ext>
-              <a:ext uri="{C183D7F6-B498-43B3-948B-1728B52AA6E4}">
-                <adec:decorative xmlns:adec="http://schemas.microsoft.com/office/drawing/2017/decorative" val="1"/>
-              </a:ext>
-            </a:extLst>
-          </p:cNvPr>
+          <p:cNvPr id="1035" name="Rectangle 1034"/>
           <p:cNvSpPr>
             <a:spLocks noGrp="1" noRot="1" noChangeAspect="1" noMove="1" noResize="1" noEditPoints="1" noAdjustHandles="1" noChangeArrowheads="1" noChangeShapeType="1" noTextEdit="1"/>
           </p:cNvSpPr>
-          <p:nvPr>
-            <p:extLst>
-              <p:ext uri="{386F3935-93C4-4BCD-93E2-E3B085C9AB24}">
-                <p16:designElem xmlns:p16="http://schemas.microsoft.com/office/powerpoint/2015/main" val="1"/>
-              </p:ext>
-            </p:extLst>
-          </p:nvPr>
+          <p:nvPr/>
         </p:nvSpPr>
         <p:spPr>
           <a:xfrm>
@@ -3405,26 +2985,11 @@
       </p:sp>
       <p:sp>
         <p:nvSpPr>
-          <p:cNvPr id="1037" name="Freeform: Shape 1036">
-            <a:extLst>
-              <a:ext uri="{FF2B5EF4-FFF2-40B4-BE49-F238E27FC236}">
-                <a16:creationId xmlns:a16="http://schemas.microsoft.com/office/drawing/2014/main" id="{309C9282-EF05-4BDC-AEC6-69DA837C6BAD}"/>
-              </a:ext>
-              <a:ext uri="{C183D7F6-B498-43B3-948B-1728B52AA6E4}">
-                <adec:decorative xmlns:adec="http://schemas.microsoft.com/office/drawing/2017/decorative" val="1"/>
-              </a:ext>
-            </a:extLst>
-          </p:cNvPr>
+          <p:cNvPr id="1037" name="Freeform: Shape 1036"/>
           <p:cNvSpPr>
             <a:spLocks noGrp="1" noRot="1" noChangeAspect="1" noMove="1" noResize="1" noEditPoints="1" noAdjustHandles="1" noChangeArrowheads="1" noChangeShapeType="1" noTextEdit="1"/>
           </p:cNvSpPr>
-          <p:nvPr>
-            <p:extLst>
-              <p:ext uri="{386F3935-93C4-4BCD-93E2-E3B085C9AB24}">
-                <p16:designElem xmlns:p16="http://schemas.microsoft.com/office/powerpoint/2015/main" val="1"/>
-              </p:ext>
-            </p:extLst>
-          </p:nvPr>
+          <p:nvPr/>
         </p:nvSpPr>
         <p:spPr>
           <a:xfrm flipH="1">
@@ -3859,13 +3424,7 @@
       </p:sp>
       <p:sp>
         <p:nvSpPr>
-          <p:cNvPr id="2" name="Title 1">
-            <a:extLst>
-              <a:ext uri="{FF2B5EF4-FFF2-40B4-BE49-F238E27FC236}">
-                <a16:creationId xmlns:a16="http://schemas.microsoft.com/office/drawing/2014/main" id="{C3971590-A8D8-FFFD-3886-AA154AF881F2}"/>
-              </a:ext>
-            </a:extLst>
-          </p:cNvPr>
+          <p:cNvPr id="2" name="Title 1"/>
           <p:cNvSpPr>
             <a:spLocks noGrp="1"/>
           </p:cNvSpPr>
@@ -3901,13 +3460,7 @@
       </p:sp>
       <p:sp>
         <p:nvSpPr>
-          <p:cNvPr id="3" name="Subtitle 2">
-            <a:extLst>
-              <a:ext uri="{FF2B5EF4-FFF2-40B4-BE49-F238E27FC236}">
-                <a16:creationId xmlns:a16="http://schemas.microsoft.com/office/drawing/2014/main" id="{061DC88D-3EA4-1898-B9C4-6574CCAB7FF4}"/>
-              </a:ext>
-            </a:extLst>
-          </p:cNvPr>
+          <p:cNvPr id="3" name="Subtitle 2"/>
           <p:cNvSpPr>
             <a:spLocks noGrp="1"/>
           </p:cNvSpPr>
@@ -3997,20 +3550,14 @@
       </p:sp>
       <p:pic>
         <p:nvPicPr>
-          <p:cNvPr id="1028" name="Picture 4" descr="University Wordmarks - Brand Center">
-            <a:extLst>
-              <a:ext uri="{FF2B5EF4-FFF2-40B4-BE49-F238E27FC236}">
-                <a16:creationId xmlns:a16="http://schemas.microsoft.com/office/drawing/2014/main" id="{6EB2F98B-C297-596D-4C94-4B902E044F26}"/>
-              </a:ext>
-            </a:extLst>
-          </p:cNvPr>
+          <p:cNvPr id="1028" name="Picture 4" descr="University Wordmarks - Brand Center"/>
           <p:cNvPicPr>
             <a:picLocks noChangeAspect="1" noChangeArrowheads="1"/>
           </p:cNvPicPr>
           <p:nvPr/>
         </p:nvPicPr>
         <p:blipFill>
-          <a:blip r:embed="rId2">
+          <a:blip r:embed="rId1">
             <a:extLst>
               <a:ext uri="{28A0092B-C50C-407E-A947-70E740481C1C}">
                 <a14:useLocalDpi xmlns:a14="http://schemas.microsoft.com/office/drawing/2010/main" val="0"/>
@@ -4043,20 +3590,14 @@
       </p:pic>
       <p:pic>
         <p:nvPicPr>
-          <p:cNvPr id="1030" name="Picture 6">
-            <a:extLst>
-              <a:ext uri="{FF2B5EF4-FFF2-40B4-BE49-F238E27FC236}">
-                <a16:creationId xmlns:a16="http://schemas.microsoft.com/office/drawing/2014/main" id="{952BEBF0-701D-5794-7DBD-7B17A7822677}"/>
-              </a:ext>
-            </a:extLst>
-          </p:cNvPr>
+          <p:cNvPr id="1030" name="Picture 6"/>
           <p:cNvPicPr>
             <a:picLocks noChangeAspect="1" noChangeArrowheads="1"/>
           </p:cNvPicPr>
           <p:nvPr/>
         </p:nvPicPr>
         <p:blipFill>
-          <a:blip r:embed="rId3">
+          <a:blip r:embed="rId2">
             <a:extLst>
               <a:ext uri="{28A0092B-C50C-407E-A947-70E740481C1C}">
                 <a14:useLocalDpi xmlns:a14="http://schemas.microsoft.com/office/drawing/2010/main" val="0"/>
@@ -4088,11 +3629,6 @@
         </p:spPr>
       </p:pic>
     </p:spTree>
-    <p:extLst>
-      <p:ext uri="{BB962C8B-B14F-4D97-AF65-F5344CB8AC3E}">
-        <p14:creationId xmlns:p14="http://schemas.microsoft.com/office/powerpoint/2010/main" val="3151474407"/>
-      </p:ext>
-    </p:extLst>
   </p:cSld>
   <p:clrMapOvr>
     <a:masterClrMapping/>
@@ -4119,13 +3655,7 @@
       </p:grpSpPr>
       <p:sp>
         <p:nvSpPr>
-          <p:cNvPr id="2" name="Title 1">
-            <a:extLst>
-              <a:ext uri="{FF2B5EF4-FFF2-40B4-BE49-F238E27FC236}">
-                <a16:creationId xmlns:a16="http://schemas.microsoft.com/office/drawing/2014/main" id="{9A829ED4-4BCC-4E0F-98FF-829AB53EDC97}"/>
-              </a:ext>
-            </a:extLst>
-          </p:cNvPr>
+          <p:cNvPr id="2" name="Title 1"/>
           <p:cNvSpPr>
             <a:spLocks noGrp="1"/>
           </p:cNvSpPr>
@@ -4153,13 +3683,7 @@
       </p:sp>
       <p:sp>
         <p:nvSpPr>
-          <p:cNvPr id="3" name="Content Placeholder 2">
-            <a:extLst>
-              <a:ext uri="{FF2B5EF4-FFF2-40B4-BE49-F238E27FC236}">
-                <a16:creationId xmlns:a16="http://schemas.microsoft.com/office/drawing/2014/main" id="{4EBD01ED-908C-9FEA-73C4-9ABA0D5E4E7F}"/>
-              </a:ext>
-            </a:extLst>
-          </p:cNvPr>
+          <p:cNvPr id="3" name="Content Placeholder 2"/>
           <p:cNvSpPr>
             <a:spLocks noGrp="1"/>
           </p:cNvSpPr>
@@ -4300,11 +3824,6 @@
         </p:txBody>
       </p:sp>
     </p:spTree>
-    <p:extLst>
-      <p:ext uri="{BB962C8B-B14F-4D97-AF65-F5344CB8AC3E}">
-        <p14:creationId xmlns:p14="http://schemas.microsoft.com/office/powerpoint/2010/main" val="3833774784"/>
-      </p:ext>
-    </p:extLst>
   </p:cSld>
   <p:clrMapOvr>
     <a:masterClrMapping/>
@@ -4331,13 +3850,7 @@
       </p:grpSpPr>
       <p:sp>
         <p:nvSpPr>
-          <p:cNvPr id="2" name="Title 1">
-            <a:extLst>
-              <a:ext uri="{FF2B5EF4-FFF2-40B4-BE49-F238E27FC236}">
-                <a16:creationId xmlns:a16="http://schemas.microsoft.com/office/drawing/2014/main" id="{4366678B-D313-FAF9-01AB-EAE76039E024}"/>
-              </a:ext>
-            </a:extLst>
-          </p:cNvPr>
+          <p:cNvPr id="2" name="Title 1"/>
           <p:cNvSpPr>
             <a:spLocks noGrp="1"/>
           </p:cNvSpPr>
@@ -4365,13 +3878,7 @@
       </p:sp>
       <p:sp>
         <p:nvSpPr>
-          <p:cNvPr id="3" name="Content Placeholder 2">
-            <a:extLst>
-              <a:ext uri="{FF2B5EF4-FFF2-40B4-BE49-F238E27FC236}">
-                <a16:creationId xmlns:a16="http://schemas.microsoft.com/office/drawing/2014/main" id="{750DD170-E728-4FF3-FF91-223C2B04F48C}"/>
-              </a:ext>
-            </a:extLst>
-          </p:cNvPr>
+          <p:cNvPr id="3" name="Content Placeholder 2"/>
           <p:cNvSpPr>
             <a:spLocks noGrp="1"/>
           </p:cNvSpPr>
@@ -4381,10 +3888,12 @@
         </p:nvSpPr>
         <p:spPr/>
         <p:txBody>
-          <a:bodyPr/>
-          <a:lstStyle/>
-          <a:p>
-            <a:pPr marL="0" marR="0" lvl="0" indent="0">
+          <a:bodyPr>
+            <a:normAutofit lnSpcReduction="20000"/>
+          </a:bodyPr>
+          <a:lstStyle/>
+          <a:p>
+            <a:pPr marL="0" indent="0">
               <a:lnSpc>
                 <a:spcPct val="115000"/>
               </a:lnSpc>
@@ -4398,14 +3907,20 @@
               </a:tabLst>
             </a:pPr>
             <a:r>
-              <a:rPr lang="en-US" sz="1800" kern="0" dirty="0">
-                <a:effectLst/>
-                <a:latin typeface="Times New Roman" panose="02020603050405020304" pitchFamily="18" charset="0"/>
+              <a:rPr lang="en-US" sz="1800" b="1" kern="0" dirty="0">
+                <a:effectLst/>
+                <a:latin typeface="Arial" panose="020B0604020202020204" pitchFamily="34" charset="0"/>
                 <a:ea typeface="Times New Roman" panose="02020603050405020304" pitchFamily="18" charset="0"/>
-                <a:cs typeface="Times New Roman" panose="02020603050405020304" pitchFamily="18" charset="0"/>
-              </a:rPr>
-              <a:t>Brief team introduction with expertise highlights</a:t>
-            </a:r>
+                <a:cs typeface="Arial" panose="020B0604020202020204" pitchFamily="34" charset="0"/>
+              </a:rPr>
+              <a:t>Team members:</a:t>
+            </a:r>
+            <a:endParaRPr lang="en-US" sz="1800" b="1" kern="0" dirty="0">
+              <a:effectLst/>
+              <a:latin typeface="Arial" panose="020B0604020202020204" pitchFamily="34" charset="0"/>
+              <a:ea typeface="Times New Roman" panose="02020603050405020304" pitchFamily="18" charset="0"/>
+              <a:cs typeface="Arial" panose="020B0604020202020204" pitchFamily="34" charset="0"/>
+            </a:endParaRPr>
           </a:p>
           <a:p>
             <a:pPr>
@@ -4422,21 +3937,20 @@
             </a:pPr>
             <a:r>
               <a:rPr lang="en-US" sz="1800" kern="0" dirty="0">
-                <a:latin typeface="Times New Roman" panose="02020603050405020304" pitchFamily="18" charset="0"/>
-                <a:ea typeface="Aptos" panose="020B0004020202020204" pitchFamily="34" charset="0"/>
-                <a:cs typeface="Times New Roman" panose="02020603050405020304" pitchFamily="18" charset="0"/>
+                <a:latin typeface="Arial" panose="020B0604020202020204" pitchFamily="34" charset="0"/>
+                <a:ea typeface="Aptos" panose="020B0004020202020204" pitchFamily="34" charset="0"/>
+                <a:cs typeface="Arial" panose="020B0604020202020204" pitchFamily="34" charset="0"/>
               </a:rPr>
               <a:t>Brian West – BSE Computer Engineering, GDBIW Electrical Engineer</a:t>
             </a:r>
-            <a:endParaRPr lang="en-US" sz="1800" kern="100" dirty="0">
-              <a:effectLst/>
-              <a:latin typeface="Aptos" panose="020B0004020202020204" pitchFamily="34" charset="0"/>
+            <a:endParaRPr lang="en-US" sz="1800" kern="0" dirty="0">
+              <a:latin typeface="Arial" panose="020B0604020202020204" pitchFamily="34" charset="0"/>
               <a:ea typeface="Aptos" panose="020B0004020202020204" pitchFamily="34" charset="0"/>
-              <a:cs typeface="Times New Roman" panose="02020603050405020304" pitchFamily="18" charset="0"/>
+              <a:cs typeface="Arial" panose="020B0604020202020204" pitchFamily="34" charset="0"/>
             </a:endParaRPr>
           </a:p>
           <a:p>
-            <a:pPr marL="0" marR="0" lvl="0" indent="0">
+            <a:pPr>
               <a:lnSpc>
                 <a:spcPct val="115000"/>
               </a:lnSpc>
@@ -4444,29 +3958,26 @@
                 <a:spcPts val="800"/>
               </a:spcAft>
               <a:buSzPts val="1000"/>
-              <a:buNone/>
               <a:tabLst>
                 <a:tab pos="457200" algn="l"/>
               </a:tabLst>
             </a:pPr>
             <a:r>
               <a:rPr lang="en-US" sz="1800" kern="0" dirty="0">
-                <a:effectLst/>
-                <a:latin typeface="Times New Roman" panose="02020603050405020304" pitchFamily="18" charset="0"/>
-                <a:ea typeface="Times New Roman" panose="02020603050405020304" pitchFamily="18" charset="0"/>
-                <a:cs typeface="Times New Roman" panose="02020603050405020304" pitchFamily="18" charset="0"/>
-              </a:rPr>
-              <a:t>Our mission for this project</a:t>
-            </a:r>
-            <a:endParaRPr lang="en-US" sz="1800" kern="100" dirty="0">
-              <a:effectLst/>
-              <a:latin typeface="Aptos" panose="020B0004020202020204" pitchFamily="34" charset="0"/>
+                <a:latin typeface="Arial" panose="020B0604020202020204" pitchFamily="34" charset="0"/>
+                <a:ea typeface="Aptos" panose="020B0004020202020204" pitchFamily="34" charset="0"/>
+                <a:cs typeface="Arial" panose="020B0604020202020204" pitchFamily="34" charset="0"/>
+              </a:rPr>
+              <a:t>Cody Snow</a:t>
+            </a:r>
+            <a:endParaRPr lang="en-US" sz="1800" kern="0" dirty="0">
+              <a:latin typeface="Arial" panose="020B0604020202020204" pitchFamily="34" charset="0"/>
               <a:ea typeface="Aptos" panose="020B0004020202020204" pitchFamily="34" charset="0"/>
-              <a:cs typeface="Times New Roman" panose="02020603050405020304" pitchFamily="18" charset="0"/>
+              <a:cs typeface="Arial" panose="020B0604020202020204" pitchFamily="34" charset="0"/>
             </a:endParaRPr>
           </a:p>
           <a:p>
-            <a:pPr marL="0" marR="0" lvl="0" indent="0">
+            <a:pPr>
               <a:lnSpc>
                 <a:spcPct val="115000"/>
               </a:lnSpc>
@@ -4474,35 +3985,86 @@
                 <a:spcPts val="800"/>
               </a:spcAft>
               <a:buSzPts val="1000"/>
-              <a:buNone/>
               <a:tabLst>
                 <a:tab pos="457200" algn="l"/>
               </a:tabLst>
             </a:pPr>
             <a:r>
               <a:rPr lang="en-US" sz="1800" kern="0" dirty="0">
-                <a:effectLst/>
-                <a:latin typeface="Times New Roman" panose="02020603050405020304" pitchFamily="18" charset="0"/>
-                <a:ea typeface="Times New Roman" panose="02020603050405020304" pitchFamily="18" charset="0"/>
-                <a:cs typeface="Times New Roman" panose="02020603050405020304" pitchFamily="18" charset="0"/>
-              </a:rPr>
-              <a:t>Key objectives we set out to accomplish</a:t>
+                <a:latin typeface="Arial" panose="020B0604020202020204" pitchFamily="34" charset="0"/>
+                <a:ea typeface="Aptos" panose="020B0004020202020204" pitchFamily="34" charset="0"/>
+                <a:cs typeface="Arial" panose="020B0604020202020204" pitchFamily="34" charset="0"/>
+              </a:rPr>
+              <a:t>Bini Chandra</a:t>
+            </a:r>
+            <a:endParaRPr lang="en-US" sz="1800" kern="0" dirty="0">
+              <a:latin typeface="Arial" panose="020B0604020202020204" pitchFamily="34" charset="0"/>
+              <a:ea typeface="Aptos" panose="020B0004020202020204" pitchFamily="34" charset="0"/>
+              <a:cs typeface="Arial" panose="020B0604020202020204" pitchFamily="34" charset="0"/>
+            </a:endParaRPr>
+          </a:p>
+          <a:p>
+            <a:pPr marL="0" indent="0">
+              <a:lnSpc>
+                <a:spcPct val="115000"/>
+              </a:lnSpc>
+              <a:spcAft>
+                <a:spcPts val="800"/>
+              </a:spcAft>
+              <a:buSzPts val="1000"/>
+              <a:buNone/>
+              <a:tabLst>
+                <a:tab pos="457200" algn="l"/>
+              </a:tabLst>
+            </a:pPr>
+            <a:r>
+              <a:rPr lang="en-US" sz="1800" b="1" kern="100" dirty="0">
+                <a:effectLst/>
+                <a:latin typeface="Arial" panose="020B0604020202020204" pitchFamily="34" charset="0"/>
+                <a:ea typeface="Aptos" panose="020B0004020202020204" pitchFamily="34" charset="0"/>
+                <a:cs typeface="Arial" panose="020B0604020202020204" pitchFamily="34" charset="0"/>
+              </a:rPr>
+              <a:t>Client:</a:t>
+            </a:r>
+            <a:endParaRPr lang="en-US" sz="1800" b="1" kern="100" dirty="0">
+              <a:effectLst/>
+              <a:latin typeface="Arial" panose="020B0604020202020204" pitchFamily="34" charset="0"/>
+              <a:ea typeface="Aptos" panose="020B0004020202020204" pitchFamily="34" charset="0"/>
+              <a:cs typeface="Arial" panose="020B0604020202020204" pitchFamily="34" charset="0"/>
+            </a:endParaRPr>
+          </a:p>
+          <a:p>
+            <a:pPr>
+              <a:lnSpc>
+                <a:spcPct val="115000"/>
+              </a:lnSpc>
+              <a:spcAft>
+                <a:spcPts val="800"/>
+              </a:spcAft>
+              <a:buSzPts val="1000"/>
+              <a:tabLst>
+                <a:tab pos="457200" algn="l"/>
+              </a:tabLst>
+            </a:pPr>
+            <a:r>
+              <a:rPr lang="en-US" altLang="en-US" sz="1800" kern="100" dirty="0">
+                <a:effectLst/>
+                <a:latin typeface="Arial" panose="020B0604020202020204" pitchFamily="34" charset="0"/>
+                <a:ea typeface="Aptos" panose="020B0004020202020204" pitchFamily="34" charset="0"/>
+                <a:cs typeface="Arial" panose="020B0604020202020204" pitchFamily="34" charset="0"/>
+              </a:rPr>
+              <a:t>Jeff Kimmel @ Elipsa</a:t>
             </a:r>
             <a:endParaRPr lang="en-US" sz="1800" kern="100" dirty="0">
               <a:effectLst/>
-              <a:latin typeface="Aptos" panose="020B0004020202020204" pitchFamily="34" charset="0"/>
+              <a:latin typeface="Arial" panose="020B0604020202020204" pitchFamily="34" charset="0"/>
               <a:ea typeface="Aptos" panose="020B0004020202020204" pitchFamily="34" charset="0"/>
-              <a:cs typeface="Times New Roman" panose="02020603050405020304" pitchFamily="18" charset="0"/>
+              <a:cs typeface="Arial" panose="020B0604020202020204" pitchFamily="34" charset="0"/>
             </a:endParaRPr>
           </a:p>
         </p:txBody>
       </p:sp>
     </p:spTree>
-    <p:extLst>
-      <p:ext uri="{BB962C8B-B14F-4D97-AF65-F5344CB8AC3E}">
-        <p14:creationId xmlns:p14="http://schemas.microsoft.com/office/powerpoint/2010/main" val="3927493228"/>
-      </p:ext>
-    </p:extLst>
   </p:cSld>
   <p:clrMapOvr>
     <a:masterClrMapping/>
@@ -4529,13 +4091,7 @@
       </p:grpSpPr>
       <p:sp>
         <p:nvSpPr>
-          <p:cNvPr id="2" name="Title 1">
-            <a:extLst>
-              <a:ext uri="{FF2B5EF4-FFF2-40B4-BE49-F238E27FC236}">
-                <a16:creationId xmlns:a16="http://schemas.microsoft.com/office/drawing/2014/main" id="{9637BD5A-385E-CF46-3CAA-B81F25C0CF64}"/>
-              </a:ext>
-            </a:extLst>
-          </p:cNvPr>
+          <p:cNvPr id="2" name="Title 1"/>
           <p:cNvSpPr>
             <a:spLocks noGrp="1"/>
           </p:cNvSpPr>
@@ -4557,27 +4113,13 @@
               </a:rPr>
               <a:t>Project Overview</a:t>
             </a:r>
-            <a:br>
-              <a:rPr lang="en-US" sz="4400" kern="100" dirty="0">
-                <a:effectLst/>
-                <a:latin typeface="Aptos" panose="020B0004020202020204" pitchFamily="34" charset="0"/>
-                <a:ea typeface="Aptos" panose="020B0004020202020204" pitchFamily="34" charset="0"/>
-                <a:cs typeface="Times New Roman" panose="02020603050405020304" pitchFamily="18" charset="0"/>
-              </a:rPr>
-            </a:br>
             <a:endParaRPr lang="en-US" dirty="0"/>
           </a:p>
         </p:txBody>
       </p:sp>
       <p:sp>
         <p:nvSpPr>
-          <p:cNvPr id="3" name="Content Placeholder 2">
-            <a:extLst>
-              <a:ext uri="{FF2B5EF4-FFF2-40B4-BE49-F238E27FC236}">
-                <a16:creationId xmlns:a16="http://schemas.microsoft.com/office/drawing/2014/main" id="{9A176FF5-5BF6-E44B-7516-C33190A8A724}"/>
-              </a:ext>
-            </a:extLst>
-          </p:cNvPr>
+          <p:cNvPr id="3" name="Content Placeholder 2"/>
           <p:cNvSpPr>
             <a:spLocks noGrp="1"/>
           </p:cNvSpPr>
@@ -4587,7 +4129,9 @@
         </p:nvSpPr>
         <p:spPr/>
         <p:txBody>
-          <a:bodyPr/>
+          <a:bodyPr>
+            <a:normAutofit fontScale="60000"/>
+          </a:bodyPr>
           <a:lstStyle/>
           <a:p>
             <a:pPr marL="0" indent="0">
@@ -4600,125 +4144,172 @@
               <a:buNone/>
             </a:pPr>
             <a:r>
-              <a:rPr lang="en-US" sz="1800" kern="0" dirty="0">
-                <a:effectLst/>
-                <a:latin typeface="Times New Roman" panose="02020603050405020304" pitchFamily="18" charset="0"/>
-                <a:ea typeface="Times New Roman" panose="02020603050405020304" pitchFamily="18" charset="0"/>
-                <a:cs typeface="Times New Roman" panose="02020603050405020304" pitchFamily="18" charset="0"/>
-              </a:rPr>
-              <a:t>Problem statement: What were we trying to solve?</a:t>
-            </a:r>
-            <a:endParaRPr lang="en-US" sz="1800" kern="100" dirty="0">
-              <a:effectLst/>
-              <a:latin typeface="Aptos" panose="020B0004020202020204" pitchFamily="34" charset="0"/>
-              <a:ea typeface="Aptos" panose="020B0004020202020204" pitchFamily="34" charset="0"/>
-              <a:cs typeface="Times New Roman" panose="02020603050405020304" pitchFamily="18" charset="0"/>
+              <a:rPr lang="en-US" altLang="en-US" b="1" dirty="0">
+                <a:latin typeface="Arial" panose="020B0604020202020204" pitchFamily="34" charset="0"/>
+                <a:cs typeface="Arial" panose="020B0604020202020204" pitchFamily="34" charset="0"/>
+              </a:rPr>
+              <a:t>Problem Statement:</a:t>
+            </a:r>
+            <a:endParaRPr lang="en-US" altLang="en-US" b="1" dirty="0">
+              <a:latin typeface="Arial" panose="020B0604020202020204" pitchFamily="34" charset="0"/>
+              <a:cs typeface="Arial" panose="020B0604020202020204" pitchFamily="34" charset="0"/>
             </a:endParaRPr>
           </a:p>
           <a:p>
-            <a:pPr marL="0" marR="0" lvl="0" indent="0">
+            <a:pPr marL="0" indent="0">
               <a:lnSpc>
                 <a:spcPct val="115000"/>
               </a:lnSpc>
               <a:spcAft>
                 <a:spcPts val="800"/>
               </a:spcAft>
-              <a:buSzPts val="1000"/>
-              <a:buNone/>
-              <a:tabLst>
-                <a:tab pos="457200" algn="l"/>
-              </a:tabLst>
+              <a:buNone/>
             </a:pPr>
             <a:r>
-              <a:rPr lang="en-US" sz="1800" kern="0" dirty="0">
-                <a:effectLst/>
-                <a:latin typeface="Times New Roman" panose="02020603050405020304" pitchFamily="18" charset="0"/>
-                <a:ea typeface="Times New Roman" panose="02020603050405020304" pitchFamily="18" charset="0"/>
-                <a:cs typeface="Times New Roman" panose="02020603050405020304" pitchFamily="18" charset="0"/>
-              </a:rPr>
-              <a:t>Importance of RTU/TU data analysis to operations</a:t>
-            </a:r>
-            <a:endParaRPr lang="en-US" sz="1800" kern="100" dirty="0">
-              <a:effectLst/>
-              <a:latin typeface="Aptos" panose="020B0004020202020204" pitchFamily="34" charset="0"/>
-              <a:ea typeface="Aptos" panose="020B0004020202020204" pitchFamily="34" charset="0"/>
-              <a:cs typeface="Times New Roman" panose="02020603050405020304" pitchFamily="18" charset="0"/>
+              <a:rPr lang="en-US" altLang="en-US" dirty="0">
+                <a:latin typeface="Arial" panose="020B0604020202020204" pitchFamily="34" charset="0"/>
+                <a:cs typeface="Arial" panose="020B0604020202020204" pitchFamily="34" charset="0"/>
+              </a:rPr>
+              <a:t>We don’t know which terminal units are fed by which roof-top units.</a:t>
+            </a:r>
+            <a:endParaRPr lang="en-US" altLang="en-US" dirty="0">
+              <a:latin typeface="Arial" panose="020B0604020202020204" pitchFamily="34" charset="0"/>
+              <a:cs typeface="Arial" panose="020B0604020202020204" pitchFamily="34" charset="0"/>
             </a:endParaRPr>
           </a:p>
           <a:p>
-            <a:pPr marL="0" marR="0" lvl="0" indent="0">
+            <a:pPr marL="0" indent="0">
               <a:lnSpc>
                 <a:spcPct val="115000"/>
               </a:lnSpc>
               <a:spcAft>
                 <a:spcPts val="800"/>
               </a:spcAft>
-              <a:buSzPts val="1000"/>
-              <a:buNone/>
-              <a:tabLst>
-                <a:tab pos="457200" algn="l"/>
-              </a:tabLst>
+              <a:buNone/>
             </a:pPr>
             <a:r>
-              <a:rPr lang="en-US" sz="1800" kern="0" dirty="0">
-                <a:effectLst/>
-                <a:latin typeface="Times New Roman" panose="02020603050405020304" pitchFamily="18" charset="0"/>
-                <a:ea typeface="Times New Roman" panose="02020603050405020304" pitchFamily="18" charset="0"/>
-                <a:cs typeface="Times New Roman" panose="02020603050405020304" pitchFamily="18" charset="0"/>
-              </a:rPr>
-              <a:t>Expected outcomes and deliverables</a:t>
-            </a:r>
-            <a:endParaRPr lang="en-US" sz="1800" kern="100" dirty="0">
-              <a:effectLst/>
-              <a:latin typeface="Aptos" panose="020B0004020202020204" pitchFamily="34" charset="0"/>
-              <a:ea typeface="Aptos" panose="020B0004020202020204" pitchFamily="34" charset="0"/>
-              <a:cs typeface="Times New Roman" panose="02020603050405020304" pitchFamily="18" charset="0"/>
+              <a:rPr lang="en-US" altLang="en-US" b="1" dirty="0">
+                <a:latin typeface="Arial" panose="020B0604020202020204" pitchFamily="34" charset="0"/>
+                <a:cs typeface="Arial" panose="020B0604020202020204" pitchFamily="34" charset="0"/>
+              </a:rPr>
+              <a:t>Why It’s Important: </a:t>
+            </a:r>
+            <a:endParaRPr lang="en-US" altLang="en-US" b="1" dirty="0">
+              <a:latin typeface="Arial" panose="020B0604020202020204" pitchFamily="34" charset="0"/>
+              <a:cs typeface="Arial" panose="020B0604020202020204" pitchFamily="34" charset="0"/>
             </a:endParaRPr>
           </a:p>
           <a:p>
-            <a:pPr marL="0" marR="0" lvl="0" indent="0">
+            <a:pPr marL="0" indent="0">
               <a:lnSpc>
                 <a:spcPct val="115000"/>
               </a:lnSpc>
               <a:spcAft>
                 <a:spcPts val="800"/>
               </a:spcAft>
-              <a:buSzPts val="1000"/>
-              <a:buNone/>
-              <a:tabLst>
-                <a:tab pos="457200" algn="l"/>
-              </a:tabLst>
+              <a:buNone/>
             </a:pPr>
             <a:r>
-              <a:rPr lang="en-US" sz="1800" kern="0" dirty="0">
-                <a:effectLst/>
-                <a:latin typeface="Times New Roman" panose="02020603050405020304" pitchFamily="18" charset="0"/>
-                <a:ea typeface="Times New Roman" panose="02020603050405020304" pitchFamily="18" charset="0"/>
-                <a:cs typeface="Times New Roman" panose="02020603050405020304" pitchFamily="18" charset="0"/>
-              </a:rPr>
-              <a:t>Stakeholders and beneficiaries of this analysis</a:t>
-            </a:r>
-            <a:endParaRPr lang="en-US" sz="1800" kern="100" dirty="0">
-              <a:effectLst/>
-              <a:latin typeface="Aptos" panose="020B0004020202020204" pitchFamily="34" charset="0"/>
-              <a:ea typeface="Aptos" panose="020B0004020202020204" pitchFamily="34" charset="0"/>
-              <a:cs typeface="Times New Roman" panose="02020603050405020304" pitchFamily="18" charset="0"/>
+              <a:rPr lang="en-US" altLang="en-US" dirty="0">
+                <a:latin typeface="Arial" panose="020B0604020202020204" pitchFamily="34" charset="0"/>
+                <a:cs typeface="Arial" panose="020B0604020202020204" pitchFamily="34" charset="0"/>
+              </a:rPr>
+              <a:t>Without that mapping, troubleshooting takes too long and energy gets wasted.</a:t>
+            </a:r>
+            <a:endParaRPr lang="en-US" altLang="en-US" dirty="0">
+              <a:latin typeface="Arial" panose="020B0604020202020204" pitchFamily="34" charset="0"/>
+              <a:cs typeface="Arial" panose="020B0604020202020204" pitchFamily="34" charset="0"/>
             </a:endParaRPr>
           </a:p>
           <a:p>
             <a:pPr marL="0" indent="0">
+              <a:lnSpc>
+                <a:spcPct val="115000"/>
+              </a:lnSpc>
+              <a:spcAft>
+                <a:spcPts val="800"/>
+              </a:spcAft>
               <a:buNone/>
             </a:pPr>
-            <a:endParaRPr lang="en-US" dirty="0"/>
+            <a:r>
+              <a:rPr lang="en-US" altLang="en-US" b="1" dirty="0">
+                <a:latin typeface="Arial" panose="020B0604020202020204" pitchFamily="34" charset="0"/>
+                <a:cs typeface="Arial" panose="020B0604020202020204" pitchFamily="34" charset="0"/>
+              </a:rPr>
+              <a:t>Expected Outcomes:</a:t>
+            </a:r>
+            <a:endParaRPr lang="en-US" altLang="en-US" b="1" dirty="0">
+              <a:latin typeface="Arial" panose="020B0604020202020204" pitchFamily="34" charset="0"/>
+              <a:cs typeface="Arial" panose="020B0604020202020204" pitchFamily="34" charset="0"/>
+            </a:endParaRPr>
+          </a:p>
+          <a:p>
+            <a:pPr>
+              <a:lnSpc>
+                <a:spcPct val="115000"/>
+              </a:lnSpc>
+              <a:spcAft>
+                <a:spcPts val="800"/>
+              </a:spcAft>
+            </a:pPr>
+            <a:r>
+              <a:rPr lang="en-US" altLang="en-US" dirty="0">
+                <a:latin typeface="Arial" panose="020B0604020202020204" pitchFamily="34" charset="0"/>
+                <a:cs typeface="Arial" panose="020B0604020202020204" pitchFamily="34" charset="0"/>
+              </a:rPr>
+              <a:t>Cleaned and aligned sensor datasets</a:t>
+            </a:r>
+            <a:endParaRPr lang="en-US" altLang="en-US" dirty="0">
+              <a:latin typeface="Arial" panose="020B0604020202020204" pitchFamily="34" charset="0"/>
+              <a:cs typeface="Arial" panose="020B0604020202020204" pitchFamily="34" charset="0"/>
+            </a:endParaRPr>
+          </a:p>
+          <a:p>
+            <a:pPr>
+              <a:lnSpc>
+                <a:spcPct val="115000"/>
+              </a:lnSpc>
+              <a:spcAft>
+                <a:spcPts val="800"/>
+              </a:spcAft>
+            </a:pPr>
+            <a:r>
+              <a:rPr lang="en-US" altLang="en-US" dirty="0">
+                <a:latin typeface="Arial" panose="020B0604020202020204" pitchFamily="34" charset="0"/>
+                <a:cs typeface="Arial" panose="020B0604020202020204" pitchFamily="34" charset="0"/>
+                <a:sym typeface="+mn-ea"/>
+              </a:rPr>
+              <a:t>An automated, data-driven mapping method</a:t>
+            </a:r>
+            <a:endParaRPr lang="en-US" altLang="en-US" dirty="0">
+              <a:latin typeface="Arial" panose="020B0604020202020204" pitchFamily="34" charset="0"/>
+              <a:cs typeface="Arial" panose="020B0604020202020204" pitchFamily="34" charset="0"/>
+            </a:endParaRPr>
+          </a:p>
+          <a:p>
+            <a:pPr>
+              <a:lnSpc>
+                <a:spcPct val="115000"/>
+              </a:lnSpc>
+              <a:spcAft>
+                <a:spcPts val="800"/>
+              </a:spcAft>
+            </a:pPr>
+            <a:r>
+              <a:rPr lang="en-US" altLang="en-US" dirty="0">
+                <a:latin typeface="Arial" panose="020B0604020202020204" pitchFamily="34" charset="0"/>
+                <a:cs typeface="Arial" panose="020B0604020202020204" pitchFamily="34" charset="0"/>
+              </a:rPr>
+              <a:t>Clear visuals and a final report for the client</a:t>
+            </a:r>
+            <a:endParaRPr lang="en-US" altLang="en-US" dirty="0">
+              <a:latin typeface="Arial" panose="020B0604020202020204" pitchFamily="34" charset="0"/>
+              <a:cs typeface="Arial" panose="020B0604020202020204" pitchFamily="34" charset="0"/>
+            </a:endParaRPr>
           </a:p>
         </p:txBody>
       </p:sp>
     </p:spTree>
-    <p:extLst>
-      <p:ext uri="{BB962C8B-B14F-4D97-AF65-F5344CB8AC3E}">
-        <p14:creationId xmlns:p14="http://schemas.microsoft.com/office/powerpoint/2010/main" val="2510726696"/>
-      </p:ext>
-    </p:extLst>
   </p:cSld>
   <p:clrMapOvr>
     <a:masterClrMapping/>
@@ -4745,13 +4336,7 @@
       </p:grpSpPr>
       <p:sp>
         <p:nvSpPr>
-          <p:cNvPr id="2" name="Title 1">
-            <a:extLst>
-              <a:ext uri="{FF2B5EF4-FFF2-40B4-BE49-F238E27FC236}">
-                <a16:creationId xmlns:a16="http://schemas.microsoft.com/office/drawing/2014/main" id="{548E67A9-3DBB-BF4A-0419-7ECD290BF0A1}"/>
-              </a:ext>
-            </a:extLst>
-          </p:cNvPr>
+          <p:cNvPr id="2" name="Title 1"/>
           <p:cNvSpPr>
             <a:spLocks noGrp="1"/>
           </p:cNvSpPr>
@@ -4779,13 +4364,7 @@
       </p:sp>
       <p:sp>
         <p:nvSpPr>
-          <p:cNvPr id="3" name="Content Placeholder 2">
-            <a:extLst>
-              <a:ext uri="{FF2B5EF4-FFF2-40B4-BE49-F238E27FC236}">
-                <a16:creationId xmlns:a16="http://schemas.microsoft.com/office/drawing/2014/main" id="{11D9C8FF-0CD9-5593-9358-1DC8DE78A859}"/>
-              </a:ext>
-            </a:extLst>
-          </p:cNvPr>
+          <p:cNvPr id="3" name="Content Placeholder 2"/>
           <p:cNvSpPr>
             <a:spLocks noGrp="1"/>
           </p:cNvSpPr>
@@ -4795,7 +4374,9 @@
         </p:nvSpPr>
         <p:spPr/>
         <p:txBody>
-          <a:bodyPr/>
+          <a:bodyPr>
+            <a:normAutofit lnSpcReduction="20000"/>
+          </a:bodyPr>
           <a:lstStyle/>
           <a:p>
             <a:pPr marL="0" indent="0">
@@ -4812,19 +4393,28 @@
               </a:tabLst>
             </a:pPr>
             <a:r>
-              <a:rPr lang="en-US" sz="1800" kern="0" dirty="0">
-                <a:effectLst/>
-                <a:latin typeface="Times New Roman" panose="02020603050405020304" pitchFamily="18" charset="0"/>
+              <a:rPr lang="en-US" altLang="en-US" sz="1800" b="1" kern="0" dirty="0">
+                <a:effectLst/>
+                <a:latin typeface="Arial" panose="020B0604020202020204" pitchFamily="34" charset="0"/>
                 <a:ea typeface="Times New Roman" panose="02020603050405020304" pitchFamily="18" charset="0"/>
-                <a:cs typeface="Times New Roman" panose="02020603050405020304" pitchFamily="18" charset="0"/>
-              </a:rPr>
-              <a:t>Data sources: Where the RTU/TU data came from</a:t>
-            </a:r>
-            <a:endParaRPr lang="en-US" sz="1800" kern="100" dirty="0">
+                <a:cs typeface="Arial" panose="020B0604020202020204" pitchFamily="34" charset="0"/>
+              </a:rPr>
+              <a:t>Files Provided: </a:t>
+            </a:r>
+            <a:r>
+              <a:rPr lang="en-US" altLang="en-US" sz="1800" kern="0" dirty="0">
+                <a:effectLst/>
+                <a:latin typeface="Arial" panose="020B0604020202020204" pitchFamily="34" charset="0"/>
+                <a:ea typeface="Times New Roman" panose="02020603050405020304" pitchFamily="18" charset="0"/>
+                <a:cs typeface="Arial" panose="020B0604020202020204" pitchFamily="34" charset="0"/>
+              </a:rPr>
+              <a:t>A set of Terminal Unit files and Rooftop Unit files</a:t>
+            </a:r>
+            <a:endParaRPr lang="en-US" altLang="en-US" sz="1800" b="1" kern="0" dirty="0">
               <a:effectLst/>
-              <a:latin typeface="Aptos" panose="020B0004020202020204" pitchFamily="34" charset="0"/>
-              <a:ea typeface="Aptos" panose="020B0004020202020204" pitchFamily="34" charset="0"/>
-              <a:cs typeface="Times New Roman" panose="02020603050405020304" pitchFamily="18" charset="0"/>
+              <a:latin typeface="Arial" panose="020B0604020202020204" pitchFamily="34" charset="0"/>
+              <a:ea typeface="Times New Roman" panose="02020603050405020304" pitchFamily="18" charset="0"/>
+              <a:cs typeface="Arial" panose="020B0604020202020204" pitchFamily="34" charset="0"/>
             </a:endParaRPr>
           </a:p>
           <a:p>
@@ -4842,18 +4432,18 @@
               </a:tabLst>
             </a:pPr>
             <a:r>
-              <a:rPr lang="en-US" sz="1800" kern="0" dirty="0">
-                <a:effectLst/>
-                <a:latin typeface="Times New Roman" panose="02020603050405020304" pitchFamily="18" charset="0"/>
+              <a:rPr lang="en-US" sz="1800" b="1" kern="0" dirty="0">
+                <a:effectLst/>
+                <a:latin typeface="Arial" panose="020B0604020202020204" pitchFamily="34" charset="0"/>
                 <a:ea typeface="Times New Roman" panose="02020603050405020304" pitchFamily="18" charset="0"/>
-                <a:cs typeface="Times New Roman" panose="02020603050405020304" pitchFamily="18" charset="0"/>
-              </a:rPr>
-              <a:t>Volume: Total count of data points (X records over Y time period)</a:t>
+                <a:cs typeface="Arial" panose="020B0604020202020204" pitchFamily="34" charset="0"/>
+              </a:rPr>
+              <a:t>Volume:</a:t>
             </a:r>
             <a:endParaRPr lang="en-US" sz="1800" kern="0" dirty="0">
-              <a:latin typeface="Times New Roman" panose="02020603050405020304" pitchFamily="18" charset="0"/>
+              <a:latin typeface="Arial" panose="020B0604020202020204" pitchFamily="34" charset="0"/>
               <a:ea typeface="Times New Roman" panose="02020603050405020304" pitchFamily="18" charset="0"/>
-              <a:cs typeface="Times New Roman" panose="02020603050405020304" pitchFamily="18" charset="0"/>
+              <a:cs typeface="Arial" panose="020B0604020202020204" pitchFamily="34" charset="0"/>
             </a:endParaRPr>
           </a:p>
           <a:p>
@@ -4872,43 +4462,34 @@
             <a:r>
               <a:rPr lang="en-US" sz="1800" kern="0" dirty="0">
                 <a:effectLst/>
-                <a:latin typeface="Times New Roman" panose="02020603050405020304" pitchFamily="18" charset="0"/>
-                <a:ea typeface="Aptos" panose="020B0004020202020204" pitchFamily="34" charset="0"/>
-                <a:cs typeface="Times New Roman" panose="02020603050405020304" pitchFamily="18" charset="0"/>
-              </a:rPr>
-              <a:t>47 Terminal Units</a:t>
-            </a:r>
-          </a:p>
-          <a:p>
-            <a:pPr lvl="1">
-              <a:lnSpc>
-                <a:spcPct val="115000"/>
-              </a:lnSpc>
-              <a:spcAft>
-                <a:spcPts val="800"/>
-              </a:spcAft>
-              <a:buSzPts val="1000"/>
-              <a:tabLst>
-                <a:tab pos="457200" algn="l"/>
-              </a:tabLst>
-            </a:pPr>
+                <a:latin typeface="Arial" panose="020B0604020202020204" pitchFamily="34" charset="0"/>
+                <a:ea typeface="Aptos" panose="020B0004020202020204" pitchFamily="34" charset="0"/>
+                <a:cs typeface="Arial" panose="020B0604020202020204" pitchFamily="34" charset="0"/>
+              </a:rPr>
+              <a:t>47 Terminal Units - </a:t>
+            </a:r>
             <a:r>
               <a:rPr lang="en-US" sz="1400" kern="100" dirty="0">
                 <a:effectLst/>
-                <a:latin typeface="Aptos" panose="020B0004020202020204" pitchFamily="34" charset="0"/>
-                <a:ea typeface="Aptos" panose="020B0004020202020204" pitchFamily="34" charset="0"/>
-                <a:cs typeface="Times New Roman" panose="02020603050405020304" pitchFamily="18" charset="0"/>
+                <a:latin typeface="Arial" panose="020B0604020202020204" pitchFamily="34" charset="0"/>
+                <a:ea typeface="Aptos" panose="020B0004020202020204" pitchFamily="34" charset="0"/>
+                <a:cs typeface="Arial" panose="020B0604020202020204" pitchFamily="34" charset="0"/>
               </a:rPr>
               <a:t>206277</a:t>
             </a:r>
             <a:r>
               <a:rPr lang="en-US" sz="1400" kern="0" dirty="0">
-                <a:latin typeface="Times New Roman" panose="02020603050405020304" pitchFamily="18" charset="0"/>
-                <a:ea typeface="Aptos" panose="020B0004020202020204" pitchFamily="34" charset="0"/>
-                <a:cs typeface="Times New Roman" panose="02020603050405020304" pitchFamily="18" charset="0"/>
+                <a:latin typeface="Arial" panose="020B0604020202020204" pitchFamily="34" charset="0"/>
+                <a:ea typeface="Aptos" panose="020B0004020202020204" pitchFamily="34" charset="0"/>
+                <a:cs typeface="Arial" panose="020B0604020202020204" pitchFamily="34" charset="0"/>
               </a:rPr>
               <a:t> Data points collected over 51 Days</a:t>
             </a:r>
+            <a:endParaRPr lang="en-US" sz="1400" kern="0" dirty="0">
+              <a:latin typeface="Arial" panose="020B0604020202020204" pitchFamily="34" charset="0"/>
+              <a:ea typeface="Aptos" panose="020B0004020202020204" pitchFamily="34" charset="0"/>
+              <a:cs typeface="Arial" panose="020B0604020202020204" pitchFamily="34" charset="0"/>
+            </a:endParaRPr>
           </a:p>
           <a:p>
             <a:pPr>
@@ -4926,39 +4507,25 @@
             <a:r>
               <a:rPr lang="en-US" sz="1800" kern="0" dirty="0">
                 <a:effectLst/>
-                <a:latin typeface="Times New Roman" panose="02020603050405020304" pitchFamily="18" charset="0"/>
-                <a:ea typeface="Aptos" panose="020B0004020202020204" pitchFamily="34" charset="0"/>
-                <a:cs typeface="Times New Roman" panose="02020603050405020304" pitchFamily="18" charset="0"/>
-              </a:rPr>
-              <a:t>3 Terminal Units</a:t>
-            </a:r>
-          </a:p>
-          <a:p>
-            <a:pPr lvl="1">
-              <a:lnSpc>
-                <a:spcPct val="115000"/>
-              </a:lnSpc>
-              <a:spcAft>
-                <a:spcPts val="800"/>
-              </a:spcAft>
-              <a:buSzPts val="1000"/>
-              <a:tabLst>
-                <a:tab pos="457200" algn="l"/>
-              </a:tabLst>
-            </a:pPr>
+                <a:latin typeface="Arial" panose="020B0604020202020204" pitchFamily="34" charset="0"/>
+                <a:ea typeface="Aptos" panose="020B0004020202020204" pitchFamily="34" charset="0"/>
+                <a:cs typeface="Arial" panose="020B0604020202020204" pitchFamily="34" charset="0"/>
+              </a:rPr>
+              <a:t>3 Terminal Units- </a:t>
+            </a:r>
             <a:r>
               <a:rPr lang="en-US" sz="1400" kern="0" dirty="0">
-                <a:latin typeface="Times New Roman" panose="02020603050405020304" pitchFamily="18" charset="0"/>
-                <a:ea typeface="Aptos" panose="020B0004020202020204" pitchFamily="34" charset="0"/>
-                <a:cs typeface="Times New Roman" panose="02020603050405020304" pitchFamily="18" charset="0"/>
+                <a:latin typeface="Arial" panose="020B0604020202020204" pitchFamily="34" charset="0"/>
+                <a:ea typeface="Aptos" panose="020B0004020202020204" pitchFamily="34" charset="0"/>
+                <a:cs typeface="Arial" panose="020B0604020202020204" pitchFamily="34" charset="0"/>
               </a:rPr>
               <a:t>4781 Data points collected over 51 Days for each unit</a:t>
             </a:r>
             <a:endParaRPr lang="en-US" sz="1400" kern="100" dirty="0">
               <a:effectLst/>
-              <a:latin typeface="Aptos" panose="020B0004020202020204" pitchFamily="34" charset="0"/>
+              <a:latin typeface="Arial" panose="020B0604020202020204" pitchFamily="34" charset="0"/>
               <a:ea typeface="Aptos" panose="020B0004020202020204" pitchFamily="34" charset="0"/>
-              <a:cs typeface="Times New Roman" panose="02020603050405020304" pitchFamily="18" charset="0"/>
+              <a:cs typeface="Arial" panose="020B0604020202020204" pitchFamily="34" charset="0"/>
             </a:endParaRPr>
           </a:p>
           <a:p>
@@ -4976,19 +4543,28 @@
               </a:tabLst>
             </a:pPr>
             <a:r>
-              <a:rPr lang="en-US" sz="1800" kern="0" dirty="0">
-                <a:effectLst/>
-                <a:latin typeface="Times New Roman" panose="02020603050405020304" pitchFamily="18" charset="0"/>
+              <a:rPr lang="en-US" sz="1800" b="1" kern="0" dirty="0">
+                <a:effectLst/>
+                <a:latin typeface="Arial" panose="020B0604020202020204" pitchFamily="34" charset="0"/>
                 <a:ea typeface="Times New Roman" panose="02020603050405020304" pitchFamily="18" charset="0"/>
-                <a:cs typeface="Times New Roman" panose="02020603050405020304" pitchFamily="18" charset="0"/>
-              </a:rPr>
-              <a:t>Variables overview: List of key variables analyzed</a:t>
-            </a:r>
-            <a:endParaRPr lang="en-US" sz="1800" kern="100" dirty="0">
+                <a:cs typeface="Arial" panose="020B0604020202020204" pitchFamily="34" charset="0"/>
+              </a:rPr>
+              <a:t>Variables overview: </a:t>
+            </a:r>
+            <a:r>
+              <a:rPr lang="en-US" altLang="en-US" sz="1800" kern="0" dirty="0">
+                <a:effectLst/>
+                <a:latin typeface="Arial" panose="020B0604020202020204" pitchFamily="34" charset="0"/>
+                <a:ea typeface="Times New Roman" panose="02020603050405020304" pitchFamily="18" charset="0"/>
+                <a:cs typeface="Arial" panose="020B0604020202020204" pitchFamily="34" charset="0"/>
+              </a:rPr>
+              <a:t>Airflow rate, Dischargeair temperature, Damper position, Heating &amp; cooling setpoints etc.</a:t>
+            </a:r>
+            <a:endParaRPr lang="en-US" altLang="en-US" sz="1800" kern="100" dirty="0">
               <a:effectLst/>
-              <a:latin typeface="Aptos" panose="020B0004020202020204" pitchFamily="34" charset="0"/>
+              <a:latin typeface="Arial" panose="020B0604020202020204" pitchFamily="34" charset="0"/>
               <a:ea typeface="Aptos" panose="020B0004020202020204" pitchFamily="34" charset="0"/>
-              <a:cs typeface="Times New Roman" panose="02020603050405020304" pitchFamily="18" charset="0"/>
+              <a:cs typeface="Arial" panose="020B0604020202020204" pitchFamily="34" charset="0"/>
             </a:endParaRPr>
           </a:p>
           <a:p>
@@ -5006,35 +4582,88 @@
               </a:tabLst>
             </a:pPr>
             <a:r>
-              <a:rPr lang="en-US" sz="1800" kern="0" dirty="0">
-                <a:effectLst/>
-                <a:latin typeface="Times New Roman" panose="02020603050405020304" pitchFamily="18" charset="0"/>
+              <a:rPr lang="en-US" sz="1800" b="1" kern="0" dirty="0">
+                <a:effectLst/>
+                <a:latin typeface="Arial" panose="020B0604020202020204" pitchFamily="34" charset="0"/>
                 <a:ea typeface="Times New Roman" panose="02020603050405020304" pitchFamily="18" charset="0"/>
-                <a:cs typeface="Times New Roman" panose="02020603050405020304" pitchFamily="18" charset="0"/>
-              </a:rPr>
-              <a:t>Data quality assessment: Completeness, accuracy, timeliness</a:t>
-            </a:r>
-            <a:endParaRPr lang="en-US" sz="1800" kern="100" dirty="0">
+                <a:cs typeface="Arial" panose="020B0604020202020204" pitchFamily="34" charset="0"/>
+              </a:rPr>
+              <a:t>Data quality Notes:</a:t>
+            </a:r>
+            <a:endParaRPr lang="en-US" sz="1800" b="1" kern="0" dirty="0">
               <a:effectLst/>
-              <a:latin typeface="Aptos" panose="020B0004020202020204" pitchFamily="34" charset="0"/>
-              <a:ea typeface="Aptos" panose="020B0004020202020204" pitchFamily="34" charset="0"/>
-              <a:cs typeface="Times New Roman" panose="02020603050405020304" pitchFamily="18" charset="0"/>
+              <a:latin typeface="Arial" panose="020B0604020202020204" pitchFamily="34" charset="0"/>
+              <a:ea typeface="Times New Roman" panose="02020603050405020304" pitchFamily="18" charset="0"/>
+              <a:cs typeface="Arial" panose="020B0604020202020204" pitchFamily="34" charset="0"/>
             </a:endParaRPr>
           </a:p>
           <a:p>
-            <a:pPr marL="0" indent="0">
-              <a:buNone/>
+            <a:pPr marL="0" lvl="0" indent="0">
+              <a:lnSpc>
+                <a:spcPct val="105000"/>
+              </a:lnSpc>
+              <a:spcAft>
+                <a:spcPts val="800"/>
+              </a:spcAft>
+              <a:buSzPts val="1000"/>
+              <a:buNone/>
+              <a:tabLst>
+                <a:tab pos="457200" algn="l"/>
+              </a:tabLst>
             </a:pPr>
-            <a:endParaRPr lang="en-US" dirty="0"/>
+            <a:r>
+              <a:rPr lang="en-US" altLang="en-US" sz="1790" kern="0" dirty="0">
+                <a:effectLst/>
+                <a:latin typeface="Arial" panose="020B0604020202020204" pitchFamily="34" charset="0"/>
+                <a:ea typeface="Times New Roman" panose="02020603050405020304" pitchFamily="18" charset="0"/>
+                <a:cs typeface="Arial" panose="020B0604020202020204" pitchFamily="34" charset="0"/>
+              </a:rPr>
+              <a:t>- A few missing timestamps</a:t>
+            </a:r>
+            <a:br>
+              <a:rPr lang="en-US" altLang="en-US" sz="1790" kern="0" dirty="0">
+                <a:effectLst/>
+                <a:latin typeface="Arial" panose="020B0604020202020204" pitchFamily="34" charset="0"/>
+                <a:ea typeface="Times New Roman" panose="02020603050405020304" pitchFamily="18" charset="0"/>
+                <a:cs typeface="Arial" panose="020B0604020202020204" pitchFamily="34" charset="0"/>
+              </a:rPr>
+            </a:br>
+            <a:r>
+              <a:rPr lang="en-US" altLang="en-US" sz="1790" kern="0" dirty="0">
+                <a:effectLst/>
+                <a:latin typeface="Arial" panose="020B0604020202020204" pitchFamily="34" charset="0"/>
+                <a:ea typeface="Times New Roman" panose="02020603050405020304" pitchFamily="18" charset="0"/>
+                <a:cs typeface="Arial" panose="020B0604020202020204" pitchFamily="34" charset="0"/>
+              </a:rPr>
+              <a:t>- Some sensors stuck at a constant value</a:t>
+            </a:r>
+            <a:br>
+              <a:rPr lang="en-US" altLang="en-US" sz="1790" kern="0" dirty="0">
+                <a:effectLst/>
+                <a:latin typeface="Arial" panose="020B0604020202020204" pitchFamily="34" charset="0"/>
+                <a:ea typeface="Times New Roman" panose="02020603050405020304" pitchFamily="18" charset="0"/>
+                <a:cs typeface="Arial" panose="020B0604020202020204" pitchFamily="34" charset="0"/>
+              </a:rPr>
+            </a:br>
+            <a:r>
+              <a:rPr lang="en-US" altLang="en-US" sz="1790" kern="0" dirty="0">
+                <a:effectLst/>
+                <a:latin typeface="Arial" panose="020B0604020202020204" pitchFamily="34" charset="0"/>
+                <a:ea typeface="Times New Roman" panose="02020603050405020304" pitchFamily="18" charset="0"/>
+                <a:cs typeface="Arial" panose="020B0604020202020204" pitchFamily="34" charset="0"/>
+              </a:rPr>
+              <a:t>- Occasional gaps in setpoint readings</a:t>
+            </a:r>
+            <a:endParaRPr lang="en-US" altLang="en-US" sz="1790" kern="0" dirty="0">
+              <a:effectLst/>
+              <a:latin typeface="Arial" panose="020B0604020202020204" pitchFamily="34" charset="0"/>
+              <a:ea typeface="Times New Roman" panose="02020603050405020304" pitchFamily="18" charset="0"/>
+              <a:cs typeface="Arial" panose="020B0604020202020204" pitchFamily="34" charset="0"/>
+            </a:endParaRPr>
           </a:p>
         </p:txBody>
       </p:sp>
     </p:spTree>
-    <p:extLst>
-      <p:ext uri="{BB962C8B-B14F-4D97-AF65-F5344CB8AC3E}">
-        <p14:creationId xmlns:p14="http://schemas.microsoft.com/office/powerpoint/2010/main" val="293740782"/>
-      </p:ext>
-    </p:extLst>
   </p:cSld>
   <p:clrMapOvr>
     <a:masterClrMapping/>
@@ -5061,13 +4690,7 @@
       </p:grpSpPr>
       <p:sp>
         <p:nvSpPr>
-          <p:cNvPr id="2" name="Title 1">
-            <a:extLst>
-              <a:ext uri="{FF2B5EF4-FFF2-40B4-BE49-F238E27FC236}">
-                <a16:creationId xmlns:a16="http://schemas.microsoft.com/office/drawing/2014/main" id="{6EA8B086-C5D2-FCA1-B85F-ABA0F7AED027}"/>
-              </a:ext>
-            </a:extLst>
-          </p:cNvPr>
+          <p:cNvPr id="2" name="Title 1"/>
           <p:cNvSpPr>
             <a:spLocks noGrp="1"/>
           </p:cNvSpPr>
@@ -5095,13 +4718,7 @@
       </p:sp>
       <p:sp>
         <p:nvSpPr>
-          <p:cNvPr id="3" name="Content Placeholder 2">
-            <a:extLst>
-              <a:ext uri="{FF2B5EF4-FFF2-40B4-BE49-F238E27FC236}">
-                <a16:creationId xmlns:a16="http://schemas.microsoft.com/office/drawing/2014/main" id="{EE17669E-3675-E8D5-B182-832C3B78BFD3}"/>
-              </a:ext>
-            </a:extLst>
-          </p:cNvPr>
+          <p:cNvPr id="3" name="Content Placeholder 2"/>
           <p:cNvSpPr>
             <a:spLocks noGrp="1"/>
           </p:cNvSpPr>
@@ -5138,6 +4755,12 @@
               </a:rPr>
               <a:t>Variables we kept and why they matter</a:t>
             </a:r>
+            <a:endParaRPr lang="en-US" sz="1800" kern="0" dirty="0">
+              <a:effectLst/>
+              <a:latin typeface="Times New Roman" panose="02020603050405020304" pitchFamily="18" charset="0"/>
+              <a:ea typeface="Times New Roman" panose="02020603050405020304" pitchFamily="18" charset="0"/>
+              <a:cs typeface="Times New Roman" panose="02020603050405020304" pitchFamily="18" charset="0"/>
+            </a:endParaRPr>
           </a:p>
           <a:p>
             <a:pPr>
@@ -5161,6 +4784,12 @@
               </a:rPr>
               <a:t>Everything else was kept because it described the system in some capacity that could be used to associate TUs with RTUs.</a:t>
             </a:r>
+            <a:endParaRPr lang="en-US" sz="1800" kern="100" dirty="0">
+              <a:effectLst/>
+              <a:latin typeface="Aptos" panose="020B0004020202020204" pitchFamily="34" charset="0"/>
+              <a:ea typeface="Aptos" panose="020B0004020202020204" pitchFamily="34" charset="0"/>
+              <a:cs typeface="Times New Roman" panose="02020603050405020304" pitchFamily="18" charset="0"/>
+            </a:endParaRPr>
           </a:p>
           <a:p>
             <a:pPr marL="0" marR="0" lvl="0" indent="0">
@@ -5185,6 +4814,12 @@
               </a:rPr>
               <a:t>Variables we dropped and rationale</a:t>
             </a:r>
+            <a:endParaRPr lang="en-US" sz="1800" kern="0" dirty="0">
+              <a:effectLst/>
+              <a:latin typeface="Times New Roman" panose="02020603050405020304" pitchFamily="18" charset="0"/>
+              <a:ea typeface="Times New Roman" panose="02020603050405020304" pitchFamily="18" charset="0"/>
+              <a:cs typeface="Times New Roman" panose="02020603050405020304" pitchFamily="18" charset="0"/>
+            </a:endParaRPr>
           </a:p>
           <a:p>
             <a:pPr>
@@ -5208,6 +4843,12 @@
               </a:rPr>
               <a:t>Terminal Units:</a:t>
             </a:r>
+            <a:endParaRPr lang="en-US" sz="1800" kern="100" dirty="0">
+              <a:effectLst/>
+              <a:latin typeface="Aptos" panose="020B0004020202020204" pitchFamily="34" charset="0"/>
+              <a:ea typeface="Aptos" panose="020B0004020202020204" pitchFamily="34" charset="0"/>
+              <a:cs typeface="Times New Roman" panose="02020603050405020304" pitchFamily="18" charset="0"/>
+            </a:endParaRPr>
           </a:p>
           <a:p>
             <a:pPr lvl="1">
@@ -5488,6 +5129,12 @@
               </a:rPr>
               <a:t>Roof Top Units:</a:t>
             </a:r>
+            <a:endParaRPr lang="en-US" sz="1800" kern="100" dirty="0">
+              <a:effectLst/>
+              <a:latin typeface="Aptos" panose="020B0004020202020204" pitchFamily="34" charset="0"/>
+              <a:ea typeface="Aptos" panose="020B0004020202020204" pitchFamily="34" charset="0"/>
+              <a:cs typeface="Times New Roman" panose="02020603050405020304" pitchFamily="18" charset="0"/>
+            </a:endParaRPr>
           </a:p>
           <a:p>
             <a:pPr lvl="1">
@@ -5802,6 +5449,12 @@
               </a:rPr>
               <a:t>Data cleaning steps performed</a:t>
             </a:r>
+            <a:endParaRPr lang="en-US" sz="1800" kern="0" dirty="0">
+              <a:effectLst/>
+              <a:latin typeface="Times New Roman" panose="02020603050405020304" pitchFamily="18" charset="0"/>
+              <a:ea typeface="Times New Roman" panose="02020603050405020304" pitchFamily="18" charset="0"/>
+              <a:cs typeface="Times New Roman" panose="02020603050405020304" pitchFamily="18" charset="0"/>
+            </a:endParaRPr>
           </a:p>
           <a:p>
             <a:pPr>
@@ -5825,6 +5478,12 @@
               </a:rPr>
               <a:t>Forward Filled “Set Point” Variables</a:t>
             </a:r>
+            <a:endParaRPr lang="en-US" sz="1800" kern="100" dirty="0">
+              <a:effectLst/>
+              <a:latin typeface="Aptos" panose="020B0004020202020204" pitchFamily="34" charset="0"/>
+              <a:ea typeface="Aptos" panose="020B0004020202020204" pitchFamily="34" charset="0"/>
+              <a:cs typeface="Times New Roman" panose="02020603050405020304" pitchFamily="18" charset="0"/>
+            </a:endParaRPr>
           </a:p>
           <a:p>
             <a:pPr>
@@ -5848,6 +5507,12 @@
               </a:rPr>
               <a:t>Remove variables</a:t>
             </a:r>
+            <a:endParaRPr lang="en-US" sz="1800" kern="100" dirty="0">
+              <a:effectLst/>
+              <a:latin typeface="Aptos" panose="020B0004020202020204" pitchFamily="34" charset="0"/>
+              <a:ea typeface="Aptos" panose="020B0004020202020204" pitchFamily="34" charset="0"/>
+              <a:cs typeface="Times New Roman" panose="02020603050405020304" pitchFamily="18" charset="0"/>
+            </a:endParaRPr>
           </a:p>
           <a:p>
             <a:pPr>
@@ -5916,11 +5581,6 @@
         </p:txBody>
       </p:sp>
     </p:spTree>
-    <p:extLst>
-      <p:ext uri="{BB962C8B-B14F-4D97-AF65-F5344CB8AC3E}">
-        <p14:creationId xmlns:p14="http://schemas.microsoft.com/office/powerpoint/2010/main" val="683995701"/>
-      </p:ext>
-    </p:extLst>
   </p:cSld>
   <p:clrMapOvr>
     <a:masterClrMapping/>
@@ -5947,13 +5607,7 @@
       </p:grpSpPr>
       <p:sp>
         <p:nvSpPr>
-          <p:cNvPr id="2" name="Title 1">
-            <a:extLst>
-              <a:ext uri="{FF2B5EF4-FFF2-40B4-BE49-F238E27FC236}">
-                <a16:creationId xmlns:a16="http://schemas.microsoft.com/office/drawing/2014/main" id="{E7773DCA-6C4C-DE83-E989-422FF3B50C60}"/>
-              </a:ext>
-            </a:extLst>
-          </p:cNvPr>
+          <p:cNvPr id="2" name="Title 1"/>
           <p:cNvSpPr>
             <a:spLocks noGrp="1"/>
           </p:cNvSpPr>
@@ -5981,13 +5635,7 @@
       </p:sp>
       <p:sp>
         <p:nvSpPr>
-          <p:cNvPr id="3" name="Content Placeholder 2">
-            <a:extLst>
-              <a:ext uri="{FF2B5EF4-FFF2-40B4-BE49-F238E27FC236}">
-                <a16:creationId xmlns:a16="http://schemas.microsoft.com/office/drawing/2014/main" id="{5B155678-5971-65A2-8971-083556B3201B}"/>
-              </a:ext>
-            </a:extLst>
-          </p:cNvPr>
+          <p:cNvPr id="3" name="Content Placeholder 2"/>
           <p:cNvSpPr>
             <a:spLocks noGrp="1"/>
           </p:cNvSpPr>
@@ -6052,6 +5700,12 @@
               </a:rPr>
               <a:t>How clustering works in non-technical terms</a:t>
             </a:r>
+            <a:endParaRPr lang="en-US" sz="1800" kern="0" dirty="0">
+              <a:effectLst/>
+              <a:latin typeface="Times New Roman" panose="02020603050405020304" pitchFamily="18" charset="0"/>
+              <a:ea typeface="Times New Roman" panose="02020603050405020304" pitchFamily="18" charset="0"/>
+              <a:cs typeface="Times New Roman" panose="02020603050405020304" pitchFamily="18" charset="0"/>
+            </a:endParaRPr>
           </a:p>
           <a:p>
             <a:pPr marL="0" marR="0" lvl="0" indent="0">
@@ -6075,6 +5729,11 @@
               </a:rPr>
               <a:t>Correlation Between TU/RTU</a:t>
             </a:r>
+            <a:endParaRPr lang="en-US" sz="1800" kern="0" dirty="0">
+              <a:latin typeface="Times New Roman" panose="02020603050405020304" pitchFamily="18" charset="0"/>
+              <a:ea typeface="Aptos" panose="020B0004020202020204" pitchFamily="34" charset="0"/>
+              <a:cs typeface="Times New Roman" panose="02020603050405020304" pitchFamily="18" charset="0"/>
+            </a:endParaRPr>
           </a:p>
           <a:p>
             <a:pPr>
@@ -6106,6 +5765,11 @@
               </a:rPr>
               <a:t>to each RTU on timestamps</a:t>
             </a:r>
+            <a:endParaRPr lang="en-US" sz="1800" kern="0" dirty="0">
+              <a:latin typeface="Times New Roman" panose="02020603050405020304" pitchFamily="18" charset="0"/>
+              <a:ea typeface="Aptos" panose="020B0004020202020204" pitchFamily="34" charset="0"/>
+              <a:cs typeface="Times New Roman" panose="02020603050405020304" pitchFamily="18" charset="0"/>
+            </a:endParaRPr>
           </a:p>
           <a:p>
             <a:pPr lvl="1">
@@ -6204,11 +5868,6 @@
         </p:txBody>
       </p:sp>
     </p:spTree>
-    <p:extLst>
-      <p:ext uri="{BB962C8B-B14F-4D97-AF65-F5344CB8AC3E}">
-        <p14:creationId xmlns:p14="http://schemas.microsoft.com/office/powerpoint/2010/main" val="4163254984"/>
-      </p:ext>
-    </p:extLst>
   </p:cSld>
   <p:clrMapOvr>
     <a:masterClrMapping/>
@@ -6235,13 +5894,7 @@
       </p:grpSpPr>
       <p:sp>
         <p:nvSpPr>
-          <p:cNvPr id="2" name="Title 1">
-            <a:extLst>
-              <a:ext uri="{FF2B5EF4-FFF2-40B4-BE49-F238E27FC236}">
-                <a16:creationId xmlns:a16="http://schemas.microsoft.com/office/drawing/2014/main" id="{88D47EF9-A10D-10D1-31FC-299FF4483645}"/>
-              </a:ext>
-            </a:extLst>
-          </p:cNvPr>
+          <p:cNvPr id="2" name="Title 1"/>
           <p:cNvSpPr>
             <a:spLocks noGrp="1"/>
           </p:cNvSpPr>
@@ -6269,13 +5922,7 @@
       </p:sp>
       <p:sp>
         <p:nvSpPr>
-          <p:cNvPr id="3" name="Content Placeholder 2">
-            <a:extLst>
-              <a:ext uri="{FF2B5EF4-FFF2-40B4-BE49-F238E27FC236}">
-                <a16:creationId xmlns:a16="http://schemas.microsoft.com/office/drawing/2014/main" id="{1F59FDA8-E391-0A8A-1276-13C7DFA9CB90}"/>
-              </a:ext>
-            </a:extLst>
-          </p:cNvPr>
+          <p:cNvPr id="3" name="Content Placeholder 2"/>
           <p:cNvSpPr>
             <a:spLocks noGrp="1"/>
           </p:cNvSpPr>
@@ -6416,11 +6063,6 @@
         </p:txBody>
       </p:sp>
     </p:spTree>
-    <p:extLst>
-      <p:ext uri="{BB962C8B-B14F-4D97-AF65-F5344CB8AC3E}">
-        <p14:creationId xmlns:p14="http://schemas.microsoft.com/office/powerpoint/2010/main" val="2500882463"/>
-      </p:ext>
-    </p:extLst>
   </p:cSld>
   <p:clrMapOvr>
     <a:masterClrMapping/>
@@ -6447,13 +6089,7 @@
       </p:grpSpPr>
       <p:sp>
         <p:nvSpPr>
-          <p:cNvPr id="2" name="Title 1">
-            <a:extLst>
-              <a:ext uri="{FF2B5EF4-FFF2-40B4-BE49-F238E27FC236}">
-                <a16:creationId xmlns:a16="http://schemas.microsoft.com/office/drawing/2014/main" id="{FB3E101B-DA9B-916B-D5B3-06523849BDBC}"/>
-              </a:ext>
-            </a:extLst>
-          </p:cNvPr>
+          <p:cNvPr id="2" name="Title 1"/>
           <p:cNvSpPr>
             <a:spLocks noGrp="1"/>
           </p:cNvSpPr>
@@ -6481,13 +6117,7 @@
       </p:sp>
       <p:sp>
         <p:nvSpPr>
-          <p:cNvPr id="3" name="Content Placeholder 2">
-            <a:extLst>
-              <a:ext uri="{FF2B5EF4-FFF2-40B4-BE49-F238E27FC236}">
-                <a16:creationId xmlns:a16="http://schemas.microsoft.com/office/drawing/2014/main" id="{D986E965-8401-01BA-C6AB-DE7AB13A017E}"/>
-              </a:ext>
-            </a:extLst>
-          </p:cNvPr>
+          <p:cNvPr id="3" name="Content Placeholder 2"/>
           <p:cNvSpPr>
             <a:spLocks noGrp="1"/>
           </p:cNvSpPr>
@@ -6628,11 +6258,6 @@
         </p:txBody>
       </p:sp>
     </p:spTree>
-    <p:extLst>
-      <p:ext uri="{BB962C8B-B14F-4D97-AF65-F5344CB8AC3E}">
-        <p14:creationId xmlns:p14="http://schemas.microsoft.com/office/powerpoint/2010/main" val="4082084661"/>
-      </p:ext>
-    </p:extLst>
   </p:cSld>
   <p:clrMapOvr>
     <a:masterClrMapping/>
@@ -6659,13 +6284,7 @@
       </p:grpSpPr>
       <p:sp>
         <p:nvSpPr>
-          <p:cNvPr id="2" name="Title 1">
-            <a:extLst>
-              <a:ext uri="{FF2B5EF4-FFF2-40B4-BE49-F238E27FC236}">
-                <a16:creationId xmlns:a16="http://schemas.microsoft.com/office/drawing/2014/main" id="{B76FCDBB-2867-501B-3D5A-8CECBA66AD3C}"/>
-              </a:ext>
-            </a:extLst>
-          </p:cNvPr>
+          <p:cNvPr id="2" name="Title 1"/>
           <p:cNvSpPr>
             <a:spLocks noGrp="1"/>
           </p:cNvSpPr>
@@ -6693,13 +6312,7 @@
       </p:sp>
       <p:sp>
         <p:nvSpPr>
-          <p:cNvPr id="3" name="Content Placeholder 2">
-            <a:extLst>
-              <a:ext uri="{FF2B5EF4-FFF2-40B4-BE49-F238E27FC236}">
-                <a16:creationId xmlns:a16="http://schemas.microsoft.com/office/drawing/2014/main" id="{B353E0C0-8606-5CC9-23C0-5FE2DB49A0C7}"/>
-              </a:ext>
-            </a:extLst>
-          </p:cNvPr>
+          <p:cNvPr id="3" name="Content Placeholder 2"/>
           <p:cNvSpPr>
             <a:spLocks noGrp="1"/>
           </p:cNvSpPr>
@@ -6720,7 +6333,7 @@
                 <a:spcPts val="800"/>
               </a:spcAft>
               <a:buSzPts val="1000"/>
-              <a:buFont typeface="Symbol" pitchFamily="2" charset="2"/>
+              <a:buFont typeface="Symbol" panose="05050102010706020507" pitchFamily="2" charset="2"/>
               <a:buChar char=""/>
               <a:tabLst>
                 <a:tab pos="457200" algn="l"/>
@@ -6735,6 +6348,12 @@
               </a:rPr>
               <a:t>Obstacles encountered during analysis</a:t>
             </a:r>
+            <a:endParaRPr lang="en-US" sz="1800" kern="0" dirty="0">
+              <a:effectLst/>
+              <a:latin typeface="Times New Roman" panose="02020603050405020304" pitchFamily="18" charset="0"/>
+              <a:ea typeface="Times New Roman" panose="02020603050405020304" pitchFamily="18" charset="0"/>
+              <a:cs typeface="Times New Roman" panose="02020603050405020304" pitchFamily="18" charset="0"/>
+            </a:endParaRPr>
           </a:p>
           <a:p>
             <a:pPr marL="800100" lvl="1" indent="-342900">
@@ -6745,7 +6364,7 @@
                 <a:spcPts val="800"/>
               </a:spcAft>
               <a:buSzPts val="1000"/>
-              <a:buFont typeface="Symbol" pitchFamily="2" charset="2"/>
+              <a:buFont typeface="Symbol" panose="05050102010706020507" pitchFamily="2" charset="2"/>
               <a:buChar char=""/>
               <a:tabLst>
                 <a:tab pos="457200" algn="l"/>
@@ -6775,7 +6394,7 @@
                 <a:spcPts val="800"/>
               </a:spcAft>
               <a:buSzPts val="1000"/>
-              <a:buFont typeface="Symbol" pitchFamily="2" charset="2"/>
+              <a:buFont typeface="Symbol" panose="05050102010706020507" pitchFamily="2" charset="2"/>
               <a:buChar char=""/>
               <a:tabLst>
                 <a:tab pos="457200" algn="l"/>
@@ -6790,6 +6409,12 @@
               </a:rPr>
               <a:t>What we would do with more time</a:t>
             </a:r>
+            <a:endParaRPr lang="en-US" sz="1800" kern="0" dirty="0">
+              <a:effectLst/>
+              <a:latin typeface="Times New Roman" panose="02020603050405020304" pitchFamily="18" charset="0"/>
+              <a:ea typeface="Times New Roman" panose="02020603050405020304" pitchFamily="18" charset="0"/>
+              <a:cs typeface="Times New Roman" panose="02020603050405020304" pitchFamily="18" charset="0"/>
+            </a:endParaRPr>
           </a:p>
           <a:p>
             <a:pPr marL="800100" lvl="1" indent="-342900">
@@ -6800,7 +6425,7 @@
                 <a:spcPts val="800"/>
               </a:spcAft>
               <a:buSzPts val="1000"/>
-              <a:buFont typeface="Symbol" pitchFamily="2" charset="2"/>
+              <a:buFont typeface="Symbol" panose="05050102010706020507" pitchFamily="2" charset="2"/>
               <a:buChar char=""/>
               <a:tabLst>
                 <a:tab pos="457200" algn="l"/>
@@ -6830,7 +6455,7 @@
                 <a:spcPts val="800"/>
               </a:spcAft>
               <a:buSzPts val="1000"/>
-              <a:buFont typeface="Symbol" pitchFamily="2" charset="2"/>
+              <a:buFont typeface="Symbol" panose="05050102010706020507" pitchFamily="2" charset="2"/>
               <a:buChar char=""/>
               <a:tabLst>
                 <a:tab pos="457200" algn="l"/>
@@ -6861,7 +6486,7 @@
                 <a:spcPts val="800"/>
               </a:spcAft>
               <a:buSzPts val="1000"/>
-              <a:buFont typeface="Symbol" pitchFamily="2" charset="2"/>
+              <a:buFont typeface="Symbol" panose="05050102010706020507" pitchFamily="2" charset="2"/>
               <a:buChar char=""/>
               <a:tabLst>
                 <a:tab pos="457200" algn="l"/>
@@ -6889,11 +6514,6 @@
         </p:txBody>
       </p:sp>
     </p:spTree>
-    <p:extLst>
-      <p:ext uri="{BB962C8B-B14F-4D97-AF65-F5344CB8AC3E}">
-        <p14:creationId xmlns:p14="http://schemas.microsoft.com/office/powerpoint/2010/main" val="1454141785"/>
-      </p:ext>
-    </p:extLst>
   </p:cSld>
   <p:clrMapOvr>
     <a:masterClrMapping/>
@@ -6944,7 +6564,7 @@
     </a:clrScheme>
     <a:fontScheme name="Office">
       <a:majorFont>
-        <a:latin typeface="Aptos Display" panose="02110004020202020204"/>
+        <a:latin typeface="Aptos Display"/>
         <a:ea typeface=""/>
         <a:cs typeface=""/>
         <a:font script="Jpan" typeface="游ゴシック Light"/>
@@ -6977,26 +6597,9 @@
         <a:font script="Viet" typeface="Times New Roman"/>
         <a:font script="Uigh" typeface="Microsoft Uighur"/>
         <a:font script="Geor" typeface="Sylfaen"/>
-        <a:font script="Armn" typeface="Arial"/>
-        <a:font script="Bugi" typeface="Leelawadee UI"/>
-        <a:font script="Bopo" typeface="Microsoft JhengHei"/>
-        <a:font script="Java" typeface="Javanese Text"/>
-        <a:font script="Lisu" typeface="Segoe UI"/>
-        <a:font script="Mymr" typeface="Myanmar Text"/>
-        <a:font script="Nkoo" typeface="Ebrima"/>
-        <a:font script="Olck" typeface="Nirmala UI"/>
-        <a:font script="Osma" typeface="Ebrima"/>
-        <a:font script="Phag" typeface="Phagspa"/>
-        <a:font script="Syrn" typeface="Estrangelo Edessa"/>
-        <a:font script="Syrj" typeface="Estrangelo Edessa"/>
-        <a:font script="Syre" typeface="Estrangelo Edessa"/>
-        <a:font script="Sora" typeface="Nirmala UI"/>
-        <a:font script="Tale" typeface="Microsoft Tai Le"/>
-        <a:font script="Talu" typeface="Microsoft New Tai Lue"/>
-        <a:font script="Tfng" typeface="Ebrima"/>
       </a:majorFont>
       <a:minorFont>
-        <a:latin typeface="Aptos" panose="02110004020202020204"/>
+        <a:latin typeface="Aptos"/>
         <a:ea typeface=""/>
         <a:cs typeface=""/>
         <a:font script="Jpan" typeface="游ゴシック"/>
@@ -7029,23 +6632,6 @@
         <a:font script="Viet" typeface="Arial"/>
         <a:font script="Uigh" typeface="Microsoft Uighur"/>
         <a:font script="Geor" typeface="Sylfaen"/>
-        <a:font script="Armn" typeface="Arial"/>
-        <a:font script="Bugi" typeface="Leelawadee UI"/>
-        <a:font script="Bopo" typeface="Microsoft JhengHei"/>
-        <a:font script="Java" typeface="Javanese Text"/>
-        <a:font script="Lisu" typeface="Segoe UI"/>
-        <a:font script="Mymr" typeface="Myanmar Text"/>
-        <a:font script="Nkoo" typeface="Ebrima"/>
-        <a:font script="Olck" typeface="Nirmala UI"/>
-        <a:font script="Osma" typeface="Ebrima"/>
-        <a:font script="Phag" typeface="Phagspa"/>
-        <a:font script="Syrn" typeface="Estrangelo Edessa"/>
-        <a:font script="Syrj" typeface="Estrangelo Edessa"/>
-        <a:font script="Syre" typeface="Estrangelo Edessa"/>
-        <a:font script="Sora" typeface="Nirmala UI"/>
-        <a:font script="Tale" typeface="Microsoft Tai Le"/>
-        <a:font script="Talu" typeface="Microsoft New Tai Lue"/>
-        <a:font script="Tfng" typeface="Ebrima"/>
       </a:minorFont>
     </a:fontScheme>
     <a:fmtScheme name="Office">
@@ -7207,10 +6793,9 @@
       </a:style>
     </a:lnDef>
   </a:objectDefaults>
-  <a:extraClrSchemeLst/>
   <a:extLst>
     <a:ext uri="{05A4C25C-085E-4340-85A3-A5531E510DB2}">
-      <thm15:themeFamily xmlns:thm15="http://schemas.microsoft.com/office/thememl/2012/main" name="Office Theme" id="{2E142A2C-CD16-42D6-873A-C26D2A0506FA}" vid="{1BDDFF52-6CD6-40A5-AB3C-68EB2F1E4D0A}"/>
+      <thm15:themeFamily xmlns:thm15="http://schemas.microsoft.com/office/thememl/2012/main" name="Office Theme" id="{62F939B6-93AF-4DB8-9C6B-D6C7DFDC589F}" vid="{4A3C46E8-61CC-4603-A589-7422A47A8E4A}"/>
     </a:ext>
   </a:extLst>
 </a:theme>
